--- a/präsentationen/Meilenstein2_Praesentation.pptx
+++ b/präsentationen/Meilenstein2_Praesentation.pptx
@@ -12,25 +12,25 @@
     <p:sldId id="2615" r:id="rId3"/>
     <p:sldId id="2598" r:id="rId4"/>
     <p:sldId id="2633" r:id="rId5"/>
-    <p:sldId id="2642" r:id="rId6"/>
-    <p:sldId id="2634" r:id="rId7"/>
-    <p:sldId id="2620" r:id="rId8"/>
-    <p:sldId id="2635" r:id="rId9"/>
-    <p:sldId id="2624" r:id="rId10"/>
-    <p:sldId id="2621" r:id="rId11"/>
-    <p:sldId id="2643" r:id="rId12"/>
-    <p:sldId id="2644" r:id="rId13"/>
-    <p:sldId id="2636" r:id="rId14"/>
-    <p:sldId id="2625" r:id="rId15"/>
-    <p:sldId id="2627" r:id="rId16"/>
-    <p:sldId id="2647" r:id="rId17"/>
-    <p:sldId id="2648" r:id="rId18"/>
-    <p:sldId id="2637" r:id="rId19"/>
-    <p:sldId id="2640" r:id="rId20"/>
-    <p:sldId id="2645" r:id="rId21"/>
-    <p:sldId id="2639" r:id="rId22"/>
-    <p:sldId id="2638" r:id="rId23"/>
-    <p:sldId id="2646" r:id="rId24"/>
+    <p:sldId id="2634" r:id="rId6"/>
+    <p:sldId id="2620" r:id="rId7"/>
+    <p:sldId id="2650" r:id="rId8"/>
+    <p:sldId id="2654" r:id="rId9"/>
+    <p:sldId id="2642" r:id="rId10"/>
+    <p:sldId id="2655" r:id="rId11"/>
+    <p:sldId id="2656" r:id="rId12"/>
+    <p:sldId id="2657" r:id="rId13"/>
+    <p:sldId id="2627" r:id="rId14"/>
+    <p:sldId id="2635" r:id="rId15"/>
+    <p:sldId id="2624" r:id="rId16"/>
+    <p:sldId id="2658" r:id="rId17"/>
+    <p:sldId id="2659" r:id="rId18"/>
+    <p:sldId id="2644" r:id="rId19"/>
+    <p:sldId id="2660" r:id="rId20"/>
+    <p:sldId id="2636" r:id="rId21"/>
+    <p:sldId id="2625" r:id="rId22"/>
+    <p:sldId id="2637" r:id="rId23"/>
+    <p:sldId id="2640" r:id="rId24"/>
     <p:sldId id="2631" r:id="rId25"/>
     <p:sldId id="2632" r:id="rId26"/>
   </p:sldIdLst>
@@ -140,25 +140,25 @@
             <p14:sldId id="2615"/>
             <p14:sldId id="2598"/>
             <p14:sldId id="2633"/>
-            <p14:sldId id="2642"/>
             <p14:sldId id="2634"/>
             <p14:sldId id="2620"/>
+            <p14:sldId id="2650"/>
+            <p14:sldId id="2654"/>
+            <p14:sldId id="2642"/>
+            <p14:sldId id="2655"/>
+            <p14:sldId id="2656"/>
+            <p14:sldId id="2657"/>
+            <p14:sldId id="2627"/>
             <p14:sldId id="2635"/>
             <p14:sldId id="2624"/>
-            <p14:sldId id="2621"/>
-            <p14:sldId id="2643"/>
+            <p14:sldId id="2658"/>
+            <p14:sldId id="2659"/>
             <p14:sldId id="2644"/>
+            <p14:sldId id="2660"/>
             <p14:sldId id="2636"/>
             <p14:sldId id="2625"/>
-            <p14:sldId id="2627"/>
-            <p14:sldId id="2647"/>
-            <p14:sldId id="2648"/>
             <p14:sldId id="2637"/>
             <p14:sldId id="2640"/>
-            <p14:sldId id="2645"/>
-            <p14:sldId id="2639"/>
-            <p14:sldId id="2638"/>
-            <p14:sldId id="2646"/>
             <p14:sldId id="2631"/>
             <p14:sldId id="2632"/>
           </p14:sldIdLst>
@@ -253,7 +253,7 @@
           </a:lstStyle>
           <a:p>
             <a:fld id="{75BEE995-72F4-482A-B547-037217EEA661}" type="datetimeFigureOut">
-              <a:t>17.05.2025</a:t>
+              <a:t>19.05.2025</a:t>
             </a:fld>
             <a:endParaRPr lang="de-DE"/>
           </a:p>
@@ -720,7 +720,7 @@
           <a:lstStyle/>
           <a:p>
             <a:fld id="{8C36BA74-7AA1-48ED-B9BC-0F570D47A936}" type="slidenum">
-              <a:t>6</a:t>
+              <a:t>5</a:t>
             </a:fld>
             <a:endParaRPr lang="de-DE"/>
           </a:p>
@@ -740,6 +740,116 @@
 </file>
 
 <file path=ppt/notesSlides/notesSlide3.xml><?xml version="1.0" encoding="utf-8"?>
+<p:notes xmlns:a="http://schemas.openxmlformats.org/drawingml/2006/main" xmlns:r="http://schemas.openxmlformats.org/officeDocument/2006/relationships" xmlns:p="http://schemas.openxmlformats.org/presentationml/2006/main">
+  <p:cSld>
+    <p:spTree>
+      <p:nvGrpSpPr>
+        <p:cNvPr id="1" name="">
+          <a:extLst>
+            <a:ext uri="{FF2B5EF4-FFF2-40B4-BE49-F238E27FC236}">
+              <a16:creationId xmlns:a16="http://schemas.microsoft.com/office/drawing/2014/main" id="{24C3207F-A383-62ED-7C74-CCE80B6F03E9}"/>
+            </a:ext>
+          </a:extLst>
+        </p:cNvPr>
+        <p:cNvGrpSpPr/>
+        <p:nvPr/>
+      </p:nvGrpSpPr>
+      <p:grpSpPr>
+        <a:xfrm>
+          <a:off x="0" y="0"/>
+          <a:ext cx="0" cy="0"/>
+          <a:chOff x="0" y="0"/>
+          <a:chExt cx="0" cy="0"/>
+        </a:xfrm>
+      </p:grpSpPr>
+      <p:sp>
+        <p:nvSpPr>
+          <p:cNvPr id="2" name="Folienbildplatzhalter 1">
+            <a:extLst>
+              <a:ext uri="{FF2B5EF4-FFF2-40B4-BE49-F238E27FC236}">
+                <a16:creationId xmlns:a16="http://schemas.microsoft.com/office/drawing/2014/main" id="{1424EB3F-859A-1A36-14FD-10139616E78E}"/>
+              </a:ext>
+            </a:extLst>
+          </p:cNvPr>
+          <p:cNvSpPr>
+            <a:spLocks noGrp="1" noRot="1" noChangeAspect="1"/>
+          </p:cNvSpPr>
+          <p:nvPr>
+            <p:ph type="sldImg"/>
+          </p:nvPr>
+        </p:nvSpPr>
+        <p:spPr/>
+      </p:sp>
+      <p:sp>
+        <p:nvSpPr>
+          <p:cNvPr id="3" name="Notizenplatzhalter 2">
+            <a:extLst>
+              <a:ext uri="{FF2B5EF4-FFF2-40B4-BE49-F238E27FC236}">
+                <a16:creationId xmlns:a16="http://schemas.microsoft.com/office/drawing/2014/main" id="{86A6A255-0288-0EE0-E384-B49403D03E94}"/>
+              </a:ext>
+            </a:extLst>
+          </p:cNvPr>
+          <p:cNvSpPr>
+            <a:spLocks noGrp="1"/>
+          </p:cNvSpPr>
+          <p:nvPr>
+            <p:ph type="body" idx="1"/>
+          </p:nvPr>
+        </p:nvSpPr>
+        <p:spPr/>
+        <p:txBody>
+          <a:bodyPr/>
+          <a:lstStyle/>
+          <a:p>
+            <a:r>
+              <a:rPr lang="de-DE"/>
+              <a:t>Hier beginnen wir mit dem Hintergrund und der Motivation für unser Projekt. Wir geben einen Überblick über die Einzelhandelsbranche und erläutern die Zielsetzung unseres Data Science Projekts, um Prozesse zu optimieren und die Effizienz zu steigern.</a:t>
+            </a:r>
+          </a:p>
+        </p:txBody>
+      </p:sp>
+      <p:sp>
+        <p:nvSpPr>
+          <p:cNvPr id="4" name="Foliennummernplatzhalter 3">
+            <a:extLst>
+              <a:ext uri="{FF2B5EF4-FFF2-40B4-BE49-F238E27FC236}">
+                <a16:creationId xmlns:a16="http://schemas.microsoft.com/office/drawing/2014/main" id="{3399DFBB-441E-AEAB-304A-B784860FE540}"/>
+              </a:ext>
+            </a:extLst>
+          </p:cNvPr>
+          <p:cNvSpPr>
+            <a:spLocks noGrp="1"/>
+          </p:cNvSpPr>
+          <p:nvPr>
+            <p:ph type="sldNum" sz="quarter" idx="5"/>
+          </p:nvPr>
+        </p:nvSpPr>
+        <p:spPr/>
+        <p:txBody>
+          <a:bodyPr/>
+          <a:lstStyle/>
+          <a:p>
+            <a:fld id="{8C36BA74-7AA1-48ED-B9BC-0F570D47A936}" type="slidenum">
+              <a:t>7</a:t>
+            </a:fld>
+            <a:endParaRPr lang="de-DE"/>
+          </a:p>
+        </p:txBody>
+      </p:sp>
+    </p:spTree>
+    <p:extLst>
+      <p:ext uri="{BB962C8B-B14F-4D97-AF65-F5344CB8AC3E}">
+        <p14:creationId xmlns:p14="http://schemas.microsoft.com/office/powerpoint/2010/main" val="2075434933"/>
+      </p:ext>
+    </p:extLst>
+  </p:cSld>
+  <p:clrMapOvr>
+    <a:masterClrMapping/>
+  </p:clrMapOvr>
+</p:notes>
+</file>
+
+<file path=ppt/notesSlides/notesSlide4.xml><?xml version="1.0" encoding="utf-8"?>
 <p:notes xmlns:a="http://schemas.openxmlformats.org/drawingml/2006/main" xmlns:r="http://schemas.openxmlformats.org/officeDocument/2006/relationships" xmlns:p="http://schemas.openxmlformats.org/presentationml/2006/main">
   <p:cSld>
     <p:spTree>
@@ -830,7 +940,7 @@
           <a:lstStyle/>
           <a:p>
             <a:fld id="{8C36BA74-7AA1-48ED-B9BC-0F570D47A936}" type="slidenum">
-              <a:t>8</a:t>
+              <a:t>14</a:t>
             </a:fld>
             <a:endParaRPr lang="de-DE"/>
           </a:p>
@@ -849,7 +959,7 @@
 </p:notes>
 </file>
 
-<file path=ppt/notesSlides/notesSlide4.xml><?xml version="1.0" encoding="utf-8"?>
+<file path=ppt/notesSlides/notesSlide5.xml><?xml version="1.0" encoding="utf-8"?>
 <p:notes xmlns:a="http://schemas.openxmlformats.org/drawingml/2006/main" xmlns:r="http://schemas.openxmlformats.org/officeDocument/2006/relationships" xmlns:p="http://schemas.openxmlformats.org/presentationml/2006/main">
   <p:cSld>
     <p:spTree>
@@ -940,7 +1050,7 @@
           <a:lstStyle/>
           <a:p>
             <a:fld id="{8C36BA74-7AA1-48ED-B9BC-0F570D47A936}" type="slidenum">
-              <a:t>13</a:t>
+              <a:t>20</a:t>
             </a:fld>
             <a:endParaRPr lang="de-DE"/>
           </a:p>
@@ -1242,7 +1352,7 @@
           <a:p>
             <a:fld id="{4E96B16B-3D02-421E-9A22-E7AF4889F0FE}" type="datetime1">
               <a:rPr lang="en-US" smtClean="0"/>
-              <a:t>5/17/2025</a:t>
+              <a:t>5/19/2025</a:t>
             </a:fld>
             <a:endParaRPr lang="en-US"/>
           </a:p>
@@ -1444,7 +1554,7 @@
           <a:p>
             <a:fld id="{DB775AC6-EFC6-47B7-8612-9DA8DD25D955}" type="datetime1">
               <a:rPr lang="en-US" smtClean="0"/>
-              <a:t>5/17/2025</a:t>
+              <a:t>5/19/2025</a:t>
             </a:fld>
             <a:endParaRPr lang="en-US"/>
           </a:p>
@@ -1788,7 +1898,7 @@
           <a:p>
             <a:fld id="{6AA36526-50D6-4421-A203-614B20CF2703}" type="datetime1">
               <a:rPr lang="en-US" smtClean="0"/>
-              <a:t>5/17/2025</a:t>
+              <a:t>5/19/2025</a:t>
             </a:fld>
             <a:endParaRPr lang="en-US"/>
           </a:p>
@@ -2047,7 +2157,7 @@
           <a:p>
             <a:fld id="{75E84928-FE16-43B9-BC25-2859501720EA}" type="datetime1">
               <a:rPr lang="en-US" smtClean="0"/>
-              <a:t>5/17/2025</a:t>
+              <a:t>5/19/2025</a:t>
             </a:fld>
             <a:endParaRPr lang="en-US"/>
           </a:p>
@@ -2467,7 +2577,7 @@
           <a:p>
             <a:fld id="{52B94D21-0962-4C08-BB57-BC7507DEE084}" type="datetime1">
               <a:rPr lang="en-US" smtClean="0"/>
-              <a:t>5/17/2025</a:t>
+              <a:t>5/19/2025</a:t>
             </a:fld>
             <a:endParaRPr lang="en-US"/>
           </a:p>
@@ -2920,7 +3030,7 @@
           <a:p>
             <a:fld id="{EF075700-B54E-437C-8A31-0CC21845C39D}" type="datetime1">
               <a:rPr lang="en-US" smtClean="0"/>
-              <a:t>5/17/2025</a:t>
+              <a:t>5/19/2025</a:t>
             </a:fld>
             <a:endParaRPr lang="en-US"/>
           </a:p>
@@ -3472,7 +3582,7 @@
           <a:p>
             <a:fld id="{A7472505-C2E4-4560-87BD-F72139D98800}" type="datetime1">
               <a:rPr lang="en-US" smtClean="0"/>
-              <a:t>5/17/2025</a:t>
+              <a:t>5/19/2025</a:t>
             </a:fld>
             <a:endParaRPr lang="en-US"/>
           </a:p>
@@ -3749,7 +3859,7 @@
           <a:p>
             <a:fld id="{688C6202-6C0C-4936-9181-C3BAC183F367}" type="datetime1">
               <a:rPr lang="en-US" smtClean="0"/>
-              <a:t>5/17/2025</a:t>
+              <a:t>5/19/2025</a:t>
             </a:fld>
             <a:endParaRPr lang="en-US"/>
           </a:p>
@@ -3998,7 +4108,7 @@
           <a:p>
             <a:fld id="{B9C3A1C5-5A4D-40F5-AA30-2E2FA551A28A}" type="datetime1">
               <a:rPr lang="en-US" smtClean="0"/>
-              <a:t>5/17/2025</a:t>
+              <a:t>5/19/2025</a:t>
             </a:fld>
             <a:endParaRPr lang="en-US"/>
           </a:p>
@@ -4451,7 +4561,7 @@
           <a:p>
             <a:fld id="{A3AFC84A-6073-47BB-AA17-B11F88B48FFC}" type="datetime1">
               <a:rPr lang="en-US" smtClean="0"/>
-              <a:t>5/17/2025</a:t>
+              <a:t>5/19/2025</a:t>
             </a:fld>
             <a:endParaRPr lang="en-US"/>
           </a:p>
@@ -4879,7 +4989,7 @@
           <a:p>
             <a:fld id="{049970C6-98BD-4B9C-9DB4-A09FCA6FDD64}" type="datetime1">
               <a:rPr lang="en-US" smtClean="0"/>
-              <a:t>5/17/2025</a:t>
+              <a:t>5/19/2025</a:t>
             </a:fld>
             <a:endParaRPr lang="en-US"/>
           </a:p>
@@ -5487,7 +5597,7 @@
           <a:p>
             <a:fld id="{F21DBC69-2876-4ACB-95B6-39F77D4C7E0D}" type="datetime1">
               <a:rPr lang="en-US" smtClean="0"/>
-              <a:t>5/17/2025</a:t>
+              <a:t>5/19/2025</a:t>
             </a:fld>
             <a:r>
               <a:rPr lang="en-US"/>
@@ -5924,7 +6034,7 @@
             </a:pPr>
             <a:r>
               <a:rPr lang="de-DE" sz="3200" dirty="0"/>
-              <a:t>2. Meilenstein - Datenbereitstellung</a:t>
+              <a:t>Zweiter Meilenstein - Datenbereitstellung</a:t>
             </a:r>
             <a:br>
               <a:rPr lang="de-DE" sz="3200" dirty="0"/>
@@ -6173,7 +6283,7 @@
         </p:blipFill>
         <p:spPr>
           <a:xfrm>
-            <a:off x="515112" y="863645"/>
+            <a:off x="515112" y="872698"/>
             <a:ext cx="4895547" cy="5130710"/>
           </a:xfrm>
           <a:prstGeom prst="rect">
@@ -6377,7 +6487,13 @@
   <p:cSld>
     <p:spTree>
       <p:nvGrpSpPr>
-        <p:cNvPr id="1" name=""/>
+        <p:cNvPr id="1" name="">
+          <a:extLst>
+            <a:ext uri="{FF2B5EF4-FFF2-40B4-BE49-F238E27FC236}">
+              <a16:creationId xmlns:a16="http://schemas.microsoft.com/office/drawing/2014/main" id="{A4944C40-59AE-25CB-B136-D9F251C9C13B}"/>
+            </a:ext>
+          </a:extLst>
+        </p:cNvPr>
         <p:cNvGrpSpPr/>
         <p:nvPr/>
       </p:nvGrpSpPr>
@@ -6391,7 +6507,13 @@
       </p:grpSpPr>
       <p:sp>
         <p:nvSpPr>
-          <p:cNvPr id="2" name="Title 1"/>
+          <p:cNvPr id="2" name="Title 1">
+            <a:extLst>
+              <a:ext uri="{FF2B5EF4-FFF2-40B4-BE49-F238E27FC236}">
+                <a16:creationId xmlns:a16="http://schemas.microsoft.com/office/drawing/2014/main" id="{80BD6F5A-5107-508C-F342-AFE7988AA3D1}"/>
+              </a:ext>
+            </a:extLst>
+          </p:cNvPr>
           <p:cNvSpPr>
             <a:spLocks noGrp="1"/>
           </p:cNvSpPr>
@@ -6401,20 +6523,31 @@
         </p:nvSpPr>
         <p:spPr/>
         <p:txBody>
-          <a:bodyPr/>
+          <a:bodyPr>
+            <a:normAutofit/>
+          </a:bodyPr>
           <a:lstStyle/>
           <a:p>
             <a:r>
               <a:rPr lang="de-DE" dirty="0"/>
-              <a:t>Datentransformation</a:t>
-            </a:r>
-            <a:endParaRPr dirty="0"/>
-          </a:p>
-        </p:txBody>
-      </p:sp>
-      <p:sp>
-        <p:nvSpPr>
-          <p:cNvPr id="3" name="Content Placeholder 2"/>
+              <a:t>Vorabanalyse – Stornoprozess</a:t>
+            </a:r>
+            <a:br>
+              <a:rPr lang="de-DE" dirty="0"/>
+            </a:br>
+            <a:endParaRPr lang="de-DE" dirty="0"/>
+          </a:p>
+        </p:txBody>
+      </p:sp>
+      <p:sp>
+        <p:nvSpPr>
+          <p:cNvPr id="3" name="Content Placeholder 2">
+            <a:extLst>
+              <a:ext uri="{FF2B5EF4-FFF2-40B4-BE49-F238E27FC236}">
+                <a16:creationId xmlns:a16="http://schemas.microsoft.com/office/drawing/2014/main" id="{5B3E69EB-2CFF-EE0A-36F2-5EA4A72A3FF9}"/>
+              </a:ext>
+            </a:extLst>
+          </p:cNvPr>
           <p:cNvSpPr>
             <a:spLocks noGrp="1"/>
           </p:cNvSpPr>
@@ -6430,18 +6563,174 @@
             <a:endParaRPr dirty="0"/>
           </a:p>
           <a:p>
-            <a:pPr>
-              <a:defRPr sz="1800">
-                <a:solidFill>
-                  <a:srgbClr val="000000"/>
-                </a:solidFill>
-              </a:defRPr>
+            <a:pPr marL="342900" lvl="0" indent="-342900">
+              <a:lnSpc>
+                <a:spcPct val="107000"/>
+              </a:lnSpc>
+              <a:spcAft>
+                <a:spcPts val="800"/>
+              </a:spcAft>
+              <a:buSzPts val="1000"/>
+              <a:buFont typeface="Symbol" panose="05050102010706020507" pitchFamily="18" charset="2"/>
+              <a:buChar char=""/>
+              <a:tabLst>
+                <a:tab pos="457200" algn="l"/>
+              </a:tabLst>
             </a:pPr>
-            <a:endParaRPr dirty="0"/>
+            <a:r>
+              <a:rPr lang="de-DE" sz="1800" b="1" kern="100" dirty="0">
+                <a:effectLst/>
+                <a:latin typeface="Aptos" panose="020B0004020202020204" pitchFamily="34" charset="0"/>
+                <a:ea typeface="Aptos" panose="020B0004020202020204" pitchFamily="34" charset="0"/>
+                <a:cs typeface="Times New Roman" panose="02020603050405020304" pitchFamily="18" charset="0"/>
+              </a:rPr>
+              <a:t>500 stornierte Transaktionen mit </a:t>
+            </a:r>
+            <a:r>
+              <a:rPr lang="de-DE" sz="1800" b="1" kern="100" dirty="0" err="1">
+                <a:effectLst/>
+                <a:latin typeface="Aptos" panose="020B0004020202020204" pitchFamily="34" charset="0"/>
+                <a:ea typeface="Aptos" panose="020B0004020202020204" pitchFamily="34" charset="0"/>
+                <a:cs typeface="Times New Roman" panose="02020603050405020304" pitchFamily="18" charset="0"/>
+              </a:rPr>
+              <a:t>sales_price</a:t>
+            </a:r>
+            <a:r>
+              <a:rPr lang="de-DE" sz="1800" b="1" kern="100" dirty="0">
+                <a:effectLst/>
+                <a:latin typeface="Aptos" panose="020B0004020202020204" pitchFamily="34" charset="0"/>
+                <a:ea typeface="Aptos" panose="020B0004020202020204" pitchFamily="34" charset="0"/>
+                <a:cs typeface="Times New Roman" panose="02020603050405020304" pitchFamily="18" charset="0"/>
+              </a:rPr>
+              <a:t> </a:t>
+            </a:r>
+            <a:r>
+              <a:rPr lang="de-DE" sz="1800" b="1" kern="100" dirty="0">
+                <a:latin typeface="Aptos" panose="020B0004020202020204" pitchFamily="34" charset="0"/>
+                <a:ea typeface="Aptos" panose="020B0004020202020204" pitchFamily="34" charset="0"/>
+                <a:cs typeface="Times New Roman" panose="02020603050405020304" pitchFamily="18" charset="0"/>
+                <a:sym typeface="Wingdings" panose="05000000000000000000" pitchFamily="2" charset="2"/>
+              </a:rPr>
+              <a:t> = 0  alle als FRAUD klassifiziert</a:t>
+            </a:r>
+          </a:p>
+          <a:p>
+            <a:pPr marL="800100" lvl="1" indent="-342900">
+              <a:lnSpc>
+                <a:spcPct val="107000"/>
+              </a:lnSpc>
+              <a:spcAft>
+                <a:spcPts val="800"/>
+              </a:spcAft>
+              <a:buSzPts val="1000"/>
+              <a:buFont typeface="Symbol" panose="05050102010706020507" pitchFamily="18" charset="2"/>
+              <a:buChar char=""/>
+              <a:tabLst>
+                <a:tab pos="457200" algn="l"/>
+              </a:tabLst>
+            </a:pPr>
+            <a:r>
+              <a:rPr lang="de-DE" b="1" kern="100" dirty="0">
+                <a:latin typeface="Aptos" panose="020B0004020202020204" pitchFamily="34" charset="0"/>
+                <a:ea typeface="Aptos" panose="020B0004020202020204" pitchFamily="34" charset="0"/>
+                <a:cs typeface="Times New Roman" panose="02020603050405020304" pitchFamily="18" charset="0"/>
+                <a:sym typeface="Wingdings" panose="05000000000000000000" pitchFamily="2" charset="2"/>
+              </a:rPr>
+              <a:t> von Kamera als nicht-gescannte Artikel erkannt</a:t>
+            </a:r>
+          </a:p>
+          <a:p>
+            <a:pPr marL="800100" lvl="1" indent="-342900">
+              <a:lnSpc>
+                <a:spcPct val="107000"/>
+              </a:lnSpc>
+              <a:spcAft>
+                <a:spcPts val="800"/>
+              </a:spcAft>
+              <a:buSzPts val="1000"/>
+              <a:buFont typeface="Symbol" panose="05050102010706020507" pitchFamily="18" charset="2"/>
+              <a:buChar char=""/>
+              <a:tabLst>
+                <a:tab pos="457200" algn="l"/>
+              </a:tabLst>
+            </a:pPr>
+            <a:r>
+              <a:rPr lang="de-DE" b="1" dirty="0">
+                <a:latin typeface="Aptos" panose="020B0004020202020204" pitchFamily="34" charset="0"/>
+                <a:ea typeface="Aptos" panose="020B0004020202020204" pitchFamily="34" charset="0"/>
+                <a:cs typeface="Times New Roman" panose="02020603050405020304" pitchFamily="18" charset="0"/>
+              </a:rPr>
+              <a:t>weitere Behandlung dieser Fälle noch zu klären</a:t>
+            </a:r>
+          </a:p>
+          <a:p>
+            <a:pPr marL="342900" lvl="0" indent="-342900">
+              <a:lnSpc>
+                <a:spcPct val="107000"/>
+              </a:lnSpc>
+              <a:spcAft>
+                <a:spcPts val="800"/>
+              </a:spcAft>
+              <a:buSzPts val="1000"/>
+              <a:buFont typeface="Symbol" panose="05050102010706020507" pitchFamily="18" charset="2"/>
+              <a:buChar char=""/>
+              <a:tabLst>
+                <a:tab pos="457200" algn="l"/>
+              </a:tabLst>
+            </a:pPr>
+            <a:r>
+              <a:rPr lang="de-DE" b="1" dirty="0">
+                <a:latin typeface="Aptos" panose="020B0004020202020204" pitchFamily="34" charset="0"/>
+                <a:ea typeface="Aptos" panose="020B0004020202020204" pitchFamily="34" charset="0"/>
+                <a:cs typeface="Times New Roman" panose="02020603050405020304" pitchFamily="18" charset="0"/>
+              </a:rPr>
+              <a:t>Weitere Auffälligkeiten im Zusammenhang mit Stornierungen  </a:t>
+            </a:r>
+            <a:r>
+              <a:rPr lang="de-DE" b="1" dirty="0">
+                <a:latin typeface="Aptos" panose="020B0004020202020204" pitchFamily="34" charset="0"/>
+                <a:ea typeface="Aptos" panose="020B0004020202020204" pitchFamily="34" charset="0"/>
+                <a:cs typeface="Times New Roman" panose="02020603050405020304" pitchFamily="18" charset="0"/>
+                <a:sym typeface="Wingdings" panose="05000000000000000000" pitchFamily="2" charset="2"/>
+              </a:rPr>
+              <a:t> noch in Klärung</a:t>
+            </a:r>
+            <a:endParaRPr lang="de-DE" dirty="0">
+              <a:latin typeface="Aptos" panose="020B0004020202020204" pitchFamily="34" charset="0"/>
+              <a:ea typeface="Aptos" panose="020B0004020202020204" pitchFamily="34" charset="0"/>
+              <a:cs typeface="Times New Roman" panose="02020603050405020304" pitchFamily="18" charset="0"/>
+            </a:endParaRPr>
+          </a:p>
+          <a:p>
+            <a:pPr marL="342900" indent="-342900">
+              <a:lnSpc>
+                <a:spcPct val="107000"/>
+              </a:lnSpc>
+              <a:spcAft>
+                <a:spcPts val="800"/>
+              </a:spcAft>
+              <a:buSzPts val="1000"/>
+              <a:buFont typeface="Symbol" panose="05050102010706020507" pitchFamily="18" charset="2"/>
+              <a:buChar char=""/>
+              <a:tabLst>
+                <a:tab pos="457200" algn="l"/>
+              </a:tabLst>
+            </a:pPr>
+            <a:endParaRPr lang="de-DE" sz="1800" kern="100" dirty="0">
+              <a:effectLst/>
+              <a:latin typeface="Aptos" panose="020B0004020202020204" pitchFamily="34" charset="0"/>
+              <a:ea typeface="Aptos" panose="020B0004020202020204" pitchFamily="34" charset="0"/>
+              <a:cs typeface="Times New Roman" panose="02020603050405020304" pitchFamily="18" charset="0"/>
+            </a:endParaRPr>
           </a:p>
         </p:txBody>
       </p:sp>
     </p:spTree>
+    <p:extLst>
+      <p:ext uri="{BB962C8B-B14F-4D97-AF65-F5344CB8AC3E}">
+        <p14:creationId xmlns:p14="http://schemas.microsoft.com/office/powerpoint/2010/main" val="514260641"/>
+      </p:ext>
+    </p:extLst>
   </p:cSld>
   <p:clrMapOvr>
     <a:masterClrMapping/>
@@ -6457,7 +6746,7 @@
         <p:cNvPr id="1" name="">
           <a:extLst>
             <a:ext uri="{FF2B5EF4-FFF2-40B4-BE49-F238E27FC236}">
-              <a16:creationId xmlns:a16="http://schemas.microsoft.com/office/drawing/2014/main" id="{D9ED5DF7-962A-371B-28C9-4905AD9774B6}"/>
+              <a16:creationId xmlns:a16="http://schemas.microsoft.com/office/drawing/2014/main" id="{3A5B4005-C13F-7EE1-3BDB-3927FA418A94}"/>
             </a:ext>
           </a:extLst>
         </p:cNvPr>
@@ -6477,7 +6766,7 @@
           <p:cNvPr id="2" name="Title 1">
             <a:extLst>
               <a:ext uri="{FF2B5EF4-FFF2-40B4-BE49-F238E27FC236}">
-                <a16:creationId xmlns:a16="http://schemas.microsoft.com/office/drawing/2014/main" id="{C68844AE-4EA6-44CA-1946-419BD367B2C5}"/>
+                <a16:creationId xmlns:a16="http://schemas.microsoft.com/office/drawing/2014/main" id="{0C5C965F-B61A-9A89-CB14-EFE5961F0E89}"/>
               </a:ext>
             </a:extLst>
           </p:cNvPr>
@@ -6490,14 +6779,28 @@
         </p:nvSpPr>
         <p:spPr/>
         <p:txBody>
-          <a:bodyPr/>
+          <a:bodyPr>
+            <a:normAutofit/>
+          </a:bodyPr>
           <a:lstStyle/>
           <a:p>
             <a:r>
               <a:rPr lang="de-DE" dirty="0"/>
-              <a:t>Datentransformation</a:t>
-            </a:r>
-            <a:endParaRPr dirty="0"/>
+              <a:t>Vorabanalyse – Kundenfeedback</a:t>
+            </a:r>
+            <a:br>
+              <a:rPr lang="de-DE" dirty="0"/>
+            </a:br>
+            <a:r>
+              <a:rPr lang="de-DE" sz="2000" b="1" kern="100" dirty="0">
+                <a:effectLst/>
+                <a:latin typeface="Aptos" panose="020B0004020202020204" pitchFamily="34" charset="0"/>
+                <a:ea typeface="Aptos" panose="020B0004020202020204" pitchFamily="34" charset="0"/>
+                <a:cs typeface="Times New Roman" panose="02020603050405020304" pitchFamily="18" charset="0"/>
+              </a:rPr>
+              <a:t>Bei FRAUD sind niedrige Kundenbewertungen unterrepräsentiert</a:t>
+            </a:r>
+            <a:endParaRPr lang="de-DE" dirty="0"/>
           </a:p>
         </p:txBody>
       </p:sp>
@@ -6506,7 +6809,7 @@
           <p:cNvPr id="3" name="Content Placeholder 2">
             <a:extLst>
               <a:ext uri="{FF2B5EF4-FFF2-40B4-BE49-F238E27FC236}">
-                <a16:creationId xmlns:a16="http://schemas.microsoft.com/office/drawing/2014/main" id="{722E413E-4807-4380-39E4-E0D2064E45A6}"/>
+                <a16:creationId xmlns:a16="http://schemas.microsoft.com/office/drawing/2014/main" id="{2B144FDA-FA4D-247B-166A-F3F2596D52DB}"/>
               </a:ext>
             </a:extLst>
           </p:cNvPr>
@@ -6525,21 +6828,69 @@
             <a:endParaRPr dirty="0"/>
           </a:p>
           <a:p>
-            <a:pPr>
-              <a:defRPr sz="1800">
-                <a:solidFill>
-                  <a:srgbClr val="000000"/>
-                </a:solidFill>
-              </a:defRPr>
+            <a:pPr marL="342900" lvl="0" indent="-342900">
+              <a:lnSpc>
+                <a:spcPct val="107000"/>
+              </a:lnSpc>
+              <a:spcAft>
+                <a:spcPts val="800"/>
+              </a:spcAft>
+              <a:buSzPts val="1000"/>
+              <a:buFont typeface="Symbol" panose="05050102010706020507" pitchFamily="18" charset="2"/>
+              <a:buChar char=""/>
+              <a:tabLst>
+                <a:tab pos="457200" algn="l"/>
+              </a:tabLst>
             </a:pPr>
-            <a:endParaRPr dirty="0"/>
-          </a:p>
-        </p:txBody>
-      </p:sp>
+            <a:endParaRPr lang="de-DE" sz="1800" kern="100" dirty="0">
+              <a:effectLst/>
+              <a:latin typeface="Aptos" panose="020B0004020202020204" pitchFamily="34" charset="0"/>
+              <a:ea typeface="Aptos" panose="020B0004020202020204" pitchFamily="34" charset="0"/>
+              <a:cs typeface="Times New Roman" panose="02020603050405020304" pitchFamily="18" charset="0"/>
+            </a:endParaRPr>
+          </a:p>
+        </p:txBody>
+      </p:sp>
+      <p:pic>
+        <p:nvPicPr>
+          <p:cNvPr id="5" name="Grafik 4">
+            <a:extLst>
+              <a:ext uri="{FF2B5EF4-FFF2-40B4-BE49-F238E27FC236}">
+                <a16:creationId xmlns:a16="http://schemas.microsoft.com/office/drawing/2014/main" id="{36F05D89-3372-252D-EFD4-72B64C50D1E7}"/>
+              </a:ext>
+            </a:extLst>
+          </p:cNvPr>
+          <p:cNvPicPr>
+            <a:picLocks noChangeAspect="1"/>
+          </p:cNvPicPr>
+          <p:nvPr/>
+        </p:nvPicPr>
+        <p:blipFill>
+          <a:blip r:embed="rId2" cstate="print">
+            <a:extLst>
+              <a:ext uri="{28A0092B-C50C-407E-A947-70E740481C1C}">
+                <a14:useLocalDpi xmlns:a14="http://schemas.microsoft.com/office/drawing/2010/main" val="0"/>
+              </a:ext>
+            </a:extLst>
+          </a:blip>
+          <a:stretch>
+            <a:fillRect/>
+          </a:stretch>
+        </p:blipFill>
+        <p:spPr>
+          <a:xfrm>
+            <a:off x="3243981" y="2262544"/>
+            <a:ext cx="4860121" cy="3438144"/>
+          </a:xfrm>
+          <a:prstGeom prst="rect">
+            <a:avLst/>
+          </a:prstGeom>
+        </p:spPr>
+      </p:pic>
     </p:spTree>
     <p:extLst>
       <p:ext uri="{BB962C8B-B14F-4D97-AF65-F5344CB8AC3E}">
-        <p14:creationId xmlns:p14="http://schemas.microsoft.com/office/powerpoint/2010/main" val="201621073"/>
+        <p14:creationId xmlns:p14="http://schemas.microsoft.com/office/powerpoint/2010/main" val="3003915889"/>
       </p:ext>
     </p:extLst>
   </p:cSld>
@@ -6550,6 +6901,2008 @@
 </file>
 
 <file path=ppt/slides/slide12.xml><?xml version="1.0" encoding="utf-8"?>
+<p:sld xmlns:a="http://schemas.openxmlformats.org/drawingml/2006/main" xmlns:r="http://schemas.openxmlformats.org/officeDocument/2006/relationships" xmlns:p="http://schemas.openxmlformats.org/presentationml/2006/main">
+  <p:cSld>
+    <p:spTree>
+      <p:nvGrpSpPr>
+        <p:cNvPr id="1" name="">
+          <a:extLst>
+            <a:ext uri="{FF2B5EF4-FFF2-40B4-BE49-F238E27FC236}">
+              <a16:creationId xmlns:a16="http://schemas.microsoft.com/office/drawing/2014/main" id="{7B82FA17-BBCF-916F-AEF7-417F1230B62B}"/>
+            </a:ext>
+          </a:extLst>
+        </p:cNvPr>
+        <p:cNvGrpSpPr/>
+        <p:nvPr/>
+      </p:nvGrpSpPr>
+      <p:grpSpPr>
+        <a:xfrm>
+          <a:off x="0" y="0"/>
+          <a:ext cx="0" cy="0"/>
+          <a:chOff x="0" y="0"/>
+          <a:chExt cx="0" cy="0"/>
+        </a:xfrm>
+      </p:grpSpPr>
+      <p:sp>
+        <p:nvSpPr>
+          <p:cNvPr id="2" name="Title 1">
+            <a:extLst>
+              <a:ext uri="{FF2B5EF4-FFF2-40B4-BE49-F238E27FC236}">
+                <a16:creationId xmlns:a16="http://schemas.microsoft.com/office/drawing/2014/main" id="{62766D7E-E99B-14B0-4A4E-584A97D9223E}"/>
+              </a:ext>
+            </a:extLst>
+          </p:cNvPr>
+          <p:cNvSpPr>
+            <a:spLocks noGrp="1"/>
+          </p:cNvSpPr>
+          <p:nvPr>
+            <p:ph type="title"/>
+          </p:nvPr>
+        </p:nvSpPr>
+        <p:spPr/>
+        <p:txBody>
+          <a:bodyPr>
+            <a:normAutofit/>
+          </a:bodyPr>
+          <a:lstStyle/>
+          <a:p>
+            <a:r>
+              <a:rPr lang="de-DE" dirty="0"/>
+              <a:t>Vorabanalyse – Kamerasystem</a:t>
+            </a:r>
+            <a:br>
+              <a:rPr lang="de-DE" dirty="0"/>
+            </a:br>
+            <a:r>
+              <a:rPr lang="de-DE" sz="2000" b="1" kern="100" dirty="0">
+                <a:effectLst/>
+                <a:latin typeface="Aptos" panose="020B0004020202020204" pitchFamily="34" charset="0"/>
+                <a:ea typeface="Aptos" panose="020B0004020202020204" pitchFamily="34" charset="0"/>
+                <a:cs typeface="Times New Roman" panose="02020603050405020304" pitchFamily="18" charset="0"/>
+              </a:rPr>
+              <a:t>Lernkurve des Kamerasystems</a:t>
+            </a:r>
+            <a:endParaRPr lang="de-DE" dirty="0"/>
+          </a:p>
+        </p:txBody>
+      </p:sp>
+      <p:sp>
+        <p:nvSpPr>
+          <p:cNvPr id="3" name="Content Placeholder 2">
+            <a:extLst>
+              <a:ext uri="{FF2B5EF4-FFF2-40B4-BE49-F238E27FC236}">
+                <a16:creationId xmlns:a16="http://schemas.microsoft.com/office/drawing/2014/main" id="{DE09A27F-A594-C09E-A471-D765E580BB4E}"/>
+              </a:ext>
+            </a:extLst>
+          </p:cNvPr>
+          <p:cNvSpPr>
+            <a:spLocks noGrp="1"/>
+          </p:cNvSpPr>
+          <p:nvPr>
+            <p:ph idx="1"/>
+          </p:nvPr>
+        </p:nvSpPr>
+        <p:spPr/>
+        <p:txBody>
+          <a:bodyPr/>
+          <a:lstStyle/>
+          <a:p>
+            <a:endParaRPr dirty="0"/>
+          </a:p>
+          <a:p>
+            <a:pPr marL="342900" lvl="0" indent="-342900">
+              <a:lnSpc>
+                <a:spcPct val="107000"/>
+              </a:lnSpc>
+              <a:spcAft>
+                <a:spcPts val="800"/>
+              </a:spcAft>
+              <a:buSzPts val="1000"/>
+              <a:buFont typeface="Symbol" panose="05050102010706020507" pitchFamily="18" charset="2"/>
+              <a:buChar char=""/>
+              <a:tabLst>
+                <a:tab pos="457200" algn="l"/>
+              </a:tabLst>
+            </a:pPr>
+            <a:endParaRPr lang="de-DE" sz="1800" kern="100" dirty="0">
+              <a:effectLst/>
+              <a:latin typeface="Aptos" panose="020B0004020202020204" pitchFamily="34" charset="0"/>
+              <a:ea typeface="Aptos" panose="020B0004020202020204" pitchFamily="34" charset="0"/>
+              <a:cs typeface="Times New Roman" panose="02020603050405020304" pitchFamily="18" charset="0"/>
+            </a:endParaRPr>
+          </a:p>
+        </p:txBody>
+      </p:sp>
+      <p:pic>
+        <p:nvPicPr>
+          <p:cNvPr id="4" name="Grafik 3">
+            <a:extLst>
+              <a:ext uri="{FF2B5EF4-FFF2-40B4-BE49-F238E27FC236}">
+                <a16:creationId xmlns:a16="http://schemas.microsoft.com/office/drawing/2014/main" id="{EF04FAD8-91B5-C254-58CF-CF3D4BDF8C6F}"/>
+              </a:ext>
+            </a:extLst>
+          </p:cNvPr>
+          <p:cNvPicPr>
+            <a:picLocks noChangeAspect="1"/>
+          </p:cNvPicPr>
+          <p:nvPr/>
+        </p:nvPicPr>
+        <p:blipFill>
+          <a:blip r:embed="rId2" cstate="print">
+            <a:extLst>
+              <a:ext uri="{28A0092B-C50C-407E-A947-70E740481C1C}">
+                <a14:useLocalDpi xmlns:a14="http://schemas.microsoft.com/office/drawing/2010/main" val="0"/>
+              </a:ext>
+            </a:extLst>
+          </a:blip>
+          <a:stretch>
+            <a:fillRect/>
+          </a:stretch>
+        </p:blipFill>
+        <p:spPr>
+          <a:xfrm>
+            <a:off x="3349488" y="2194503"/>
+            <a:ext cx="5199490" cy="3919572"/>
+          </a:xfrm>
+          <a:prstGeom prst="rect">
+            <a:avLst/>
+          </a:prstGeom>
+        </p:spPr>
+      </p:pic>
+    </p:spTree>
+    <p:extLst>
+      <p:ext uri="{BB962C8B-B14F-4D97-AF65-F5344CB8AC3E}">
+        <p14:creationId xmlns:p14="http://schemas.microsoft.com/office/powerpoint/2010/main" val="2499297123"/>
+      </p:ext>
+    </p:extLst>
+  </p:cSld>
+  <p:clrMapOvr>
+    <a:masterClrMapping/>
+  </p:clrMapOvr>
+</p:sld>
+</file>
+
+<file path=ppt/slides/slide13.xml><?xml version="1.0" encoding="utf-8"?>
+<p:sld xmlns:a="http://schemas.openxmlformats.org/drawingml/2006/main" xmlns:r="http://schemas.openxmlformats.org/officeDocument/2006/relationships" xmlns:p="http://schemas.openxmlformats.org/presentationml/2006/main">
+  <p:cSld>
+    <p:spTree>
+      <p:nvGrpSpPr>
+        <p:cNvPr id="1" name=""/>
+        <p:cNvGrpSpPr/>
+        <p:nvPr/>
+      </p:nvGrpSpPr>
+      <p:grpSpPr>
+        <a:xfrm>
+          <a:off x="0" y="0"/>
+          <a:ext cx="0" cy="0"/>
+          <a:chOff x="0" y="0"/>
+          <a:chExt cx="0" cy="0"/>
+        </a:xfrm>
+      </p:grpSpPr>
+      <p:sp>
+        <p:nvSpPr>
+          <p:cNvPr id="2" name="Title 1"/>
+          <p:cNvSpPr>
+            <a:spLocks noGrp="1"/>
+          </p:cNvSpPr>
+          <p:nvPr>
+            <p:ph type="title"/>
+          </p:nvPr>
+        </p:nvSpPr>
+        <p:spPr/>
+        <p:txBody>
+          <a:bodyPr/>
+          <a:lstStyle/>
+          <a:p>
+            <a:r>
+              <a:rPr lang="de-DE" dirty="0"/>
+              <a:t>Vorabanalyse-</a:t>
+            </a:r>
+            <a:r>
+              <a:rPr dirty="0" err="1"/>
+              <a:t>Plausibilitätsprüfungen</a:t>
+            </a:r>
+            <a:endParaRPr dirty="0"/>
+          </a:p>
+        </p:txBody>
+      </p:sp>
+      <p:sp>
+        <p:nvSpPr>
+          <p:cNvPr id="3" name="Content Placeholder 2"/>
+          <p:cNvSpPr>
+            <a:spLocks noGrp="1"/>
+          </p:cNvSpPr>
+          <p:nvPr>
+            <p:ph idx="1"/>
+          </p:nvPr>
+        </p:nvSpPr>
+        <p:spPr/>
+        <p:txBody>
+          <a:bodyPr/>
+          <a:lstStyle/>
+          <a:p>
+            <a:pPr marL="0" indent="0">
+              <a:buNone/>
+            </a:pPr>
+            <a:endParaRPr lang="de-DE" dirty="0"/>
+          </a:p>
+          <a:p>
+            <a:pPr>
+              <a:defRPr sz="1800">
+                <a:solidFill>
+                  <a:srgbClr val="000000"/>
+                </a:solidFill>
+              </a:defRPr>
+            </a:pPr>
+            <a:r>
+              <a:rPr dirty="0" err="1"/>
+              <a:t>Konsistenz</a:t>
+            </a:r>
+            <a:r>
+              <a:rPr dirty="0"/>
+              <a:t> von </a:t>
+            </a:r>
+            <a:r>
+              <a:rPr dirty="0" err="1"/>
+              <a:t>sales_price</a:t>
+            </a:r>
+            <a:r>
+              <a:rPr dirty="0"/>
+              <a:t> </a:t>
+            </a:r>
+            <a:r>
+              <a:rPr lang="de-DE" dirty="0"/>
+              <a:t> </a:t>
+            </a:r>
+            <a:r>
+              <a:rPr lang="de-DE" dirty="0">
+                <a:sym typeface="Wingdings" panose="05000000000000000000" pitchFamily="2" charset="2"/>
+              </a:rPr>
+              <a:t> NEIN</a:t>
+            </a:r>
+          </a:p>
+          <a:p>
+            <a:pPr>
+              <a:defRPr sz="1800">
+                <a:solidFill>
+                  <a:srgbClr val="000000"/>
+                </a:solidFill>
+              </a:defRPr>
+            </a:pPr>
+            <a:r>
+              <a:rPr lang="de-DE" dirty="0">
+                <a:sym typeface="Wingdings" panose="05000000000000000000" pitchFamily="2" charset="2"/>
+              </a:rPr>
+              <a:t>Konsistenz von Summe </a:t>
+            </a:r>
+            <a:r>
+              <a:rPr lang="de-DE" dirty="0" err="1">
+                <a:sym typeface="Wingdings" panose="05000000000000000000" pitchFamily="2" charset="2"/>
+              </a:rPr>
+              <a:t>sales_price</a:t>
+            </a:r>
+            <a:r>
+              <a:rPr lang="de-DE" dirty="0">
+                <a:sym typeface="Wingdings" panose="05000000000000000000" pitchFamily="2" charset="2"/>
+              </a:rPr>
+              <a:t> und </a:t>
+            </a:r>
+            <a:r>
+              <a:rPr lang="de-DE" dirty="0" err="1">
+                <a:sym typeface="Wingdings" panose="05000000000000000000" pitchFamily="2" charset="2"/>
+              </a:rPr>
+              <a:t>total_amount</a:t>
+            </a:r>
+            <a:r>
+              <a:rPr lang="de-DE" dirty="0">
+                <a:sym typeface="Wingdings" panose="05000000000000000000" pitchFamily="2" charset="2"/>
+              </a:rPr>
+              <a:t>  NEIN</a:t>
+            </a:r>
+            <a:endParaRPr dirty="0"/>
+          </a:p>
+          <a:p>
+            <a:pPr>
+              <a:defRPr sz="1800">
+                <a:solidFill>
+                  <a:srgbClr val="000000"/>
+                </a:solidFill>
+              </a:defRPr>
+            </a:pPr>
+            <a:r>
+              <a:rPr lang="de-DE" dirty="0"/>
+              <a:t>C</a:t>
+            </a:r>
+            <a:r>
+              <a:rPr dirty="0" err="1"/>
+              <a:t>amera_certainty</a:t>
+            </a:r>
+            <a:r>
+              <a:rPr dirty="0"/>
+              <a:t> ∈ [0,1]</a:t>
+            </a:r>
+            <a:r>
+              <a:rPr lang="de-DE" dirty="0"/>
+              <a:t> </a:t>
+            </a:r>
+            <a:r>
+              <a:rPr lang="de-DE" dirty="0">
+                <a:sym typeface="Wingdings" panose="05000000000000000000" pitchFamily="2" charset="2"/>
+              </a:rPr>
+              <a:t> JA</a:t>
+            </a:r>
+            <a:endParaRPr dirty="0"/>
+          </a:p>
+          <a:p>
+            <a:pPr>
+              <a:defRPr sz="1800">
+                <a:solidFill>
+                  <a:srgbClr val="000000"/>
+                </a:solidFill>
+              </a:defRPr>
+            </a:pPr>
+            <a:r>
+              <a:rPr dirty="0"/>
+              <a:t>Timestamp in </a:t>
+            </a:r>
+            <a:r>
+              <a:rPr dirty="0" err="1"/>
+              <a:t>Transaktionszeitraum</a:t>
+            </a:r>
+            <a:r>
+              <a:rPr lang="de-DE" dirty="0"/>
+              <a:t> </a:t>
+            </a:r>
+            <a:r>
+              <a:rPr lang="de-DE" dirty="0">
+                <a:sym typeface="Wingdings" panose="05000000000000000000" pitchFamily="2" charset="2"/>
+              </a:rPr>
+              <a:t> JA</a:t>
+            </a:r>
+            <a:endParaRPr dirty="0"/>
+          </a:p>
+          <a:p>
+            <a:pPr>
+              <a:defRPr sz="1800">
+                <a:solidFill>
+                  <a:srgbClr val="000000"/>
+                </a:solidFill>
+              </a:defRPr>
+            </a:pPr>
+            <a:r>
+              <a:rPr lang="de-DE" dirty="0"/>
+              <a:t>D</a:t>
+            </a:r>
+            <a:r>
+              <a:rPr dirty="0" err="1"/>
+              <a:t>amage</a:t>
+            </a:r>
+            <a:r>
+              <a:rPr dirty="0"/>
+              <a:t> &gt; 0 </a:t>
+            </a:r>
+            <a:r>
+              <a:rPr dirty="0" err="1"/>
+              <a:t>nur</a:t>
+            </a:r>
+            <a:r>
+              <a:rPr dirty="0"/>
+              <a:t> </a:t>
+            </a:r>
+            <a:r>
+              <a:rPr dirty="0" err="1"/>
+              <a:t>bei</a:t>
+            </a:r>
+            <a:r>
+              <a:rPr dirty="0"/>
+              <a:t> label=FRAUD</a:t>
+            </a:r>
+            <a:r>
+              <a:rPr lang="de-DE" dirty="0"/>
+              <a:t> </a:t>
+            </a:r>
+            <a:r>
+              <a:rPr lang="de-DE" dirty="0">
+                <a:sym typeface="Wingdings" panose="05000000000000000000" pitchFamily="2" charset="2"/>
+              </a:rPr>
+              <a:t> JA</a:t>
+            </a:r>
+            <a:endParaRPr lang="de-DE" dirty="0"/>
+          </a:p>
+          <a:p>
+            <a:pPr>
+              <a:defRPr sz="1800">
+                <a:solidFill>
+                  <a:srgbClr val="000000"/>
+                </a:solidFill>
+              </a:defRPr>
+            </a:pPr>
+            <a:r>
+              <a:rPr lang="de-DE" dirty="0" err="1"/>
+              <a:t>Sales_price</a:t>
+            </a:r>
+            <a:r>
+              <a:rPr lang="de-DE" dirty="0"/>
+              <a:t> = 0,00 € </a:t>
+            </a:r>
+            <a:r>
+              <a:rPr lang="de-DE" dirty="0">
+                <a:sym typeface="Wingdings" panose="05000000000000000000" pitchFamily="2" charset="2"/>
+              </a:rPr>
+              <a:t>  100 % FRAUD</a:t>
+            </a:r>
+            <a:endParaRPr dirty="0"/>
+          </a:p>
+        </p:txBody>
+      </p:sp>
+    </p:spTree>
+  </p:cSld>
+  <p:clrMapOvr>
+    <a:masterClrMapping/>
+  </p:clrMapOvr>
+</p:sld>
+</file>
+
+<file path=ppt/slides/slide14.xml><?xml version="1.0" encoding="utf-8"?>
+<p:sld xmlns:a="http://schemas.openxmlformats.org/drawingml/2006/main" xmlns:r="http://schemas.openxmlformats.org/officeDocument/2006/relationships" xmlns:p="http://schemas.openxmlformats.org/presentationml/2006/main">
+  <p:cSld>
+    <p:bg>
+      <p:bgPr>
+        <a:solidFill>
+          <a:schemeClr val="bg1"/>
+        </a:solidFill>
+        <a:effectLst/>
+      </p:bgPr>
+    </p:bg>
+    <p:spTree>
+      <p:nvGrpSpPr>
+        <p:cNvPr id="1" name="">
+          <a:extLst>
+            <a:ext uri="{FF2B5EF4-FFF2-40B4-BE49-F238E27FC236}">
+              <a16:creationId xmlns:a16="http://schemas.microsoft.com/office/drawing/2014/main" id="{AF89FF9F-FC2B-44BB-73F8-EA80D743C6D5}"/>
+            </a:ext>
+          </a:extLst>
+        </p:cNvPr>
+        <p:cNvGrpSpPr/>
+        <p:nvPr/>
+      </p:nvGrpSpPr>
+      <p:grpSpPr>
+        <a:xfrm>
+          <a:off x="0" y="0"/>
+          <a:ext cx="0" cy="0"/>
+          <a:chOff x="0" y="0"/>
+          <a:chExt cx="0" cy="0"/>
+        </a:xfrm>
+      </p:grpSpPr>
+      <p:sp useBgFill="1">
+        <p:nvSpPr>
+          <p:cNvPr id="7" name="Rectangle 6">
+            <a:extLst>
+              <a:ext uri="{FF2B5EF4-FFF2-40B4-BE49-F238E27FC236}">
+                <a16:creationId xmlns:a16="http://schemas.microsoft.com/office/drawing/2014/main" id="{AB2DAA9B-8858-FA8A-A900-954E57D09386}"/>
+              </a:ext>
+              <a:ext uri="{C183D7F6-B498-43B3-948B-1728B52AA6E4}">
+                <adec:decorative xmlns:adec="http://schemas.microsoft.com/office/drawing/2017/decorative" val="1"/>
+              </a:ext>
+            </a:extLst>
+          </p:cNvPr>
+          <p:cNvSpPr>
+            <a:spLocks noGrp="1" noRot="1" noChangeAspect="1" noMove="1" noResize="1" noEditPoints="1" noAdjustHandles="1" noChangeArrowheads="1" noChangeShapeType="1" noTextEdit="1"/>
+          </p:cNvSpPr>
+          <p:nvPr>
+            <p:extLst>
+              <p:ext uri="{386F3935-93C4-4BCD-93E2-E3B085C9AB24}">
+                <p16:designElem xmlns:p16="http://schemas.microsoft.com/office/powerpoint/2015/main" val="1"/>
+              </p:ext>
+            </p:extLst>
+          </p:nvPr>
+        </p:nvSpPr>
+        <p:spPr>
+          <a:xfrm>
+            <a:off x="0" y="0"/>
+            <a:ext cx="12192000" cy="6858000"/>
+          </a:xfrm>
+          <a:prstGeom prst="rect">
+            <a:avLst/>
+          </a:prstGeom>
+          <a:ln w="12700" cap="flat" cmpd="sng" algn="ctr">
+            <a:noFill/>
+            <a:prstDash val="solid"/>
+            <a:miter lim="800000"/>
+          </a:ln>
+          <a:effectLst/>
+        </p:spPr>
+        <p:style>
+          <a:lnRef idx="2">
+            <a:schemeClr val="accent1">
+              <a:shade val="15000"/>
+            </a:schemeClr>
+          </a:lnRef>
+          <a:fillRef idx="1">
+            <a:schemeClr val="accent1"/>
+          </a:fillRef>
+          <a:effectRef idx="0">
+            <a:schemeClr val="accent1"/>
+          </a:effectRef>
+          <a:fontRef idx="minor">
+            <a:schemeClr val="lt1"/>
+          </a:fontRef>
+        </p:style>
+        <p:txBody>
+          <a:bodyPr rtlCol="0" anchor="ctr"/>
+          <a:lstStyle/>
+          <a:p>
+            <a:pPr marL="0" marR="0" lvl="0" indent="0" algn="ctr" defTabSz="914400" rtl="0" eaLnBrk="1" fontAlgn="auto" latinLnBrk="0" hangingPunct="1">
+              <a:lnSpc>
+                <a:spcPct val="100000"/>
+              </a:lnSpc>
+              <a:spcBef>
+                <a:spcPts val="0"/>
+              </a:spcBef>
+              <a:spcAft>
+                <a:spcPts val="0"/>
+              </a:spcAft>
+              <a:buClrTx/>
+              <a:buSzTx/>
+              <a:buFontTx/>
+              <a:buNone/>
+              <a:tabLst/>
+              <a:defRPr/>
+            </a:pPr>
+            <a:endParaRPr kumimoji="0" lang="en-US" sz="1800" b="0" i="0" u="none" strike="noStrike" kern="1200" cap="none" spc="0" normalizeH="0" baseline="0" noProof="0">
+              <a:ln>
+                <a:noFill/>
+              </a:ln>
+              <a:solidFill>
+                <a:prstClr val="white"/>
+              </a:solidFill>
+              <a:effectLst/>
+              <a:uLnTx/>
+              <a:uFillTx/>
+              <a:latin typeface="Bierstadt"/>
+              <a:ea typeface="+mn-ea"/>
+              <a:cs typeface="+mn-cs"/>
+            </a:endParaRPr>
+          </a:p>
+        </p:txBody>
+      </p:sp>
+      <p:sp>
+        <p:nvSpPr>
+          <p:cNvPr id="2" name="Titel 1">
+            <a:extLst>
+              <a:ext uri="{FF2B5EF4-FFF2-40B4-BE49-F238E27FC236}">
+                <a16:creationId xmlns:a16="http://schemas.microsoft.com/office/drawing/2014/main" id="{28C59B12-A36B-19D9-4495-E6CF783F5D94}"/>
+              </a:ext>
+            </a:extLst>
+          </p:cNvPr>
+          <p:cNvSpPr>
+            <a:spLocks noGrp="1"/>
+          </p:cNvSpPr>
+          <p:nvPr>
+            <p:ph type="ctrTitle"/>
+          </p:nvPr>
+        </p:nvSpPr>
+        <p:spPr>
+          <a:xfrm>
+            <a:off x="521208" y="1211766"/>
+            <a:ext cx="7237052" cy="4727988"/>
+          </a:xfrm>
+        </p:spPr>
+        <p:txBody>
+          <a:bodyPr anchor="b">
+            <a:normAutofit/>
+          </a:bodyPr>
+          <a:lstStyle/>
+          <a:p>
+            <a:r>
+              <a:rPr lang="de-DE" sz="6600" dirty="0"/>
+              <a:t>5. Daten-Transformation</a:t>
+            </a:r>
+          </a:p>
+        </p:txBody>
+      </p:sp>
+      <p:sp>
+        <p:nvSpPr>
+          <p:cNvPr id="9" name="Freeform: Shape 8">
+            <a:extLst>
+              <a:ext uri="{FF2B5EF4-FFF2-40B4-BE49-F238E27FC236}">
+                <a16:creationId xmlns:a16="http://schemas.microsoft.com/office/drawing/2014/main" id="{90F81946-9EB6-36E5-321E-D743EC0E53FE}"/>
+              </a:ext>
+              <a:ext uri="{C183D7F6-B498-43B3-948B-1728B52AA6E4}">
+                <adec:decorative xmlns:adec="http://schemas.microsoft.com/office/drawing/2017/decorative" val="1"/>
+              </a:ext>
+            </a:extLst>
+          </p:cNvPr>
+          <p:cNvSpPr>
+            <a:spLocks noGrp="1" noRot="1" noChangeAspect="1" noMove="1" noResize="1" noEditPoints="1" noAdjustHandles="1" noChangeArrowheads="1" noChangeShapeType="1" noTextEdit="1"/>
+          </p:cNvSpPr>
+          <p:nvPr>
+            <p:extLst>
+              <p:ext uri="{386F3935-93C4-4BCD-93E2-E3B085C9AB24}">
+                <p16:designElem xmlns:p16="http://schemas.microsoft.com/office/powerpoint/2015/main" val="1"/>
+              </p:ext>
+            </p:extLst>
+          </p:nvPr>
+        </p:nvSpPr>
+        <p:spPr>
+          <a:xfrm>
+            <a:off x="517869" y="6208776"/>
+            <a:ext cx="7269480" cy="149279"/>
+          </a:xfrm>
+          <a:custGeom>
+            <a:avLst/>
+            <a:gdLst>
+              <a:gd name="connsiteX0" fmla="*/ 0 w 8085002"/>
+              <a:gd name="connsiteY0" fmla="*/ 0 h 149279"/>
+              <a:gd name="connsiteX1" fmla="*/ 8085002 w 8085002"/>
+              <a:gd name="connsiteY1" fmla="*/ 0 h 149279"/>
+              <a:gd name="connsiteX2" fmla="*/ 8085002 w 8085002"/>
+              <a:gd name="connsiteY2" fmla="*/ 149279 h 149279"/>
+              <a:gd name="connsiteX3" fmla="*/ 0 w 8085002"/>
+              <a:gd name="connsiteY3" fmla="*/ 149279 h 149279"/>
+            </a:gdLst>
+            <a:ahLst/>
+            <a:cxnLst>
+              <a:cxn ang="0">
+                <a:pos x="connsiteX0" y="connsiteY0"/>
+              </a:cxn>
+              <a:cxn ang="0">
+                <a:pos x="connsiteX1" y="connsiteY1"/>
+              </a:cxn>
+              <a:cxn ang="0">
+                <a:pos x="connsiteX2" y="connsiteY2"/>
+              </a:cxn>
+              <a:cxn ang="0">
+                <a:pos x="connsiteX3" y="connsiteY3"/>
+              </a:cxn>
+            </a:cxnLst>
+            <a:rect l="l" t="t" r="r" b="b"/>
+            <a:pathLst>
+              <a:path w="8085002" h="149279">
+                <a:moveTo>
+                  <a:pt x="0" y="0"/>
+                </a:moveTo>
+                <a:lnTo>
+                  <a:pt x="8085002" y="0"/>
+                </a:lnTo>
+                <a:lnTo>
+                  <a:pt x="8085002" y="149279"/>
+                </a:lnTo>
+                <a:lnTo>
+                  <a:pt x="0" y="149279"/>
+                </a:lnTo>
+                <a:close/>
+              </a:path>
+            </a:pathLst>
+          </a:custGeom>
+          <a:solidFill>
+            <a:schemeClr val="tx1"/>
+          </a:solidFill>
+          <a:ln>
+            <a:noFill/>
+          </a:ln>
+        </p:spPr>
+        <p:style>
+          <a:lnRef idx="2">
+            <a:schemeClr val="accent1">
+              <a:shade val="50000"/>
+            </a:schemeClr>
+          </a:lnRef>
+          <a:fillRef idx="1">
+            <a:schemeClr val="accent1"/>
+          </a:fillRef>
+          <a:effectRef idx="0">
+            <a:schemeClr val="accent1"/>
+          </a:effectRef>
+          <a:fontRef idx="minor">
+            <a:schemeClr val="lt1"/>
+          </a:fontRef>
+        </p:style>
+        <p:txBody>
+          <a:bodyPr wrap="square" rtlCol="0" anchor="ctr">
+            <a:noAutofit/>
+          </a:bodyPr>
+          <a:lstStyle/>
+          <a:p>
+            <a:pPr marL="0" marR="0" lvl="0" indent="0" algn="ctr" defTabSz="914400" rtl="0" eaLnBrk="1" fontAlgn="auto" latinLnBrk="0" hangingPunct="1">
+              <a:lnSpc>
+                <a:spcPct val="100000"/>
+              </a:lnSpc>
+              <a:spcBef>
+                <a:spcPts val="0"/>
+              </a:spcBef>
+              <a:spcAft>
+                <a:spcPts val="0"/>
+              </a:spcAft>
+              <a:buClrTx/>
+              <a:buSzTx/>
+              <a:buFontTx/>
+              <a:buNone/>
+              <a:tabLst/>
+              <a:defRPr/>
+            </a:pPr>
+            <a:endParaRPr kumimoji="0" lang="en-US" sz="1800" b="0" i="0" u="none" strike="noStrike" kern="1200" cap="none" spc="0" normalizeH="0" baseline="0" noProof="0">
+              <a:ln>
+                <a:noFill/>
+              </a:ln>
+              <a:solidFill>
+                <a:prstClr val="white"/>
+              </a:solidFill>
+              <a:effectLst/>
+              <a:uLnTx/>
+              <a:uFillTx/>
+              <a:latin typeface="Bierstadt"/>
+              <a:ea typeface="+mn-ea"/>
+              <a:cs typeface="+mn-cs"/>
+            </a:endParaRPr>
+          </a:p>
+        </p:txBody>
+      </p:sp>
+    </p:spTree>
+    <p:extLst>
+      <p:ext uri="{BB962C8B-B14F-4D97-AF65-F5344CB8AC3E}">
+        <p14:creationId xmlns:p14="http://schemas.microsoft.com/office/powerpoint/2010/main" val="1521293282"/>
+      </p:ext>
+    </p:extLst>
+  </p:cSld>
+  <p:clrMapOvr>
+    <a:overrideClrMapping bg1="dk1" tx1="lt1" bg2="dk2" tx2="lt2" accent1="accent1" accent2="accent2" accent3="accent3" accent4="accent4" accent5="accent5" accent6="accent6" hlink="hlink" folHlink="folHlink"/>
+  </p:clrMapOvr>
+  <p:transition>
+    <p:fade/>
+  </p:transition>
+  <p:timing>
+    <p:tnLst>
+      <p:par>
+        <p:cTn id="1" dur="indefinite" restart="never" nodeType="tmRoot">
+          <p:childTnLst>
+            <p:seq concurrent="1" nextAc="seek">
+              <p:cTn id="2" dur="indefinite" nodeType="mainSeq">
+                <p:childTnLst>
+                  <p:par>
+                    <p:cTn id="3" fill="hold">
+                      <p:stCondLst>
+                        <p:cond delay="indefinite"/>
+                        <p:cond evt="onBegin" delay="0">
+                          <p:tn val="2"/>
+                        </p:cond>
+                      </p:stCondLst>
+                      <p:childTnLst>
+                        <p:par>
+                          <p:cTn id="4" fill="hold">
+                            <p:stCondLst>
+                              <p:cond delay="0"/>
+                            </p:stCondLst>
+                            <p:childTnLst>
+                              <p:par>
+                                <p:cTn id="5" presetID="10" presetClass="entr" presetSubtype="0" fill="hold" grpId="0" nodeType="withEffect">
+                                  <p:stCondLst>
+                                    <p:cond delay="500"/>
+                                  </p:stCondLst>
+                                  <p:iterate>
+                                    <p:tmPct val="10000"/>
+                                  </p:iterate>
+                                  <p:childTnLst>
+                                    <p:set>
+                                      <p:cBhvr>
+                                        <p:cTn id="6" dur="1" fill="hold">
+                                          <p:stCondLst>
+                                            <p:cond delay="0"/>
+                                          </p:stCondLst>
+                                        </p:cTn>
+                                        <p:tgtEl>
+                                          <p:spTgt spid="2"/>
+                                        </p:tgtEl>
+                                        <p:attrNameLst>
+                                          <p:attrName>style.visibility</p:attrName>
+                                        </p:attrNameLst>
+                                      </p:cBhvr>
+                                      <p:to>
+                                        <p:strVal val="visible"/>
+                                      </p:to>
+                                    </p:set>
+                                    <p:animEffect transition="in" filter="fade">
+                                      <p:cBhvr>
+                                        <p:cTn id="7" dur="700"/>
+                                        <p:tgtEl>
+                                          <p:spTgt spid="2"/>
+                                        </p:tgtEl>
+                                      </p:cBhvr>
+                                    </p:animEffect>
+                                  </p:childTnLst>
+                                </p:cTn>
+                              </p:par>
+                            </p:childTnLst>
+                          </p:cTn>
+                        </p:par>
+                      </p:childTnLst>
+                    </p:cTn>
+                  </p:par>
+                </p:childTnLst>
+              </p:cTn>
+              <p:prevCondLst>
+                <p:cond evt="onPrev" delay="0">
+                  <p:tgtEl>
+                    <p:sldTgt/>
+                  </p:tgtEl>
+                </p:cond>
+              </p:prevCondLst>
+              <p:nextCondLst>
+                <p:cond evt="onNext" delay="0">
+                  <p:tgtEl>
+                    <p:sldTgt/>
+                  </p:tgtEl>
+                </p:cond>
+              </p:nextCondLst>
+            </p:seq>
+          </p:childTnLst>
+        </p:cTn>
+      </p:par>
+    </p:tnLst>
+    <p:bldLst>
+      <p:bldP spid="2" grpId="0"/>
+    </p:bldLst>
+  </p:timing>
+</p:sld>
+</file>
+
+<file path=ppt/slides/slide15.xml><?xml version="1.0" encoding="utf-8"?>
+<p:sld xmlns:a="http://schemas.openxmlformats.org/drawingml/2006/main" xmlns:r="http://schemas.openxmlformats.org/officeDocument/2006/relationships" xmlns:p="http://schemas.openxmlformats.org/presentationml/2006/main">
+  <p:cSld>
+    <p:spTree>
+      <p:nvGrpSpPr>
+        <p:cNvPr id="1" name=""/>
+        <p:cNvGrpSpPr/>
+        <p:nvPr/>
+      </p:nvGrpSpPr>
+      <p:grpSpPr>
+        <a:xfrm>
+          <a:off x="0" y="0"/>
+          <a:ext cx="0" cy="0"/>
+          <a:chOff x="0" y="0"/>
+          <a:chExt cx="0" cy="0"/>
+        </a:xfrm>
+      </p:grpSpPr>
+      <p:sp>
+        <p:nvSpPr>
+          <p:cNvPr id="2" name="Title 1"/>
+          <p:cNvSpPr>
+            <a:spLocks noGrp="1"/>
+          </p:cNvSpPr>
+          <p:nvPr>
+            <p:ph type="title"/>
+          </p:nvPr>
+        </p:nvSpPr>
+        <p:spPr/>
+        <p:txBody>
+          <a:bodyPr/>
+          <a:lstStyle/>
+          <a:p>
+            <a:r>
+              <a:rPr lang="de-DE" dirty="0"/>
+              <a:t>Datentransformation</a:t>
+            </a:r>
+            <a:endParaRPr dirty="0"/>
+          </a:p>
+        </p:txBody>
+      </p:sp>
+      <p:sp>
+        <p:nvSpPr>
+          <p:cNvPr id="3" name="Content Placeholder 2"/>
+          <p:cNvSpPr>
+            <a:spLocks noGrp="1"/>
+          </p:cNvSpPr>
+          <p:nvPr>
+            <p:ph idx="1"/>
+          </p:nvPr>
+        </p:nvSpPr>
+        <p:spPr>
+          <a:xfrm>
+            <a:off x="521208" y="2569555"/>
+            <a:ext cx="11155680" cy="3767328"/>
+          </a:xfrm>
+        </p:spPr>
+        <p:txBody>
+          <a:bodyPr/>
+          <a:lstStyle/>
+          <a:p>
+            <a:endParaRPr dirty="0"/>
+          </a:p>
+          <a:p>
+            <a:pPr>
+              <a:defRPr sz="1800">
+                <a:solidFill>
+                  <a:srgbClr val="000000"/>
+                </a:solidFill>
+              </a:defRPr>
+            </a:pPr>
+            <a:r>
+              <a:rPr dirty="0"/>
+              <a:t>Join </a:t>
+            </a:r>
+            <a:r>
+              <a:rPr dirty="0" err="1"/>
+              <a:t>über</a:t>
+            </a:r>
+            <a:r>
+              <a:rPr dirty="0"/>
+              <a:t> </a:t>
+            </a:r>
+            <a:r>
+              <a:rPr dirty="0" err="1"/>
+              <a:t>transaction_id</a:t>
+            </a:r>
+            <a:r>
+              <a:rPr dirty="0"/>
+              <a:t>, </a:t>
+            </a:r>
+            <a:r>
+              <a:rPr dirty="0" err="1"/>
+              <a:t>product_id</a:t>
+            </a:r>
+            <a:r>
+              <a:rPr dirty="0"/>
+              <a:t>, </a:t>
+            </a:r>
+            <a:r>
+              <a:rPr dirty="0" err="1"/>
+              <a:t>store_id</a:t>
+            </a:r>
+            <a:r>
+              <a:rPr lang="de-DE" dirty="0"/>
+              <a:t> </a:t>
+            </a:r>
+            <a:r>
+              <a:rPr lang="de-DE" dirty="0">
+                <a:sym typeface="Wingdings" panose="05000000000000000000" pitchFamily="2" charset="2"/>
+              </a:rPr>
+              <a:t> insgesamt 1,6 Mio. gelabelte Positionen</a:t>
+            </a:r>
+            <a:endParaRPr dirty="0"/>
+          </a:p>
+          <a:p>
+            <a:pPr>
+              <a:defRPr sz="1800">
+                <a:solidFill>
+                  <a:srgbClr val="000000"/>
+                </a:solidFill>
+              </a:defRPr>
+            </a:pPr>
+            <a:r>
+              <a:rPr dirty="0" err="1"/>
+              <a:t>Berechnete</a:t>
+            </a:r>
+            <a:r>
+              <a:rPr dirty="0"/>
+              <a:t> </a:t>
+            </a:r>
+            <a:r>
+              <a:rPr dirty="0" err="1"/>
+              <a:t>Merkmale</a:t>
+            </a:r>
+            <a:r>
+              <a:rPr dirty="0"/>
+              <a:t>: Dauer, </a:t>
+            </a:r>
+            <a:r>
+              <a:rPr dirty="0" err="1"/>
+              <a:t>Uhrzeit</a:t>
+            </a:r>
+            <a:r>
+              <a:rPr dirty="0"/>
+              <a:t>, </a:t>
+            </a:r>
+            <a:r>
+              <a:rPr lang="de-DE" dirty="0"/>
+              <a:t>Monat, Wochentag, Soll-Preis…</a:t>
+            </a:r>
+          </a:p>
+          <a:p>
+            <a:pPr>
+              <a:defRPr sz="1800">
+                <a:solidFill>
+                  <a:srgbClr val="000000"/>
+                </a:solidFill>
+              </a:defRPr>
+            </a:pPr>
+            <a:r>
+              <a:rPr lang="de-DE" dirty="0"/>
+              <a:t>Behandlung fehlender Werte</a:t>
+            </a:r>
+            <a:endParaRPr dirty="0"/>
+          </a:p>
+        </p:txBody>
+      </p:sp>
+      <p:sp>
+        <p:nvSpPr>
+          <p:cNvPr id="4" name="Rectangle 1">
+            <a:extLst>
+              <a:ext uri="{FF2B5EF4-FFF2-40B4-BE49-F238E27FC236}">
+                <a16:creationId xmlns:a16="http://schemas.microsoft.com/office/drawing/2014/main" id="{65A3AC0D-1875-B6A9-D5FF-A6CE162B1A65}"/>
+              </a:ext>
+            </a:extLst>
+          </p:cNvPr>
+          <p:cNvSpPr>
+            <a:spLocks noChangeArrowheads="1"/>
+          </p:cNvSpPr>
+          <p:nvPr/>
+        </p:nvSpPr>
+        <p:spPr bwMode="auto">
+          <a:xfrm>
+            <a:off x="0" y="0"/>
+            <a:ext cx="12192000" cy="457200"/>
+          </a:xfrm>
+          <a:prstGeom prst="rect">
+            <a:avLst/>
+          </a:prstGeom>
+          <a:solidFill>
+            <a:srgbClr val="FFFFFF"/>
+          </a:solidFill>
+          <a:ln>
+            <a:noFill/>
+          </a:ln>
+          <a:effectLst/>
+          <a:extLst>
+            <a:ext uri="{91240B29-F687-4F45-9708-019B960494DF}">
+              <a14:hiddenLine xmlns:a14="http://schemas.microsoft.com/office/drawing/2010/main" w="9525">
+                <a:solidFill>
+                  <a:schemeClr val="tx1"/>
+                </a:solidFill>
+                <a:miter lim="800000"/>
+                <a:headEnd/>
+                <a:tailEnd/>
+              </a14:hiddenLine>
+            </a:ext>
+            <a:ext uri="{AF507438-7753-43E0-B8FC-AC1667EBCBE1}">
+              <a14:hiddenEffects xmlns:a14="http://schemas.microsoft.com/office/drawing/2010/main">
+                <a:effectLst>
+                  <a:outerShdw dist="35921" dir="2700000" algn="ctr" rotWithShape="0">
+                    <a:schemeClr val="bg2"/>
+                  </a:outerShdw>
+                </a:effectLst>
+              </a14:hiddenEffects>
+            </a:ext>
+          </a:extLst>
+        </p:spPr>
+        <p:txBody>
+          <a:bodyPr vert="horz" wrap="none" lIns="0" tIns="0" rIns="0" bIns="0" numCol="1" anchor="ctr" anchorCtr="0" compatLnSpc="1">
+            <a:prstTxWarp prst="textNoShape">
+              <a:avLst/>
+            </a:prstTxWarp>
+            <a:spAutoFit/>
+          </a:bodyPr>
+          <a:lstStyle/>
+          <a:p>
+            <a:pPr marL="0" marR="0" lvl="0" indent="0" algn="l" defTabSz="914400" rtl="0" eaLnBrk="0" fontAlgn="base" latinLnBrk="0" hangingPunct="0">
+              <a:lnSpc>
+                <a:spcPct val="100000"/>
+              </a:lnSpc>
+              <a:spcBef>
+                <a:spcPct val="0"/>
+              </a:spcBef>
+              <a:spcAft>
+                <a:spcPct val="0"/>
+              </a:spcAft>
+              <a:buClrTx/>
+              <a:buSzTx/>
+              <a:buFontTx/>
+              <a:buNone/>
+              <a:tabLst/>
+            </a:pPr>
+            <a:r>
+              <a:rPr kumimoji="0" lang="de-DE" altLang="de-DE" sz="900" b="0" i="0" u="none" strike="noStrike" cap="none" normalizeH="0" baseline="0">
+                <a:ln>
+                  <a:noFill/>
+                </a:ln>
+                <a:solidFill>
+                  <a:schemeClr val="tx1"/>
+                </a:solidFill>
+                <a:effectLst/>
+                <a:latin typeface="Menlo"/>
+              </a:rPr>
+              <a:t>1581567</a:t>
+            </a:r>
+            <a:r>
+              <a:rPr kumimoji="0" lang="de-DE" altLang="de-DE" sz="800" b="0" i="0" u="none" strike="noStrike" cap="none" normalizeH="0" baseline="0">
+                <a:ln>
+                  <a:noFill/>
+                </a:ln>
+                <a:solidFill>
+                  <a:schemeClr val="tx1"/>
+                </a:solidFill>
+                <a:effectLst/>
+              </a:rPr>
+              <a:t> </a:t>
+            </a:r>
+            <a:endParaRPr kumimoji="0" lang="de-DE" altLang="de-DE" sz="1800" b="0" i="0" u="none" strike="noStrike" cap="none" normalizeH="0" baseline="0">
+              <a:ln>
+                <a:noFill/>
+              </a:ln>
+              <a:solidFill>
+                <a:schemeClr val="tx1"/>
+              </a:solidFill>
+              <a:effectLst/>
+              <a:latin typeface="Arial" panose="020B0604020202020204" pitchFamily="34" charset="0"/>
+            </a:endParaRPr>
+          </a:p>
+        </p:txBody>
+      </p:sp>
+      <p:sp>
+        <p:nvSpPr>
+          <p:cNvPr id="5" name="Rectangle 2">
+            <a:extLst>
+              <a:ext uri="{FF2B5EF4-FFF2-40B4-BE49-F238E27FC236}">
+                <a16:creationId xmlns:a16="http://schemas.microsoft.com/office/drawing/2014/main" id="{78F26037-CE64-6DB2-D0E6-D9D2F875FB7F}"/>
+              </a:ext>
+            </a:extLst>
+          </p:cNvPr>
+          <p:cNvSpPr>
+            <a:spLocks noChangeArrowheads="1"/>
+          </p:cNvSpPr>
+          <p:nvPr/>
+        </p:nvSpPr>
+        <p:spPr bwMode="auto">
+          <a:xfrm>
+            <a:off x="152400" y="152400"/>
+            <a:ext cx="12192000" cy="457200"/>
+          </a:xfrm>
+          <a:prstGeom prst="rect">
+            <a:avLst/>
+          </a:prstGeom>
+          <a:solidFill>
+            <a:srgbClr val="FFFFFF"/>
+          </a:solidFill>
+          <a:ln>
+            <a:noFill/>
+          </a:ln>
+          <a:effectLst/>
+          <a:extLst>
+            <a:ext uri="{91240B29-F687-4F45-9708-019B960494DF}">
+              <a14:hiddenLine xmlns:a14="http://schemas.microsoft.com/office/drawing/2010/main" w="9525">
+                <a:solidFill>
+                  <a:schemeClr val="tx1"/>
+                </a:solidFill>
+                <a:miter lim="800000"/>
+                <a:headEnd/>
+                <a:tailEnd/>
+              </a14:hiddenLine>
+            </a:ext>
+            <a:ext uri="{AF507438-7753-43E0-B8FC-AC1667EBCBE1}">
+              <a14:hiddenEffects xmlns:a14="http://schemas.microsoft.com/office/drawing/2010/main">
+                <a:effectLst>
+                  <a:outerShdw dist="35921" dir="2700000" algn="ctr" rotWithShape="0">
+                    <a:schemeClr val="bg2"/>
+                  </a:outerShdw>
+                </a:effectLst>
+              </a14:hiddenEffects>
+            </a:ext>
+          </a:extLst>
+        </p:spPr>
+        <p:txBody>
+          <a:bodyPr vert="horz" wrap="none" lIns="0" tIns="0" rIns="0" bIns="0" numCol="1" anchor="ctr" anchorCtr="0" compatLnSpc="1">
+            <a:prstTxWarp prst="textNoShape">
+              <a:avLst/>
+            </a:prstTxWarp>
+            <a:spAutoFit/>
+          </a:bodyPr>
+          <a:lstStyle/>
+          <a:p>
+            <a:pPr marL="0" marR="0" lvl="0" indent="0" algn="l" defTabSz="914400" rtl="0" eaLnBrk="0" fontAlgn="base" latinLnBrk="0" hangingPunct="0">
+              <a:lnSpc>
+                <a:spcPct val="100000"/>
+              </a:lnSpc>
+              <a:spcBef>
+                <a:spcPct val="0"/>
+              </a:spcBef>
+              <a:spcAft>
+                <a:spcPct val="0"/>
+              </a:spcAft>
+              <a:buClrTx/>
+              <a:buSzTx/>
+              <a:buFontTx/>
+              <a:buNone/>
+              <a:tabLst/>
+            </a:pPr>
+            <a:r>
+              <a:rPr kumimoji="0" lang="de-DE" altLang="de-DE" sz="900" b="0" i="0" u="none" strike="noStrike" cap="none" normalizeH="0" baseline="0">
+                <a:ln>
+                  <a:noFill/>
+                </a:ln>
+                <a:solidFill>
+                  <a:schemeClr val="tx1"/>
+                </a:solidFill>
+                <a:effectLst/>
+                <a:latin typeface="Menlo"/>
+              </a:rPr>
+              <a:t>1581567</a:t>
+            </a:r>
+            <a:r>
+              <a:rPr kumimoji="0" lang="de-DE" altLang="de-DE" sz="800" b="0" i="0" u="none" strike="noStrike" cap="none" normalizeH="0" baseline="0">
+                <a:ln>
+                  <a:noFill/>
+                </a:ln>
+                <a:solidFill>
+                  <a:schemeClr val="tx1"/>
+                </a:solidFill>
+                <a:effectLst/>
+              </a:rPr>
+              <a:t> </a:t>
+            </a:r>
+            <a:endParaRPr kumimoji="0" lang="de-DE" altLang="de-DE" sz="1800" b="0" i="0" u="none" strike="noStrike" cap="none" normalizeH="0" baseline="0">
+              <a:ln>
+                <a:noFill/>
+              </a:ln>
+              <a:solidFill>
+                <a:schemeClr val="tx1"/>
+              </a:solidFill>
+              <a:effectLst/>
+              <a:latin typeface="Arial" panose="020B0604020202020204" pitchFamily="34" charset="0"/>
+            </a:endParaRPr>
+          </a:p>
+        </p:txBody>
+      </p:sp>
+    </p:spTree>
+  </p:cSld>
+  <p:clrMapOvr>
+    <a:masterClrMapping/>
+  </p:clrMapOvr>
+</p:sld>
+</file>
+
+<file path=ppt/slides/slide16.xml><?xml version="1.0" encoding="utf-8"?>
+<p:sld xmlns:a="http://schemas.openxmlformats.org/drawingml/2006/main" xmlns:r="http://schemas.openxmlformats.org/officeDocument/2006/relationships" xmlns:p="http://schemas.openxmlformats.org/presentationml/2006/main">
+  <p:cSld>
+    <p:spTree>
+      <p:nvGrpSpPr>
+        <p:cNvPr id="1" name="">
+          <a:extLst>
+            <a:ext uri="{FF2B5EF4-FFF2-40B4-BE49-F238E27FC236}">
+              <a16:creationId xmlns:a16="http://schemas.microsoft.com/office/drawing/2014/main" id="{8D7962DC-CC7B-232C-125C-6766BA17554C}"/>
+            </a:ext>
+          </a:extLst>
+        </p:cNvPr>
+        <p:cNvGrpSpPr/>
+        <p:nvPr/>
+      </p:nvGrpSpPr>
+      <p:grpSpPr>
+        <a:xfrm>
+          <a:off x="0" y="0"/>
+          <a:ext cx="0" cy="0"/>
+          <a:chOff x="0" y="0"/>
+          <a:chExt cx="0" cy="0"/>
+        </a:xfrm>
+      </p:grpSpPr>
+      <p:sp>
+        <p:nvSpPr>
+          <p:cNvPr id="2" name="Title 1">
+            <a:extLst>
+              <a:ext uri="{FF2B5EF4-FFF2-40B4-BE49-F238E27FC236}">
+                <a16:creationId xmlns:a16="http://schemas.microsoft.com/office/drawing/2014/main" id="{B2570FD3-8B9B-6D29-A5A4-BDD61520709A}"/>
+              </a:ext>
+            </a:extLst>
+          </p:cNvPr>
+          <p:cNvSpPr>
+            <a:spLocks noGrp="1"/>
+          </p:cNvSpPr>
+          <p:nvPr>
+            <p:ph type="title"/>
+          </p:nvPr>
+        </p:nvSpPr>
+        <p:spPr/>
+        <p:txBody>
+          <a:bodyPr/>
+          <a:lstStyle/>
+          <a:p>
+            <a:r>
+              <a:rPr lang="de-DE" dirty="0"/>
+              <a:t>Datentransformation – </a:t>
+            </a:r>
+            <a:r>
+              <a:rPr lang="de-DE" dirty="0" err="1"/>
+              <a:t>Join</a:t>
+            </a:r>
+            <a:r>
+              <a:rPr lang="de-DE" dirty="0"/>
+              <a:t>-Strategie</a:t>
+            </a:r>
+            <a:endParaRPr dirty="0"/>
+          </a:p>
+        </p:txBody>
+      </p:sp>
+      <p:sp>
+        <p:nvSpPr>
+          <p:cNvPr id="3" name="Content Placeholder 2">
+            <a:extLst>
+              <a:ext uri="{FF2B5EF4-FFF2-40B4-BE49-F238E27FC236}">
+                <a16:creationId xmlns:a16="http://schemas.microsoft.com/office/drawing/2014/main" id="{2BFF0EB1-13A7-AE47-664D-2BF9C20BFFAB}"/>
+              </a:ext>
+            </a:extLst>
+          </p:cNvPr>
+          <p:cNvSpPr>
+            <a:spLocks noGrp="1"/>
+          </p:cNvSpPr>
+          <p:nvPr>
+            <p:ph idx="1"/>
+          </p:nvPr>
+        </p:nvSpPr>
+        <p:spPr>
+          <a:xfrm>
+            <a:off x="521208" y="2569555"/>
+            <a:ext cx="11155680" cy="3767328"/>
+          </a:xfrm>
+        </p:spPr>
+        <p:txBody>
+          <a:bodyPr/>
+          <a:lstStyle/>
+          <a:p>
+            <a:endParaRPr dirty="0"/>
+          </a:p>
+          <a:p>
+            <a:pPr>
+              <a:defRPr sz="1800">
+                <a:solidFill>
+                  <a:srgbClr val="000000"/>
+                </a:solidFill>
+              </a:defRPr>
+            </a:pPr>
+            <a:endParaRPr dirty="0"/>
+          </a:p>
+        </p:txBody>
+      </p:sp>
+      <p:sp>
+        <p:nvSpPr>
+          <p:cNvPr id="4" name="Rectangle 1">
+            <a:extLst>
+              <a:ext uri="{FF2B5EF4-FFF2-40B4-BE49-F238E27FC236}">
+                <a16:creationId xmlns:a16="http://schemas.microsoft.com/office/drawing/2014/main" id="{47FC56A5-B486-4E50-B1ED-080AE24E8A5A}"/>
+              </a:ext>
+            </a:extLst>
+          </p:cNvPr>
+          <p:cNvSpPr>
+            <a:spLocks noChangeArrowheads="1"/>
+          </p:cNvSpPr>
+          <p:nvPr/>
+        </p:nvSpPr>
+        <p:spPr bwMode="auto">
+          <a:xfrm>
+            <a:off x="0" y="0"/>
+            <a:ext cx="12192000" cy="457200"/>
+          </a:xfrm>
+          <a:prstGeom prst="rect">
+            <a:avLst/>
+          </a:prstGeom>
+          <a:solidFill>
+            <a:srgbClr val="FFFFFF"/>
+          </a:solidFill>
+          <a:ln>
+            <a:noFill/>
+          </a:ln>
+          <a:effectLst/>
+          <a:extLst>
+            <a:ext uri="{91240B29-F687-4F45-9708-019B960494DF}">
+              <a14:hiddenLine xmlns:a14="http://schemas.microsoft.com/office/drawing/2010/main" w="9525">
+                <a:solidFill>
+                  <a:schemeClr val="tx1"/>
+                </a:solidFill>
+                <a:miter lim="800000"/>
+                <a:headEnd/>
+                <a:tailEnd/>
+              </a14:hiddenLine>
+            </a:ext>
+            <a:ext uri="{AF507438-7753-43E0-B8FC-AC1667EBCBE1}">
+              <a14:hiddenEffects xmlns:a14="http://schemas.microsoft.com/office/drawing/2010/main">
+                <a:effectLst>
+                  <a:outerShdw dist="35921" dir="2700000" algn="ctr" rotWithShape="0">
+                    <a:schemeClr val="bg2"/>
+                  </a:outerShdw>
+                </a:effectLst>
+              </a14:hiddenEffects>
+            </a:ext>
+          </a:extLst>
+        </p:spPr>
+        <p:txBody>
+          <a:bodyPr vert="horz" wrap="none" lIns="0" tIns="0" rIns="0" bIns="0" numCol="1" anchor="ctr" anchorCtr="0" compatLnSpc="1">
+            <a:prstTxWarp prst="textNoShape">
+              <a:avLst/>
+            </a:prstTxWarp>
+            <a:spAutoFit/>
+          </a:bodyPr>
+          <a:lstStyle/>
+          <a:p>
+            <a:pPr marL="0" marR="0" lvl="0" indent="0" algn="l" defTabSz="914400" rtl="0" eaLnBrk="0" fontAlgn="base" latinLnBrk="0" hangingPunct="0">
+              <a:lnSpc>
+                <a:spcPct val="100000"/>
+              </a:lnSpc>
+              <a:spcBef>
+                <a:spcPct val="0"/>
+              </a:spcBef>
+              <a:spcAft>
+                <a:spcPct val="0"/>
+              </a:spcAft>
+              <a:buClrTx/>
+              <a:buSzTx/>
+              <a:buFontTx/>
+              <a:buNone/>
+              <a:tabLst/>
+            </a:pPr>
+            <a:r>
+              <a:rPr kumimoji="0" lang="de-DE" altLang="de-DE" sz="900" b="0" i="0" u="none" strike="noStrike" cap="none" normalizeH="0" baseline="0">
+                <a:ln>
+                  <a:noFill/>
+                </a:ln>
+                <a:solidFill>
+                  <a:schemeClr val="tx1"/>
+                </a:solidFill>
+                <a:effectLst/>
+                <a:latin typeface="Menlo"/>
+              </a:rPr>
+              <a:t>1581567</a:t>
+            </a:r>
+            <a:r>
+              <a:rPr kumimoji="0" lang="de-DE" altLang="de-DE" sz="800" b="0" i="0" u="none" strike="noStrike" cap="none" normalizeH="0" baseline="0">
+                <a:ln>
+                  <a:noFill/>
+                </a:ln>
+                <a:solidFill>
+                  <a:schemeClr val="tx1"/>
+                </a:solidFill>
+                <a:effectLst/>
+              </a:rPr>
+              <a:t> </a:t>
+            </a:r>
+            <a:endParaRPr kumimoji="0" lang="de-DE" altLang="de-DE" sz="1800" b="0" i="0" u="none" strike="noStrike" cap="none" normalizeH="0" baseline="0">
+              <a:ln>
+                <a:noFill/>
+              </a:ln>
+              <a:solidFill>
+                <a:schemeClr val="tx1"/>
+              </a:solidFill>
+              <a:effectLst/>
+              <a:latin typeface="Arial" panose="020B0604020202020204" pitchFamily="34" charset="0"/>
+            </a:endParaRPr>
+          </a:p>
+        </p:txBody>
+      </p:sp>
+      <p:sp>
+        <p:nvSpPr>
+          <p:cNvPr id="5" name="Rectangle 2">
+            <a:extLst>
+              <a:ext uri="{FF2B5EF4-FFF2-40B4-BE49-F238E27FC236}">
+                <a16:creationId xmlns:a16="http://schemas.microsoft.com/office/drawing/2014/main" id="{DB02553E-61E1-45C2-157D-E5730BFD7817}"/>
+              </a:ext>
+            </a:extLst>
+          </p:cNvPr>
+          <p:cNvSpPr>
+            <a:spLocks noChangeArrowheads="1"/>
+          </p:cNvSpPr>
+          <p:nvPr/>
+        </p:nvSpPr>
+        <p:spPr bwMode="auto">
+          <a:xfrm>
+            <a:off x="152400" y="152400"/>
+            <a:ext cx="12192000" cy="457200"/>
+          </a:xfrm>
+          <a:prstGeom prst="rect">
+            <a:avLst/>
+          </a:prstGeom>
+          <a:solidFill>
+            <a:srgbClr val="FFFFFF"/>
+          </a:solidFill>
+          <a:ln>
+            <a:noFill/>
+          </a:ln>
+          <a:effectLst/>
+          <a:extLst>
+            <a:ext uri="{91240B29-F687-4F45-9708-019B960494DF}">
+              <a14:hiddenLine xmlns:a14="http://schemas.microsoft.com/office/drawing/2010/main" w="9525">
+                <a:solidFill>
+                  <a:schemeClr val="tx1"/>
+                </a:solidFill>
+                <a:miter lim="800000"/>
+                <a:headEnd/>
+                <a:tailEnd/>
+              </a14:hiddenLine>
+            </a:ext>
+            <a:ext uri="{AF507438-7753-43E0-B8FC-AC1667EBCBE1}">
+              <a14:hiddenEffects xmlns:a14="http://schemas.microsoft.com/office/drawing/2010/main">
+                <a:effectLst>
+                  <a:outerShdw dist="35921" dir="2700000" algn="ctr" rotWithShape="0">
+                    <a:schemeClr val="bg2"/>
+                  </a:outerShdw>
+                </a:effectLst>
+              </a14:hiddenEffects>
+            </a:ext>
+          </a:extLst>
+        </p:spPr>
+        <p:txBody>
+          <a:bodyPr vert="horz" wrap="none" lIns="0" tIns="0" rIns="0" bIns="0" numCol="1" anchor="ctr" anchorCtr="0" compatLnSpc="1">
+            <a:prstTxWarp prst="textNoShape">
+              <a:avLst/>
+            </a:prstTxWarp>
+            <a:spAutoFit/>
+          </a:bodyPr>
+          <a:lstStyle/>
+          <a:p>
+            <a:pPr marL="0" marR="0" lvl="0" indent="0" algn="l" defTabSz="914400" rtl="0" eaLnBrk="0" fontAlgn="base" latinLnBrk="0" hangingPunct="0">
+              <a:lnSpc>
+                <a:spcPct val="100000"/>
+              </a:lnSpc>
+              <a:spcBef>
+                <a:spcPct val="0"/>
+              </a:spcBef>
+              <a:spcAft>
+                <a:spcPct val="0"/>
+              </a:spcAft>
+              <a:buClrTx/>
+              <a:buSzTx/>
+              <a:buFontTx/>
+              <a:buNone/>
+              <a:tabLst/>
+            </a:pPr>
+            <a:r>
+              <a:rPr kumimoji="0" lang="de-DE" altLang="de-DE" sz="900" b="0" i="0" u="none" strike="noStrike" cap="none" normalizeH="0" baseline="0">
+                <a:ln>
+                  <a:noFill/>
+                </a:ln>
+                <a:solidFill>
+                  <a:schemeClr val="tx1"/>
+                </a:solidFill>
+                <a:effectLst/>
+                <a:latin typeface="Menlo"/>
+              </a:rPr>
+              <a:t>1581567</a:t>
+            </a:r>
+            <a:r>
+              <a:rPr kumimoji="0" lang="de-DE" altLang="de-DE" sz="800" b="0" i="0" u="none" strike="noStrike" cap="none" normalizeH="0" baseline="0">
+                <a:ln>
+                  <a:noFill/>
+                </a:ln>
+                <a:solidFill>
+                  <a:schemeClr val="tx1"/>
+                </a:solidFill>
+                <a:effectLst/>
+              </a:rPr>
+              <a:t> </a:t>
+            </a:r>
+            <a:endParaRPr kumimoji="0" lang="de-DE" altLang="de-DE" sz="1800" b="0" i="0" u="none" strike="noStrike" cap="none" normalizeH="0" baseline="0">
+              <a:ln>
+                <a:noFill/>
+              </a:ln>
+              <a:solidFill>
+                <a:schemeClr val="tx1"/>
+              </a:solidFill>
+              <a:effectLst/>
+              <a:latin typeface="Arial" panose="020B0604020202020204" pitchFamily="34" charset="0"/>
+            </a:endParaRPr>
+          </a:p>
+        </p:txBody>
+      </p:sp>
+    </p:spTree>
+    <p:extLst>
+      <p:ext uri="{BB962C8B-B14F-4D97-AF65-F5344CB8AC3E}">
+        <p14:creationId xmlns:p14="http://schemas.microsoft.com/office/powerpoint/2010/main" val="1691593206"/>
+      </p:ext>
+    </p:extLst>
+  </p:cSld>
+  <p:clrMapOvr>
+    <a:masterClrMapping/>
+  </p:clrMapOvr>
+</p:sld>
+</file>
+
+<file path=ppt/slides/slide17.xml><?xml version="1.0" encoding="utf-8"?>
+<p:sld xmlns:a="http://schemas.openxmlformats.org/drawingml/2006/main" xmlns:r="http://schemas.openxmlformats.org/officeDocument/2006/relationships" xmlns:p="http://schemas.openxmlformats.org/presentationml/2006/main">
+  <p:cSld>
+    <p:spTree>
+      <p:nvGrpSpPr>
+        <p:cNvPr id="1" name="">
+          <a:extLst>
+            <a:ext uri="{FF2B5EF4-FFF2-40B4-BE49-F238E27FC236}">
+              <a16:creationId xmlns:a16="http://schemas.microsoft.com/office/drawing/2014/main" id="{8F9B8084-F38C-2485-6571-A9802E936A79}"/>
+            </a:ext>
+          </a:extLst>
+        </p:cNvPr>
+        <p:cNvGrpSpPr/>
+        <p:nvPr/>
+      </p:nvGrpSpPr>
+      <p:grpSpPr>
+        <a:xfrm>
+          <a:off x="0" y="0"/>
+          <a:ext cx="0" cy="0"/>
+          <a:chOff x="0" y="0"/>
+          <a:chExt cx="0" cy="0"/>
+        </a:xfrm>
+      </p:grpSpPr>
+      <p:sp>
+        <p:nvSpPr>
+          <p:cNvPr id="2" name="Title 1">
+            <a:extLst>
+              <a:ext uri="{FF2B5EF4-FFF2-40B4-BE49-F238E27FC236}">
+                <a16:creationId xmlns:a16="http://schemas.microsoft.com/office/drawing/2014/main" id="{B96E0296-054E-06AA-88B2-05C98C82F7A5}"/>
+              </a:ext>
+            </a:extLst>
+          </p:cNvPr>
+          <p:cNvSpPr>
+            <a:spLocks noGrp="1"/>
+          </p:cNvSpPr>
+          <p:nvPr>
+            <p:ph type="title"/>
+          </p:nvPr>
+        </p:nvSpPr>
+        <p:spPr/>
+        <p:txBody>
+          <a:bodyPr/>
+          <a:lstStyle/>
+          <a:p>
+            <a:r>
+              <a:rPr lang="de-DE" dirty="0"/>
+              <a:t>Datentransformation – berechnete Merkmale</a:t>
+            </a:r>
+            <a:endParaRPr dirty="0"/>
+          </a:p>
+        </p:txBody>
+      </p:sp>
+      <p:sp>
+        <p:nvSpPr>
+          <p:cNvPr id="3" name="Content Placeholder 2">
+            <a:extLst>
+              <a:ext uri="{FF2B5EF4-FFF2-40B4-BE49-F238E27FC236}">
+                <a16:creationId xmlns:a16="http://schemas.microsoft.com/office/drawing/2014/main" id="{4CAF17BE-087E-DED1-71D2-4BDCF9E420A9}"/>
+              </a:ext>
+            </a:extLst>
+          </p:cNvPr>
+          <p:cNvSpPr>
+            <a:spLocks noGrp="1"/>
+          </p:cNvSpPr>
+          <p:nvPr>
+            <p:ph idx="1"/>
+          </p:nvPr>
+        </p:nvSpPr>
+        <p:spPr>
+          <a:xfrm>
+            <a:off x="521208" y="2569555"/>
+            <a:ext cx="11155680" cy="3767328"/>
+          </a:xfrm>
+        </p:spPr>
+        <p:txBody>
+          <a:bodyPr/>
+          <a:lstStyle/>
+          <a:p>
+            <a:endParaRPr dirty="0"/>
+          </a:p>
+          <a:p>
+            <a:pPr>
+              <a:defRPr sz="1800">
+                <a:solidFill>
+                  <a:srgbClr val="000000"/>
+                </a:solidFill>
+              </a:defRPr>
+            </a:pPr>
+            <a:r>
+              <a:rPr lang="de-DE" dirty="0"/>
+              <a:t>Transaktionsdauer</a:t>
+            </a:r>
+            <a:endParaRPr dirty="0"/>
+          </a:p>
+          <a:p>
+            <a:pPr>
+              <a:defRPr sz="1800">
+                <a:solidFill>
+                  <a:srgbClr val="000000"/>
+                </a:solidFill>
+              </a:defRPr>
+            </a:pPr>
+            <a:r>
+              <a:rPr lang="de-DE" dirty="0"/>
+              <a:t>Uhrzeit, Wochentag, Monat</a:t>
+            </a:r>
+          </a:p>
+          <a:p>
+            <a:pPr>
+              <a:defRPr sz="1800">
+                <a:solidFill>
+                  <a:srgbClr val="000000"/>
+                </a:solidFill>
+              </a:defRPr>
+            </a:pPr>
+            <a:r>
+              <a:rPr lang="de-DE" dirty="0"/>
+              <a:t>Abstand zwischen zwei aufeinanderfolgenden Scanvorgängen</a:t>
+            </a:r>
+          </a:p>
+          <a:p>
+            <a:pPr>
+              <a:defRPr sz="1800">
+                <a:solidFill>
+                  <a:srgbClr val="000000"/>
+                </a:solidFill>
+              </a:defRPr>
+            </a:pPr>
+            <a:r>
+              <a:rPr lang="de-DE" dirty="0"/>
+              <a:t>Abstand Transaktionsstart zum ersten Scan / letzter Scan zum Transaktionsende</a:t>
+            </a:r>
+          </a:p>
+          <a:p>
+            <a:pPr>
+              <a:defRPr sz="1800">
+                <a:solidFill>
+                  <a:srgbClr val="000000"/>
+                </a:solidFill>
+              </a:defRPr>
+            </a:pPr>
+            <a:r>
+              <a:rPr lang="de-DE" dirty="0"/>
+              <a:t>Kalkulierter </a:t>
+            </a:r>
+            <a:r>
+              <a:rPr lang="de-DE" dirty="0" err="1"/>
+              <a:t>sales_price</a:t>
+            </a:r>
+            <a:endParaRPr lang="de-DE" dirty="0"/>
+          </a:p>
+          <a:p>
+            <a:pPr>
+              <a:defRPr sz="1800">
+                <a:solidFill>
+                  <a:srgbClr val="000000"/>
+                </a:solidFill>
+              </a:defRPr>
+            </a:pPr>
+            <a:r>
+              <a:rPr lang="de-DE" dirty="0"/>
+              <a:t>Kalkulierter </a:t>
+            </a:r>
+            <a:r>
+              <a:rPr lang="de-DE" dirty="0" err="1"/>
+              <a:t>total_amount</a:t>
+            </a:r>
+            <a:endParaRPr dirty="0"/>
+          </a:p>
+        </p:txBody>
+      </p:sp>
+      <p:sp>
+        <p:nvSpPr>
+          <p:cNvPr id="4" name="Rectangle 1">
+            <a:extLst>
+              <a:ext uri="{FF2B5EF4-FFF2-40B4-BE49-F238E27FC236}">
+                <a16:creationId xmlns:a16="http://schemas.microsoft.com/office/drawing/2014/main" id="{D9285C33-B89E-29AA-3E32-63FE9A878ACC}"/>
+              </a:ext>
+            </a:extLst>
+          </p:cNvPr>
+          <p:cNvSpPr>
+            <a:spLocks noChangeArrowheads="1"/>
+          </p:cNvSpPr>
+          <p:nvPr/>
+        </p:nvSpPr>
+        <p:spPr bwMode="auto">
+          <a:xfrm>
+            <a:off x="0" y="0"/>
+            <a:ext cx="12192000" cy="457200"/>
+          </a:xfrm>
+          <a:prstGeom prst="rect">
+            <a:avLst/>
+          </a:prstGeom>
+          <a:solidFill>
+            <a:srgbClr val="FFFFFF"/>
+          </a:solidFill>
+          <a:ln>
+            <a:noFill/>
+          </a:ln>
+          <a:effectLst/>
+          <a:extLst>
+            <a:ext uri="{91240B29-F687-4F45-9708-019B960494DF}">
+              <a14:hiddenLine xmlns:a14="http://schemas.microsoft.com/office/drawing/2010/main" w="9525">
+                <a:solidFill>
+                  <a:schemeClr val="tx1"/>
+                </a:solidFill>
+                <a:miter lim="800000"/>
+                <a:headEnd/>
+                <a:tailEnd/>
+              </a14:hiddenLine>
+            </a:ext>
+            <a:ext uri="{AF507438-7753-43E0-B8FC-AC1667EBCBE1}">
+              <a14:hiddenEffects xmlns:a14="http://schemas.microsoft.com/office/drawing/2010/main">
+                <a:effectLst>
+                  <a:outerShdw dist="35921" dir="2700000" algn="ctr" rotWithShape="0">
+                    <a:schemeClr val="bg2"/>
+                  </a:outerShdw>
+                </a:effectLst>
+              </a14:hiddenEffects>
+            </a:ext>
+          </a:extLst>
+        </p:spPr>
+        <p:txBody>
+          <a:bodyPr vert="horz" wrap="none" lIns="0" tIns="0" rIns="0" bIns="0" numCol="1" anchor="ctr" anchorCtr="0" compatLnSpc="1">
+            <a:prstTxWarp prst="textNoShape">
+              <a:avLst/>
+            </a:prstTxWarp>
+            <a:spAutoFit/>
+          </a:bodyPr>
+          <a:lstStyle/>
+          <a:p>
+            <a:pPr marL="0" marR="0" lvl="0" indent="0" algn="l" defTabSz="914400" rtl="0" eaLnBrk="0" fontAlgn="base" latinLnBrk="0" hangingPunct="0">
+              <a:lnSpc>
+                <a:spcPct val="100000"/>
+              </a:lnSpc>
+              <a:spcBef>
+                <a:spcPct val="0"/>
+              </a:spcBef>
+              <a:spcAft>
+                <a:spcPct val="0"/>
+              </a:spcAft>
+              <a:buClrTx/>
+              <a:buSzTx/>
+              <a:buFontTx/>
+              <a:buNone/>
+              <a:tabLst/>
+            </a:pPr>
+            <a:r>
+              <a:rPr kumimoji="0" lang="de-DE" altLang="de-DE" sz="900" b="0" i="0" u="none" strike="noStrike" cap="none" normalizeH="0" baseline="0">
+                <a:ln>
+                  <a:noFill/>
+                </a:ln>
+                <a:solidFill>
+                  <a:schemeClr val="tx1"/>
+                </a:solidFill>
+                <a:effectLst/>
+                <a:latin typeface="Menlo"/>
+              </a:rPr>
+              <a:t>1581567</a:t>
+            </a:r>
+            <a:r>
+              <a:rPr kumimoji="0" lang="de-DE" altLang="de-DE" sz="800" b="0" i="0" u="none" strike="noStrike" cap="none" normalizeH="0" baseline="0">
+                <a:ln>
+                  <a:noFill/>
+                </a:ln>
+                <a:solidFill>
+                  <a:schemeClr val="tx1"/>
+                </a:solidFill>
+                <a:effectLst/>
+              </a:rPr>
+              <a:t> </a:t>
+            </a:r>
+            <a:endParaRPr kumimoji="0" lang="de-DE" altLang="de-DE" sz="1800" b="0" i="0" u="none" strike="noStrike" cap="none" normalizeH="0" baseline="0">
+              <a:ln>
+                <a:noFill/>
+              </a:ln>
+              <a:solidFill>
+                <a:schemeClr val="tx1"/>
+              </a:solidFill>
+              <a:effectLst/>
+              <a:latin typeface="Arial" panose="020B0604020202020204" pitchFamily="34" charset="0"/>
+            </a:endParaRPr>
+          </a:p>
+        </p:txBody>
+      </p:sp>
+      <p:sp>
+        <p:nvSpPr>
+          <p:cNvPr id="5" name="Rectangle 2">
+            <a:extLst>
+              <a:ext uri="{FF2B5EF4-FFF2-40B4-BE49-F238E27FC236}">
+                <a16:creationId xmlns:a16="http://schemas.microsoft.com/office/drawing/2014/main" id="{44FE791E-ACF6-1CB8-428C-16AA4B6DF6FB}"/>
+              </a:ext>
+            </a:extLst>
+          </p:cNvPr>
+          <p:cNvSpPr>
+            <a:spLocks noChangeArrowheads="1"/>
+          </p:cNvSpPr>
+          <p:nvPr/>
+        </p:nvSpPr>
+        <p:spPr bwMode="auto">
+          <a:xfrm>
+            <a:off x="152400" y="152400"/>
+            <a:ext cx="12192000" cy="457200"/>
+          </a:xfrm>
+          <a:prstGeom prst="rect">
+            <a:avLst/>
+          </a:prstGeom>
+          <a:solidFill>
+            <a:srgbClr val="FFFFFF"/>
+          </a:solidFill>
+          <a:ln>
+            <a:noFill/>
+          </a:ln>
+          <a:effectLst/>
+          <a:extLst>
+            <a:ext uri="{91240B29-F687-4F45-9708-019B960494DF}">
+              <a14:hiddenLine xmlns:a14="http://schemas.microsoft.com/office/drawing/2010/main" w="9525">
+                <a:solidFill>
+                  <a:schemeClr val="tx1"/>
+                </a:solidFill>
+                <a:miter lim="800000"/>
+                <a:headEnd/>
+                <a:tailEnd/>
+              </a14:hiddenLine>
+            </a:ext>
+            <a:ext uri="{AF507438-7753-43E0-B8FC-AC1667EBCBE1}">
+              <a14:hiddenEffects xmlns:a14="http://schemas.microsoft.com/office/drawing/2010/main">
+                <a:effectLst>
+                  <a:outerShdw dist="35921" dir="2700000" algn="ctr" rotWithShape="0">
+                    <a:schemeClr val="bg2"/>
+                  </a:outerShdw>
+                </a:effectLst>
+              </a14:hiddenEffects>
+            </a:ext>
+          </a:extLst>
+        </p:spPr>
+        <p:txBody>
+          <a:bodyPr vert="horz" wrap="none" lIns="0" tIns="0" rIns="0" bIns="0" numCol="1" anchor="ctr" anchorCtr="0" compatLnSpc="1">
+            <a:prstTxWarp prst="textNoShape">
+              <a:avLst/>
+            </a:prstTxWarp>
+            <a:spAutoFit/>
+          </a:bodyPr>
+          <a:lstStyle/>
+          <a:p>
+            <a:pPr marL="0" marR="0" lvl="0" indent="0" algn="l" defTabSz="914400" rtl="0" eaLnBrk="0" fontAlgn="base" latinLnBrk="0" hangingPunct="0">
+              <a:lnSpc>
+                <a:spcPct val="100000"/>
+              </a:lnSpc>
+              <a:spcBef>
+                <a:spcPct val="0"/>
+              </a:spcBef>
+              <a:spcAft>
+                <a:spcPct val="0"/>
+              </a:spcAft>
+              <a:buClrTx/>
+              <a:buSzTx/>
+              <a:buFontTx/>
+              <a:buNone/>
+              <a:tabLst/>
+            </a:pPr>
+            <a:r>
+              <a:rPr kumimoji="0" lang="de-DE" altLang="de-DE" sz="900" b="0" i="0" u="none" strike="noStrike" cap="none" normalizeH="0" baseline="0">
+                <a:ln>
+                  <a:noFill/>
+                </a:ln>
+                <a:solidFill>
+                  <a:schemeClr val="tx1"/>
+                </a:solidFill>
+                <a:effectLst/>
+                <a:latin typeface="Menlo"/>
+              </a:rPr>
+              <a:t>1581567</a:t>
+            </a:r>
+            <a:r>
+              <a:rPr kumimoji="0" lang="de-DE" altLang="de-DE" sz="800" b="0" i="0" u="none" strike="noStrike" cap="none" normalizeH="0" baseline="0">
+                <a:ln>
+                  <a:noFill/>
+                </a:ln>
+                <a:solidFill>
+                  <a:schemeClr val="tx1"/>
+                </a:solidFill>
+                <a:effectLst/>
+              </a:rPr>
+              <a:t> </a:t>
+            </a:r>
+            <a:endParaRPr kumimoji="0" lang="de-DE" altLang="de-DE" sz="1800" b="0" i="0" u="none" strike="noStrike" cap="none" normalizeH="0" baseline="0">
+              <a:ln>
+                <a:noFill/>
+              </a:ln>
+              <a:solidFill>
+                <a:schemeClr val="tx1"/>
+              </a:solidFill>
+              <a:effectLst/>
+              <a:latin typeface="Arial" panose="020B0604020202020204" pitchFamily="34" charset="0"/>
+            </a:endParaRPr>
+          </a:p>
+        </p:txBody>
+      </p:sp>
+    </p:spTree>
+    <p:extLst>
+      <p:ext uri="{BB962C8B-B14F-4D97-AF65-F5344CB8AC3E}">
+        <p14:creationId xmlns:p14="http://schemas.microsoft.com/office/powerpoint/2010/main" val="2251137303"/>
+      </p:ext>
+    </p:extLst>
+  </p:cSld>
+  <p:clrMapOvr>
+    <a:masterClrMapping/>
+  </p:clrMapOvr>
+</p:sld>
+</file>
+
+<file path=ppt/slides/slide18.xml><?xml version="1.0" encoding="utf-8"?>
 <p:sld xmlns:a="http://schemas.openxmlformats.org/drawingml/2006/main" xmlns:r="http://schemas.openxmlformats.org/officeDocument/2006/relationships" xmlns:p="http://schemas.openxmlformats.org/presentationml/2006/main">
   <p:cSld>
     <p:spTree>
@@ -6595,7 +8948,7 @@
           <a:p>
             <a:r>
               <a:rPr lang="de-DE" dirty="0"/>
-              <a:t>Datentransformation</a:t>
+              <a:t>Datentransformation – fehlende Werte</a:t>
             </a:r>
             <a:endParaRPr dirty="0"/>
           </a:p>
@@ -6649,7 +9002,479 @@
 </p:sld>
 </file>
 
-<file path=ppt/slides/slide13.xml><?xml version="1.0" encoding="utf-8"?>
+<file path=ppt/slides/slide19.xml><?xml version="1.0" encoding="utf-8"?>
+<p:sld xmlns:a="http://schemas.openxmlformats.org/drawingml/2006/main" xmlns:r="http://schemas.openxmlformats.org/officeDocument/2006/relationships" xmlns:p="http://schemas.openxmlformats.org/presentationml/2006/main">
+  <p:cSld>
+    <p:spTree>
+      <p:nvGrpSpPr>
+        <p:cNvPr id="1" name="">
+          <a:extLst>
+            <a:ext uri="{FF2B5EF4-FFF2-40B4-BE49-F238E27FC236}">
+              <a16:creationId xmlns:a16="http://schemas.microsoft.com/office/drawing/2014/main" id="{B6FCE89B-A3E6-16FD-EE5A-7368653B2ACE}"/>
+            </a:ext>
+          </a:extLst>
+        </p:cNvPr>
+        <p:cNvGrpSpPr/>
+        <p:nvPr/>
+      </p:nvGrpSpPr>
+      <p:grpSpPr>
+        <a:xfrm>
+          <a:off x="0" y="0"/>
+          <a:ext cx="0" cy="0"/>
+          <a:chOff x="0" y="0"/>
+          <a:chExt cx="0" cy="0"/>
+        </a:xfrm>
+      </p:grpSpPr>
+      <p:sp>
+        <p:nvSpPr>
+          <p:cNvPr id="2" name="Title 1">
+            <a:extLst>
+              <a:ext uri="{FF2B5EF4-FFF2-40B4-BE49-F238E27FC236}">
+                <a16:creationId xmlns:a16="http://schemas.microsoft.com/office/drawing/2014/main" id="{2AFF50E1-4ACE-213B-2991-811B829EC857}"/>
+              </a:ext>
+            </a:extLst>
+          </p:cNvPr>
+          <p:cNvSpPr>
+            <a:spLocks noGrp="1"/>
+          </p:cNvSpPr>
+          <p:nvPr>
+            <p:ph type="title"/>
+          </p:nvPr>
+        </p:nvSpPr>
+        <p:spPr/>
+        <p:txBody>
+          <a:bodyPr/>
+          <a:lstStyle/>
+          <a:p>
+            <a:r>
+              <a:rPr lang="de-DE" dirty="0"/>
+              <a:t>Datentransformation – fehlende Werte</a:t>
+            </a:r>
+            <a:endParaRPr dirty="0"/>
+          </a:p>
+        </p:txBody>
+      </p:sp>
+      <p:sp>
+        <p:nvSpPr>
+          <p:cNvPr id="3" name="Content Placeholder 2">
+            <a:extLst>
+              <a:ext uri="{FF2B5EF4-FFF2-40B4-BE49-F238E27FC236}">
+                <a16:creationId xmlns:a16="http://schemas.microsoft.com/office/drawing/2014/main" id="{9E1BEE9A-35D1-F160-93C5-1EB0935E2E8D}"/>
+              </a:ext>
+            </a:extLst>
+          </p:cNvPr>
+          <p:cNvSpPr>
+            <a:spLocks noGrp="1"/>
+          </p:cNvSpPr>
+          <p:nvPr>
+            <p:ph idx="1"/>
+          </p:nvPr>
+        </p:nvSpPr>
+        <p:spPr>
+          <a:xfrm>
+            <a:off x="521208" y="2569555"/>
+            <a:ext cx="11155680" cy="3767328"/>
+          </a:xfrm>
+        </p:spPr>
+        <p:txBody>
+          <a:bodyPr/>
+          <a:lstStyle/>
+          <a:p>
+            <a:endParaRPr dirty="0"/>
+          </a:p>
+          <a:p>
+            <a:pPr>
+              <a:defRPr sz="1800">
+                <a:solidFill>
+                  <a:srgbClr val="000000"/>
+                </a:solidFill>
+              </a:defRPr>
+            </a:pPr>
+            <a:endParaRPr dirty="0"/>
+          </a:p>
+        </p:txBody>
+      </p:sp>
+      <p:sp>
+        <p:nvSpPr>
+          <p:cNvPr id="4" name="Rectangle 1">
+            <a:extLst>
+              <a:ext uri="{FF2B5EF4-FFF2-40B4-BE49-F238E27FC236}">
+                <a16:creationId xmlns:a16="http://schemas.microsoft.com/office/drawing/2014/main" id="{1833486E-AEDC-A849-16C0-1B39C7BE787B}"/>
+              </a:ext>
+            </a:extLst>
+          </p:cNvPr>
+          <p:cNvSpPr>
+            <a:spLocks noChangeArrowheads="1"/>
+          </p:cNvSpPr>
+          <p:nvPr/>
+        </p:nvSpPr>
+        <p:spPr bwMode="auto">
+          <a:xfrm>
+            <a:off x="0" y="0"/>
+            <a:ext cx="12192000" cy="457200"/>
+          </a:xfrm>
+          <a:prstGeom prst="rect">
+            <a:avLst/>
+          </a:prstGeom>
+          <a:solidFill>
+            <a:srgbClr val="FFFFFF"/>
+          </a:solidFill>
+          <a:ln>
+            <a:noFill/>
+          </a:ln>
+          <a:effectLst/>
+          <a:extLst>
+            <a:ext uri="{91240B29-F687-4F45-9708-019B960494DF}">
+              <a14:hiddenLine xmlns:a14="http://schemas.microsoft.com/office/drawing/2010/main" w="9525">
+                <a:solidFill>
+                  <a:schemeClr val="tx1"/>
+                </a:solidFill>
+                <a:miter lim="800000"/>
+                <a:headEnd/>
+                <a:tailEnd/>
+              </a14:hiddenLine>
+            </a:ext>
+            <a:ext uri="{AF507438-7753-43E0-B8FC-AC1667EBCBE1}">
+              <a14:hiddenEffects xmlns:a14="http://schemas.microsoft.com/office/drawing/2010/main">
+                <a:effectLst>
+                  <a:outerShdw dist="35921" dir="2700000" algn="ctr" rotWithShape="0">
+                    <a:schemeClr val="bg2"/>
+                  </a:outerShdw>
+                </a:effectLst>
+              </a14:hiddenEffects>
+            </a:ext>
+          </a:extLst>
+        </p:spPr>
+        <p:txBody>
+          <a:bodyPr vert="horz" wrap="none" lIns="0" tIns="0" rIns="0" bIns="0" numCol="1" anchor="ctr" anchorCtr="0" compatLnSpc="1">
+            <a:prstTxWarp prst="textNoShape">
+              <a:avLst/>
+            </a:prstTxWarp>
+            <a:spAutoFit/>
+          </a:bodyPr>
+          <a:lstStyle/>
+          <a:p>
+            <a:pPr marL="0" marR="0" lvl="0" indent="0" algn="l" defTabSz="914400" rtl="0" eaLnBrk="0" fontAlgn="base" latinLnBrk="0" hangingPunct="0">
+              <a:lnSpc>
+                <a:spcPct val="100000"/>
+              </a:lnSpc>
+              <a:spcBef>
+                <a:spcPct val="0"/>
+              </a:spcBef>
+              <a:spcAft>
+                <a:spcPct val="0"/>
+              </a:spcAft>
+              <a:buClrTx/>
+              <a:buSzTx/>
+              <a:buFontTx/>
+              <a:buNone/>
+              <a:tabLst/>
+            </a:pPr>
+            <a:r>
+              <a:rPr kumimoji="0" lang="de-DE" altLang="de-DE" sz="900" b="0" i="0" u="none" strike="noStrike" cap="none" normalizeH="0" baseline="0">
+                <a:ln>
+                  <a:noFill/>
+                </a:ln>
+                <a:solidFill>
+                  <a:schemeClr val="tx1"/>
+                </a:solidFill>
+                <a:effectLst/>
+                <a:latin typeface="Menlo"/>
+              </a:rPr>
+              <a:t>1581567</a:t>
+            </a:r>
+            <a:r>
+              <a:rPr kumimoji="0" lang="de-DE" altLang="de-DE" sz="800" b="0" i="0" u="none" strike="noStrike" cap="none" normalizeH="0" baseline="0">
+                <a:ln>
+                  <a:noFill/>
+                </a:ln>
+                <a:solidFill>
+                  <a:schemeClr val="tx1"/>
+                </a:solidFill>
+                <a:effectLst/>
+              </a:rPr>
+              <a:t> </a:t>
+            </a:r>
+            <a:endParaRPr kumimoji="0" lang="de-DE" altLang="de-DE" sz="1800" b="0" i="0" u="none" strike="noStrike" cap="none" normalizeH="0" baseline="0">
+              <a:ln>
+                <a:noFill/>
+              </a:ln>
+              <a:solidFill>
+                <a:schemeClr val="tx1"/>
+              </a:solidFill>
+              <a:effectLst/>
+              <a:latin typeface="Arial" panose="020B0604020202020204" pitchFamily="34" charset="0"/>
+            </a:endParaRPr>
+          </a:p>
+        </p:txBody>
+      </p:sp>
+      <p:sp>
+        <p:nvSpPr>
+          <p:cNvPr id="5" name="Rectangle 2">
+            <a:extLst>
+              <a:ext uri="{FF2B5EF4-FFF2-40B4-BE49-F238E27FC236}">
+                <a16:creationId xmlns:a16="http://schemas.microsoft.com/office/drawing/2014/main" id="{FA64AD17-B052-7C66-7467-0323CC27A500}"/>
+              </a:ext>
+            </a:extLst>
+          </p:cNvPr>
+          <p:cNvSpPr>
+            <a:spLocks noChangeArrowheads="1"/>
+          </p:cNvSpPr>
+          <p:nvPr/>
+        </p:nvSpPr>
+        <p:spPr bwMode="auto">
+          <a:xfrm>
+            <a:off x="152400" y="152400"/>
+            <a:ext cx="12192000" cy="457200"/>
+          </a:xfrm>
+          <a:prstGeom prst="rect">
+            <a:avLst/>
+          </a:prstGeom>
+          <a:solidFill>
+            <a:srgbClr val="FFFFFF"/>
+          </a:solidFill>
+          <a:ln>
+            <a:noFill/>
+          </a:ln>
+          <a:effectLst/>
+          <a:extLst>
+            <a:ext uri="{91240B29-F687-4F45-9708-019B960494DF}">
+              <a14:hiddenLine xmlns:a14="http://schemas.microsoft.com/office/drawing/2010/main" w="9525">
+                <a:solidFill>
+                  <a:schemeClr val="tx1"/>
+                </a:solidFill>
+                <a:miter lim="800000"/>
+                <a:headEnd/>
+                <a:tailEnd/>
+              </a14:hiddenLine>
+            </a:ext>
+            <a:ext uri="{AF507438-7753-43E0-B8FC-AC1667EBCBE1}">
+              <a14:hiddenEffects xmlns:a14="http://schemas.microsoft.com/office/drawing/2010/main">
+                <a:effectLst>
+                  <a:outerShdw dist="35921" dir="2700000" algn="ctr" rotWithShape="0">
+                    <a:schemeClr val="bg2"/>
+                  </a:outerShdw>
+                </a:effectLst>
+              </a14:hiddenEffects>
+            </a:ext>
+          </a:extLst>
+        </p:spPr>
+        <p:txBody>
+          <a:bodyPr vert="horz" wrap="none" lIns="0" tIns="0" rIns="0" bIns="0" numCol="1" anchor="ctr" anchorCtr="0" compatLnSpc="1">
+            <a:prstTxWarp prst="textNoShape">
+              <a:avLst/>
+            </a:prstTxWarp>
+            <a:spAutoFit/>
+          </a:bodyPr>
+          <a:lstStyle/>
+          <a:p>
+            <a:pPr marL="0" marR="0" lvl="0" indent="0" algn="l" defTabSz="914400" rtl="0" eaLnBrk="0" fontAlgn="base" latinLnBrk="0" hangingPunct="0">
+              <a:lnSpc>
+                <a:spcPct val="100000"/>
+              </a:lnSpc>
+              <a:spcBef>
+                <a:spcPct val="0"/>
+              </a:spcBef>
+              <a:spcAft>
+                <a:spcPct val="0"/>
+              </a:spcAft>
+              <a:buClrTx/>
+              <a:buSzTx/>
+              <a:buFontTx/>
+              <a:buNone/>
+              <a:tabLst/>
+            </a:pPr>
+            <a:r>
+              <a:rPr kumimoji="0" lang="de-DE" altLang="de-DE" sz="900" b="0" i="0" u="none" strike="noStrike" cap="none" normalizeH="0" baseline="0">
+                <a:ln>
+                  <a:noFill/>
+                </a:ln>
+                <a:solidFill>
+                  <a:schemeClr val="tx1"/>
+                </a:solidFill>
+                <a:effectLst/>
+                <a:latin typeface="Menlo"/>
+              </a:rPr>
+              <a:t>1581567</a:t>
+            </a:r>
+            <a:r>
+              <a:rPr kumimoji="0" lang="de-DE" altLang="de-DE" sz="800" b="0" i="0" u="none" strike="noStrike" cap="none" normalizeH="0" baseline="0">
+                <a:ln>
+                  <a:noFill/>
+                </a:ln>
+                <a:solidFill>
+                  <a:schemeClr val="tx1"/>
+                </a:solidFill>
+                <a:effectLst/>
+              </a:rPr>
+              <a:t> </a:t>
+            </a:r>
+            <a:endParaRPr kumimoji="0" lang="de-DE" altLang="de-DE" sz="1800" b="0" i="0" u="none" strike="noStrike" cap="none" normalizeH="0" baseline="0">
+              <a:ln>
+                <a:noFill/>
+              </a:ln>
+              <a:solidFill>
+                <a:schemeClr val="tx1"/>
+              </a:solidFill>
+              <a:effectLst/>
+              <a:latin typeface="Arial" panose="020B0604020202020204" pitchFamily="34" charset="0"/>
+            </a:endParaRPr>
+          </a:p>
+        </p:txBody>
+      </p:sp>
+    </p:spTree>
+    <p:extLst>
+      <p:ext uri="{BB962C8B-B14F-4D97-AF65-F5344CB8AC3E}">
+        <p14:creationId xmlns:p14="http://schemas.microsoft.com/office/powerpoint/2010/main" val="167699496"/>
+      </p:ext>
+    </p:extLst>
+  </p:cSld>
+  <p:clrMapOvr>
+    <a:masterClrMapping/>
+  </p:clrMapOvr>
+</p:sld>
+</file>
+
+<file path=ppt/slides/slide2.xml><?xml version="1.0" encoding="utf-8"?>
+<p:sld xmlns:a="http://schemas.openxmlformats.org/drawingml/2006/main" xmlns:r="http://schemas.openxmlformats.org/officeDocument/2006/relationships" xmlns:p="http://schemas.openxmlformats.org/presentationml/2006/main">
+  <p:cSld>
+    <p:spTree>
+      <p:nvGrpSpPr>
+        <p:cNvPr id="1" name="">
+          <a:extLst>
+            <a:ext uri="{FF2B5EF4-FFF2-40B4-BE49-F238E27FC236}">
+              <a16:creationId xmlns:a16="http://schemas.microsoft.com/office/drawing/2014/main" id="{5E7B87B1-6C87-2D6B-70A4-784CBFDFEFC9}"/>
+            </a:ext>
+          </a:extLst>
+        </p:cNvPr>
+        <p:cNvGrpSpPr/>
+        <p:nvPr/>
+      </p:nvGrpSpPr>
+      <p:grpSpPr>
+        <a:xfrm>
+          <a:off x="0" y="0"/>
+          <a:ext cx="0" cy="0"/>
+          <a:chOff x="0" y="0"/>
+          <a:chExt cx="0" cy="0"/>
+        </a:xfrm>
+      </p:grpSpPr>
+      <p:sp>
+        <p:nvSpPr>
+          <p:cNvPr id="3" name="Titel 1">
+            <a:extLst>
+              <a:ext uri="{FF2B5EF4-FFF2-40B4-BE49-F238E27FC236}">
+                <a16:creationId xmlns:a16="http://schemas.microsoft.com/office/drawing/2014/main" id="{A24A8808-F0DC-B209-9597-4172FC25268B}"/>
+              </a:ext>
+            </a:extLst>
+          </p:cNvPr>
+          <p:cNvSpPr txBox="1">
+            <a:spLocks/>
+          </p:cNvSpPr>
+          <p:nvPr/>
+        </p:nvSpPr>
+        <p:spPr>
+          <a:xfrm>
+            <a:off x="1149995" y="3059617"/>
+            <a:ext cx="2947553" cy="1463040"/>
+          </a:xfrm>
+          <a:prstGeom prst="rect">
+            <a:avLst/>
+          </a:prstGeom>
+        </p:spPr>
+        <p:txBody>
+          <a:bodyPr vert="horz" lIns="91440" tIns="45720" rIns="91440" bIns="45720" rtlCol="0" anchor="t">
+            <a:normAutofit/>
+          </a:bodyPr>
+          <a:lstStyle>
+            <a:lvl1pPr algn="l" defTabSz="914400" rtl="0" eaLnBrk="1" latinLnBrk="0" hangingPunct="1">
+              <a:lnSpc>
+                <a:spcPct val="100000"/>
+              </a:lnSpc>
+              <a:spcBef>
+                <a:spcPct val="0"/>
+              </a:spcBef>
+              <a:buNone/>
+              <a:defRPr sz="7200" b="1" kern="1200">
+                <a:solidFill>
+                  <a:schemeClr val="tx1"/>
+                </a:solidFill>
+                <a:latin typeface="+mj-lt"/>
+                <a:ea typeface="+mj-ea"/>
+                <a:cs typeface="+mj-cs"/>
+              </a:defRPr>
+            </a:lvl1pPr>
+          </a:lstStyle>
+          <a:p>
+            <a:r>
+              <a:rPr lang="en-US" sz="2800" dirty="0"/>
+              <a:t>Das Projekt-Team </a:t>
+            </a:r>
+            <a:r>
+              <a:rPr lang="en-US" sz="2800" dirty="0" err="1"/>
+              <a:t>bei</a:t>
+            </a:r>
+            <a:r>
+              <a:rPr lang="en-US" sz="2800" dirty="0"/>
+              <a:t> der Arbeit…</a:t>
+            </a:r>
+          </a:p>
+        </p:txBody>
+      </p:sp>
+      <p:pic>
+        <p:nvPicPr>
+          <p:cNvPr id="8" name="Grafik 7" descr="Ein Bild, das Zeichnung, Mobiliar, Entwurf, Text enthält.&#10;&#10;KI-generierte Inhalte können fehlerhaft sein.">
+            <a:extLst>
+              <a:ext uri="{FF2B5EF4-FFF2-40B4-BE49-F238E27FC236}">
+                <a16:creationId xmlns:a16="http://schemas.microsoft.com/office/drawing/2014/main" id="{611F9C9F-0049-7E1C-1FD3-7CF1CC8D01B1}"/>
+              </a:ext>
+            </a:extLst>
+          </p:cNvPr>
+          <p:cNvPicPr>
+            <a:picLocks noChangeAspect="1"/>
+          </p:cNvPicPr>
+          <p:nvPr/>
+        </p:nvPicPr>
+        <p:blipFill>
+          <a:blip r:embed="rId2">
+            <a:extLst>
+              <a:ext uri="{28A0092B-C50C-407E-A947-70E740481C1C}">
+                <a14:useLocalDpi xmlns:a14="http://schemas.microsoft.com/office/drawing/2010/main" val="0"/>
+              </a:ext>
+            </a:extLst>
+          </a:blip>
+          <a:srcRect/>
+          <a:stretch>
+            <a:fillRect/>
+          </a:stretch>
+        </p:blipFill>
+        <p:spPr bwMode="auto">
+          <a:xfrm>
+            <a:off x="4536757" y="1089025"/>
+            <a:ext cx="6334125" cy="4222750"/>
+          </a:xfrm>
+          <a:prstGeom prst="rect">
+            <a:avLst/>
+          </a:prstGeom>
+          <a:noFill/>
+          <a:ln>
+            <a:noFill/>
+          </a:ln>
+        </p:spPr>
+      </p:pic>
+    </p:spTree>
+    <p:extLst>
+      <p:ext uri="{BB962C8B-B14F-4D97-AF65-F5344CB8AC3E}">
+        <p14:creationId xmlns:p14="http://schemas.microsoft.com/office/powerpoint/2010/main" val="1977709398"/>
+      </p:ext>
+    </p:extLst>
+  </p:cSld>
+  <p:clrMapOvr>
+    <a:masterClrMapping/>
+  </p:clrMapOvr>
+</p:sld>
+</file>
+
+<file path=ppt/slides/slide20.xml><?xml version="1.0" encoding="utf-8"?>
 <p:sld xmlns:a="http://schemas.openxmlformats.org/drawingml/2006/main" xmlns:r="http://schemas.openxmlformats.org/officeDocument/2006/relationships" xmlns:p="http://schemas.openxmlformats.org/presentationml/2006/main">
   <p:cSld>
     <p:bg>
@@ -7052,7 +9877,7 @@
 </p:sld>
 </file>
 
-<file path=ppt/slides/slide14.xml><?xml version="1.0" encoding="utf-8"?>
+<file path=ppt/slides/slide21.xml><?xml version="1.0" encoding="utf-8"?>
 <p:sld xmlns:a="http://schemas.openxmlformats.org/drawingml/2006/main" xmlns:r="http://schemas.openxmlformats.org/officeDocument/2006/relationships" xmlns:p="http://schemas.openxmlformats.org/presentationml/2006/main">
   <p:cSld>
     <p:spTree>
@@ -7124,168 +9949,6 @@
             </a:pPr>
             <a:endParaRPr lang="de-DE" dirty="0"/>
           </a:p>
-          <a:p>
-            <a:pPr>
-              <a:defRPr sz="1800">
-                <a:solidFill>
-                  <a:srgbClr val="000000"/>
-                </a:solidFill>
-              </a:defRPr>
-            </a:pPr>
-            <a:r>
-              <a:rPr dirty="0"/>
-              <a:t>Nur </a:t>
-            </a:r>
-            <a:r>
-              <a:rPr b="1" dirty="0" err="1"/>
-              <a:t>gelabelte</a:t>
-            </a:r>
-            <a:r>
-              <a:rPr dirty="0"/>
-              <a:t> </a:t>
-            </a:r>
-            <a:r>
-              <a:rPr dirty="0" err="1"/>
-              <a:t>Transaktionen</a:t>
-            </a:r>
-            <a:r>
-              <a:rPr dirty="0"/>
-              <a:t> </a:t>
-            </a:r>
-            <a:r>
-              <a:rPr dirty="0" err="1"/>
-              <a:t>analysiert</a:t>
-            </a:r>
-            <a:endParaRPr lang="de-DE" dirty="0"/>
-          </a:p>
-          <a:p>
-            <a:pPr>
-              <a:defRPr sz="1800">
-                <a:solidFill>
-                  <a:srgbClr val="000000"/>
-                </a:solidFill>
-              </a:defRPr>
-            </a:pPr>
-            <a:r>
-              <a:rPr lang="de-DE" b="1" dirty="0"/>
-              <a:t>Numerische</a:t>
-            </a:r>
-            <a:r>
-              <a:rPr lang="de-DE" dirty="0"/>
-              <a:t> und </a:t>
-            </a:r>
-            <a:r>
-              <a:rPr lang="de-DE" b="1" dirty="0"/>
-              <a:t>kategoriale</a:t>
-            </a:r>
-            <a:r>
-              <a:rPr lang="de-DE" dirty="0"/>
-              <a:t> Attribute</a:t>
-            </a:r>
-            <a:endParaRPr dirty="0"/>
-          </a:p>
-          <a:p>
-            <a:pPr>
-              <a:defRPr sz="1800">
-                <a:solidFill>
-                  <a:srgbClr val="000000"/>
-                </a:solidFill>
-              </a:defRPr>
-            </a:pPr>
-            <a:r>
-              <a:rPr dirty="0" err="1"/>
-              <a:t>Vergleich</a:t>
-            </a:r>
-            <a:r>
-              <a:rPr dirty="0"/>
-              <a:t> FRAUD vs NORMAL </a:t>
-            </a:r>
-            <a:r>
-              <a:rPr dirty="0" err="1"/>
-              <a:t>über</a:t>
-            </a:r>
-            <a:r>
-              <a:rPr dirty="0"/>
-              <a:t> </a:t>
-            </a:r>
-            <a:r>
-              <a:rPr dirty="0" err="1"/>
-              <a:t>Histogramme</a:t>
-            </a:r>
-            <a:r>
-              <a:rPr dirty="0"/>
-              <a:t> / Boxplots</a:t>
-            </a:r>
-          </a:p>
-          <a:p>
-            <a:pPr>
-              <a:defRPr sz="1800">
-                <a:solidFill>
-                  <a:srgbClr val="000000"/>
-                </a:solidFill>
-              </a:defRPr>
-            </a:pPr>
-            <a:r>
-              <a:rPr dirty="0" err="1"/>
-              <a:t>Signifikante</a:t>
-            </a:r>
-            <a:r>
-              <a:rPr dirty="0"/>
-              <a:t> </a:t>
-            </a:r>
-            <a:r>
-              <a:rPr lang="de-DE" dirty="0"/>
-              <a:t>und relevante </a:t>
-            </a:r>
-            <a:r>
-              <a:rPr dirty="0" err="1"/>
-              <a:t>Unterschiede</a:t>
-            </a:r>
-            <a:r>
-              <a:rPr dirty="0"/>
-              <a:t> in </a:t>
-            </a:r>
-            <a:r>
-              <a:rPr lang="de-DE" dirty="0"/>
-              <a:t>:</a:t>
-            </a:r>
-            <a:br>
-              <a:rPr lang="de-DE" dirty="0"/>
-            </a:br>
-            <a:r>
-              <a:rPr lang="de-DE" dirty="0"/>
-              <a:t>	</a:t>
-            </a:r>
-            <a:r>
-              <a:rPr lang="de-DE" b="1" dirty="0" err="1"/>
-              <a:t>payment_medium</a:t>
-            </a:r>
-            <a:r>
-              <a:rPr lang="de-DE" b="1" dirty="0"/>
-              <a:t>,</a:t>
-            </a:r>
-            <a:r>
-              <a:rPr dirty="0"/>
-              <a:t> </a:t>
-            </a:r>
-            <a:r>
-              <a:rPr lang="de-DE" b="1" dirty="0" err="1"/>
-              <a:t>sales_price_difference</a:t>
-            </a:r>
-            <a:r>
-              <a:rPr lang="de-DE" b="1" dirty="0"/>
-              <a:t> und </a:t>
-            </a:r>
-            <a:r>
-              <a:rPr lang="de-DE" b="1" dirty="0" err="1"/>
-              <a:t>sales_price</a:t>
-            </a:r>
-            <a:r>
-              <a:rPr lang="de-DE" b="1" dirty="0"/>
-              <a:t> = 0</a:t>
-            </a:r>
-            <a:endParaRPr b="1" dirty="0"/>
-          </a:p>
         </p:txBody>
       </p:sp>
     </p:spTree>
@@ -7296,454 +9959,7 @@
 </p:sld>
 </file>
 
-<file path=ppt/slides/slide15.xml><?xml version="1.0" encoding="utf-8"?>
-<p:sld xmlns:a="http://schemas.openxmlformats.org/drawingml/2006/main" xmlns:r="http://schemas.openxmlformats.org/officeDocument/2006/relationships" xmlns:p="http://schemas.openxmlformats.org/presentationml/2006/main">
-  <p:cSld>
-    <p:spTree>
-      <p:nvGrpSpPr>
-        <p:cNvPr id="1" name=""/>
-        <p:cNvGrpSpPr/>
-        <p:nvPr/>
-      </p:nvGrpSpPr>
-      <p:grpSpPr>
-        <a:xfrm>
-          <a:off x="0" y="0"/>
-          <a:ext cx="0" cy="0"/>
-          <a:chOff x="0" y="0"/>
-          <a:chExt cx="0" cy="0"/>
-        </a:xfrm>
-      </p:grpSpPr>
-      <p:sp>
-        <p:nvSpPr>
-          <p:cNvPr id="2" name="Title 1"/>
-          <p:cNvSpPr>
-            <a:spLocks noGrp="1"/>
-          </p:cNvSpPr>
-          <p:nvPr>
-            <p:ph type="title"/>
-          </p:nvPr>
-        </p:nvSpPr>
-        <p:spPr/>
-        <p:txBody>
-          <a:bodyPr/>
-          <a:lstStyle/>
-          <a:p>
-            <a:r>
-              <a:rPr lang="de-DE" dirty="0"/>
-              <a:t>EDA-</a:t>
-            </a:r>
-            <a:r>
-              <a:rPr dirty="0" err="1"/>
-              <a:t>Plausibilitätsprüfungen</a:t>
-            </a:r>
-            <a:endParaRPr dirty="0"/>
-          </a:p>
-        </p:txBody>
-      </p:sp>
-      <p:sp>
-        <p:nvSpPr>
-          <p:cNvPr id="3" name="Content Placeholder 2"/>
-          <p:cNvSpPr>
-            <a:spLocks noGrp="1"/>
-          </p:cNvSpPr>
-          <p:nvPr>
-            <p:ph idx="1"/>
-          </p:nvPr>
-        </p:nvSpPr>
-        <p:spPr/>
-        <p:txBody>
-          <a:bodyPr/>
-          <a:lstStyle/>
-          <a:p>
-            <a:pPr marL="0" indent="0">
-              <a:buNone/>
-            </a:pPr>
-            <a:endParaRPr lang="de-DE" dirty="0"/>
-          </a:p>
-          <a:p>
-            <a:pPr>
-              <a:defRPr sz="1800">
-                <a:solidFill>
-                  <a:srgbClr val="000000"/>
-                </a:solidFill>
-              </a:defRPr>
-            </a:pPr>
-            <a:r>
-              <a:rPr dirty="0" err="1"/>
-              <a:t>Konsistenz</a:t>
-            </a:r>
-            <a:r>
-              <a:rPr dirty="0"/>
-              <a:t> von </a:t>
-            </a:r>
-            <a:r>
-              <a:rPr dirty="0" err="1"/>
-              <a:t>sales_price</a:t>
-            </a:r>
-            <a:r>
-              <a:rPr dirty="0"/>
-              <a:t> und </a:t>
-            </a:r>
-            <a:r>
-              <a:rPr dirty="0" err="1"/>
-              <a:t>total_amount</a:t>
-            </a:r>
-            <a:r>
-              <a:rPr lang="de-DE" dirty="0"/>
-              <a:t> </a:t>
-            </a:r>
-            <a:r>
-              <a:rPr lang="de-DE" dirty="0">
-                <a:sym typeface="Wingdings" panose="05000000000000000000" pitchFamily="2" charset="2"/>
-              </a:rPr>
-              <a:t> NEIN</a:t>
-            </a:r>
-            <a:endParaRPr dirty="0"/>
-          </a:p>
-          <a:p>
-            <a:pPr>
-              <a:defRPr sz="1800">
-                <a:solidFill>
-                  <a:srgbClr val="000000"/>
-                </a:solidFill>
-              </a:defRPr>
-            </a:pPr>
-            <a:r>
-              <a:rPr lang="de-DE" dirty="0"/>
-              <a:t>C</a:t>
-            </a:r>
-            <a:r>
-              <a:rPr dirty="0" err="1"/>
-              <a:t>amera_certainty</a:t>
-            </a:r>
-            <a:r>
-              <a:rPr dirty="0"/>
-              <a:t> ∈ [0,1]</a:t>
-            </a:r>
-          </a:p>
-          <a:p>
-            <a:pPr>
-              <a:defRPr sz="1800">
-                <a:solidFill>
-                  <a:srgbClr val="000000"/>
-                </a:solidFill>
-              </a:defRPr>
-            </a:pPr>
-            <a:r>
-              <a:rPr dirty="0"/>
-              <a:t>Timestamp in </a:t>
-            </a:r>
-            <a:r>
-              <a:rPr dirty="0" err="1"/>
-              <a:t>Transaktionszeitraum</a:t>
-            </a:r>
-            <a:endParaRPr dirty="0"/>
-          </a:p>
-          <a:p>
-            <a:pPr>
-              <a:defRPr sz="1800">
-                <a:solidFill>
-                  <a:srgbClr val="000000"/>
-                </a:solidFill>
-              </a:defRPr>
-            </a:pPr>
-            <a:r>
-              <a:rPr lang="de-DE" dirty="0"/>
-              <a:t>D</a:t>
-            </a:r>
-            <a:r>
-              <a:rPr dirty="0" err="1"/>
-              <a:t>amage</a:t>
-            </a:r>
-            <a:r>
-              <a:rPr dirty="0"/>
-              <a:t> &gt; 0 </a:t>
-            </a:r>
-            <a:r>
-              <a:rPr dirty="0" err="1"/>
-              <a:t>nur</a:t>
-            </a:r>
-            <a:r>
-              <a:rPr dirty="0"/>
-              <a:t> </a:t>
-            </a:r>
-            <a:r>
-              <a:rPr dirty="0" err="1"/>
-              <a:t>bei</a:t>
-            </a:r>
-            <a:r>
-              <a:rPr dirty="0"/>
-              <a:t> label=FRAUD</a:t>
-            </a:r>
-            <a:endParaRPr lang="de-DE" dirty="0"/>
-          </a:p>
-          <a:p>
-            <a:pPr>
-              <a:defRPr sz="1800">
-                <a:solidFill>
-                  <a:srgbClr val="000000"/>
-                </a:solidFill>
-              </a:defRPr>
-            </a:pPr>
-            <a:r>
-              <a:rPr lang="de-DE" dirty="0" err="1"/>
-              <a:t>Sales_price</a:t>
-            </a:r>
-            <a:r>
-              <a:rPr lang="de-DE" dirty="0"/>
-              <a:t> = 0,00 € </a:t>
-            </a:r>
-            <a:r>
-              <a:rPr lang="de-DE" dirty="0">
-                <a:sym typeface="Wingdings" panose="05000000000000000000" pitchFamily="2" charset="2"/>
-              </a:rPr>
-              <a:t>  100 % FRAUD</a:t>
-            </a:r>
-            <a:endParaRPr dirty="0"/>
-          </a:p>
-        </p:txBody>
-      </p:sp>
-    </p:spTree>
-  </p:cSld>
-  <p:clrMapOvr>
-    <a:masterClrMapping/>
-  </p:clrMapOvr>
-</p:sld>
-</file>
-
-<file path=ppt/slides/slide16.xml><?xml version="1.0" encoding="utf-8"?>
-<p:sld xmlns:a="http://schemas.openxmlformats.org/drawingml/2006/main" xmlns:r="http://schemas.openxmlformats.org/officeDocument/2006/relationships" xmlns:p="http://schemas.openxmlformats.org/presentationml/2006/main">
-  <p:cSld>
-    <p:spTree>
-      <p:nvGrpSpPr>
-        <p:cNvPr id="1" name="">
-          <a:extLst>
-            <a:ext uri="{FF2B5EF4-FFF2-40B4-BE49-F238E27FC236}">
-              <a16:creationId xmlns:a16="http://schemas.microsoft.com/office/drawing/2014/main" id="{E5CECD97-51EF-425F-378F-E46A7E3C798F}"/>
-            </a:ext>
-          </a:extLst>
-        </p:cNvPr>
-        <p:cNvGrpSpPr/>
-        <p:nvPr/>
-      </p:nvGrpSpPr>
-      <p:grpSpPr>
-        <a:xfrm>
-          <a:off x="0" y="0"/>
-          <a:ext cx="0" cy="0"/>
-          <a:chOff x="0" y="0"/>
-          <a:chExt cx="0" cy="0"/>
-        </a:xfrm>
-      </p:grpSpPr>
-      <p:sp>
-        <p:nvSpPr>
-          <p:cNvPr id="2" name="Title 1">
-            <a:extLst>
-              <a:ext uri="{FF2B5EF4-FFF2-40B4-BE49-F238E27FC236}">
-                <a16:creationId xmlns:a16="http://schemas.microsoft.com/office/drawing/2014/main" id="{48908C1F-9F9A-B806-DAE1-A0959FF17820}"/>
-              </a:ext>
-            </a:extLst>
-          </p:cNvPr>
-          <p:cNvSpPr>
-            <a:spLocks noGrp="1"/>
-          </p:cNvSpPr>
-          <p:nvPr>
-            <p:ph type="title"/>
-          </p:nvPr>
-        </p:nvSpPr>
-        <p:spPr/>
-        <p:txBody>
-          <a:bodyPr>
-            <a:normAutofit/>
-          </a:bodyPr>
-          <a:lstStyle/>
-          <a:p>
-            <a:r>
-              <a:rPr lang="de-DE" dirty="0"/>
-              <a:t>EDA-</a:t>
-            </a:r>
-            <a:r>
-              <a:rPr dirty="0" err="1"/>
-              <a:t>Plausibilitätsprüfungen</a:t>
-            </a:r>
-            <a:br>
-              <a:rPr lang="de-DE" dirty="0"/>
-            </a:br>
-            <a:r>
-              <a:rPr lang="de-DE" sz="2000" dirty="0"/>
-              <a:t>Vergleich rechnerischer und tatsächlicher Betrag </a:t>
-            </a:r>
-            <a:br>
-              <a:rPr lang="de-DE" sz="2000" dirty="0"/>
-            </a:br>
-            <a:r>
-              <a:rPr lang="de-DE" sz="2000" dirty="0">
-                <a:sym typeface="Wingdings" panose="05000000000000000000" pitchFamily="2" charset="2"/>
-              </a:rPr>
-              <a:t>  unberechtigter Rabatt</a:t>
-            </a:r>
-            <a:endParaRPr dirty="0"/>
-          </a:p>
-        </p:txBody>
-      </p:sp>
-      <p:pic>
-        <p:nvPicPr>
-          <p:cNvPr id="5" name="Inhaltsplatzhalter 4">
-            <a:extLst>
-              <a:ext uri="{FF2B5EF4-FFF2-40B4-BE49-F238E27FC236}">
-                <a16:creationId xmlns:a16="http://schemas.microsoft.com/office/drawing/2014/main" id="{C02D61D2-E57B-6CEE-F1DA-0F50244ED3C3}"/>
-              </a:ext>
-            </a:extLst>
-          </p:cNvPr>
-          <p:cNvPicPr>
-            <a:picLocks noGrp="1" noChangeAspect="1"/>
-          </p:cNvPicPr>
-          <p:nvPr>
-            <p:ph idx="1"/>
-          </p:nvPr>
-        </p:nvPicPr>
-        <p:blipFill>
-          <a:blip r:embed="rId2"/>
-          <a:stretch>
-            <a:fillRect/>
-          </a:stretch>
-        </p:blipFill>
-        <p:spPr>
-          <a:xfrm>
-            <a:off x="883920" y="2579759"/>
-            <a:ext cx="8153453" cy="2612882"/>
-          </a:xfrm>
-        </p:spPr>
-      </p:pic>
-    </p:spTree>
-    <p:extLst>
-      <p:ext uri="{BB962C8B-B14F-4D97-AF65-F5344CB8AC3E}">
-        <p14:creationId xmlns:p14="http://schemas.microsoft.com/office/powerpoint/2010/main" val="936484377"/>
-      </p:ext>
-    </p:extLst>
-  </p:cSld>
-  <p:clrMapOvr>
-    <a:masterClrMapping/>
-  </p:clrMapOvr>
-</p:sld>
-</file>
-
-<file path=ppt/slides/slide17.xml><?xml version="1.0" encoding="utf-8"?>
-<p:sld xmlns:a="http://schemas.openxmlformats.org/drawingml/2006/main" xmlns:r="http://schemas.openxmlformats.org/officeDocument/2006/relationships" xmlns:p="http://schemas.openxmlformats.org/presentationml/2006/main">
-  <p:cSld>
-    <p:spTree>
-      <p:nvGrpSpPr>
-        <p:cNvPr id="1" name="">
-          <a:extLst>
-            <a:ext uri="{FF2B5EF4-FFF2-40B4-BE49-F238E27FC236}">
-              <a16:creationId xmlns:a16="http://schemas.microsoft.com/office/drawing/2014/main" id="{4E3B8D06-26C1-5B8D-E815-770A2995A300}"/>
-            </a:ext>
-          </a:extLst>
-        </p:cNvPr>
-        <p:cNvGrpSpPr/>
-        <p:nvPr/>
-      </p:nvGrpSpPr>
-      <p:grpSpPr>
-        <a:xfrm>
-          <a:off x="0" y="0"/>
-          <a:ext cx="0" cy="0"/>
-          <a:chOff x="0" y="0"/>
-          <a:chExt cx="0" cy="0"/>
-        </a:xfrm>
-      </p:grpSpPr>
-      <p:sp>
-        <p:nvSpPr>
-          <p:cNvPr id="2" name="Title 1">
-            <a:extLst>
-              <a:ext uri="{FF2B5EF4-FFF2-40B4-BE49-F238E27FC236}">
-                <a16:creationId xmlns:a16="http://schemas.microsoft.com/office/drawing/2014/main" id="{6645C8E3-7469-177C-0D02-1D7F6168A89F}"/>
-              </a:ext>
-            </a:extLst>
-          </p:cNvPr>
-          <p:cNvSpPr>
-            <a:spLocks noGrp="1"/>
-          </p:cNvSpPr>
-          <p:nvPr>
-            <p:ph type="title"/>
-          </p:nvPr>
-        </p:nvSpPr>
-        <p:spPr/>
-        <p:txBody>
-          <a:bodyPr>
-            <a:normAutofit/>
-          </a:bodyPr>
-          <a:lstStyle/>
-          <a:p>
-            <a:r>
-              <a:rPr lang="de-DE" dirty="0"/>
-              <a:t>EDA-</a:t>
-            </a:r>
-            <a:r>
-              <a:rPr dirty="0" err="1"/>
-              <a:t>Plausibilitätsprüfungen</a:t>
-            </a:r>
-            <a:br>
-              <a:rPr lang="de-DE" dirty="0"/>
-            </a:br>
-            <a:br>
-              <a:rPr lang="de-DE" sz="2000" dirty="0"/>
-            </a:br>
-            <a:r>
-              <a:rPr lang="de-DE" sz="2000" dirty="0"/>
-              <a:t>Transaktions-Lines ohne Verkaufspreis </a:t>
-            </a:r>
-            <a:r>
-              <a:rPr lang="de-DE" sz="2000" dirty="0">
-                <a:sym typeface="Wingdings" panose="05000000000000000000" pitchFamily="2" charset="2"/>
-              </a:rPr>
-              <a:t> 100 % Fraud</a:t>
-            </a:r>
-            <a:endParaRPr dirty="0"/>
-          </a:p>
-        </p:txBody>
-      </p:sp>
-      <p:pic>
-        <p:nvPicPr>
-          <p:cNvPr id="7" name="Inhaltsplatzhalter 6">
-            <a:extLst>
-              <a:ext uri="{FF2B5EF4-FFF2-40B4-BE49-F238E27FC236}">
-                <a16:creationId xmlns:a16="http://schemas.microsoft.com/office/drawing/2014/main" id="{8B0E3D68-AFD1-B7A7-928B-8EA70D18BF77}"/>
-              </a:ext>
-            </a:extLst>
-          </p:cNvPr>
-          <p:cNvPicPr>
-            <a:picLocks noGrp="1" noChangeAspect="1"/>
-          </p:cNvPicPr>
-          <p:nvPr>
-            <p:ph idx="1"/>
-          </p:nvPr>
-        </p:nvPicPr>
-        <p:blipFill>
-          <a:blip r:embed="rId2"/>
-          <a:stretch>
-            <a:fillRect/>
-          </a:stretch>
-        </p:blipFill>
-        <p:spPr>
-          <a:xfrm>
-            <a:off x="2713448" y="2441448"/>
-            <a:ext cx="4272094" cy="3767138"/>
-          </a:xfrm>
-        </p:spPr>
-      </p:pic>
-    </p:spTree>
-    <p:extLst>
-      <p:ext uri="{BB962C8B-B14F-4D97-AF65-F5344CB8AC3E}">
-        <p14:creationId xmlns:p14="http://schemas.microsoft.com/office/powerpoint/2010/main" val="4095533445"/>
-      </p:ext>
-    </p:extLst>
-  </p:cSld>
-  <p:clrMapOvr>
-    <a:masterClrMapping/>
-  </p:clrMapOvr>
-</p:sld>
-</file>
-
-<file path=ppt/slides/slide18.xml><?xml version="1.0" encoding="utf-8"?>
+<file path=ppt/slides/slide22.xml><?xml version="1.0" encoding="utf-8"?>
 <p:sld xmlns:a="http://schemas.openxmlformats.org/drawingml/2006/main" xmlns:r="http://schemas.openxmlformats.org/officeDocument/2006/relationships" xmlns:p="http://schemas.openxmlformats.org/presentationml/2006/main">
   <p:cSld>
     <p:spTree>
@@ -7849,7 +10065,7 @@
 </p:sld>
 </file>
 
-<file path=ppt/slides/slide19.xml><?xml version="1.0" encoding="utf-8"?>
+<file path=ppt/slides/slide23.xml><?xml version="1.0" encoding="utf-8"?>
 <p:sld xmlns:a="http://schemas.openxmlformats.org/drawingml/2006/main" xmlns:r="http://schemas.openxmlformats.org/officeDocument/2006/relationships" xmlns:p="http://schemas.openxmlformats.org/presentationml/2006/main">
   <p:cSld>
     <p:spTree>
@@ -7962,558 +10178,6 @@
 </p:sld>
 </file>
 
-<file path=ppt/slides/slide2.xml><?xml version="1.0" encoding="utf-8"?>
-<p:sld xmlns:a="http://schemas.openxmlformats.org/drawingml/2006/main" xmlns:r="http://schemas.openxmlformats.org/officeDocument/2006/relationships" xmlns:p="http://schemas.openxmlformats.org/presentationml/2006/main">
-  <p:cSld>
-    <p:spTree>
-      <p:nvGrpSpPr>
-        <p:cNvPr id="1" name="">
-          <a:extLst>
-            <a:ext uri="{FF2B5EF4-FFF2-40B4-BE49-F238E27FC236}">
-              <a16:creationId xmlns:a16="http://schemas.microsoft.com/office/drawing/2014/main" id="{5E7B87B1-6C87-2D6B-70A4-784CBFDFEFC9}"/>
-            </a:ext>
-          </a:extLst>
-        </p:cNvPr>
-        <p:cNvGrpSpPr/>
-        <p:nvPr/>
-      </p:nvGrpSpPr>
-      <p:grpSpPr>
-        <a:xfrm>
-          <a:off x="0" y="0"/>
-          <a:ext cx="0" cy="0"/>
-          <a:chOff x="0" y="0"/>
-          <a:chExt cx="0" cy="0"/>
-        </a:xfrm>
-      </p:grpSpPr>
-      <p:sp>
-        <p:nvSpPr>
-          <p:cNvPr id="3" name="Titel 1">
-            <a:extLst>
-              <a:ext uri="{FF2B5EF4-FFF2-40B4-BE49-F238E27FC236}">
-                <a16:creationId xmlns:a16="http://schemas.microsoft.com/office/drawing/2014/main" id="{A24A8808-F0DC-B209-9597-4172FC25268B}"/>
-              </a:ext>
-            </a:extLst>
-          </p:cNvPr>
-          <p:cNvSpPr txBox="1">
-            <a:spLocks/>
-          </p:cNvSpPr>
-          <p:nvPr/>
-        </p:nvSpPr>
-        <p:spPr>
-          <a:xfrm>
-            <a:off x="1149995" y="3059617"/>
-            <a:ext cx="2947553" cy="1463040"/>
-          </a:xfrm>
-          <a:prstGeom prst="rect">
-            <a:avLst/>
-          </a:prstGeom>
-        </p:spPr>
-        <p:txBody>
-          <a:bodyPr vert="horz" lIns="91440" tIns="45720" rIns="91440" bIns="45720" rtlCol="0" anchor="t">
-            <a:normAutofit/>
-          </a:bodyPr>
-          <a:lstStyle>
-            <a:lvl1pPr algn="l" defTabSz="914400" rtl="0" eaLnBrk="1" latinLnBrk="0" hangingPunct="1">
-              <a:lnSpc>
-                <a:spcPct val="100000"/>
-              </a:lnSpc>
-              <a:spcBef>
-                <a:spcPct val="0"/>
-              </a:spcBef>
-              <a:buNone/>
-              <a:defRPr sz="7200" b="1" kern="1200">
-                <a:solidFill>
-                  <a:schemeClr val="tx1"/>
-                </a:solidFill>
-                <a:latin typeface="+mj-lt"/>
-                <a:ea typeface="+mj-ea"/>
-                <a:cs typeface="+mj-cs"/>
-              </a:defRPr>
-            </a:lvl1pPr>
-          </a:lstStyle>
-          <a:p>
-            <a:r>
-              <a:rPr lang="en-US" sz="2800" dirty="0"/>
-              <a:t>Das Projekt-Team </a:t>
-            </a:r>
-            <a:r>
-              <a:rPr lang="en-US" sz="2800" dirty="0" err="1"/>
-              <a:t>bei</a:t>
-            </a:r>
-            <a:r>
-              <a:rPr lang="en-US" sz="2800" dirty="0"/>
-              <a:t> der Arbeit…</a:t>
-            </a:r>
-          </a:p>
-        </p:txBody>
-      </p:sp>
-      <p:pic>
-        <p:nvPicPr>
-          <p:cNvPr id="8" name="Grafik 7" descr="Ein Bild, das Zeichnung, Mobiliar, Entwurf, Text enthält.&#10;&#10;KI-generierte Inhalte können fehlerhaft sein.">
-            <a:extLst>
-              <a:ext uri="{FF2B5EF4-FFF2-40B4-BE49-F238E27FC236}">
-                <a16:creationId xmlns:a16="http://schemas.microsoft.com/office/drawing/2014/main" id="{611F9C9F-0049-7E1C-1FD3-7CF1CC8D01B1}"/>
-              </a:ext>
-            </a:extLst>
-          </p:cNvPr>
-          <p:cNvPicPr>
-            <a:picLocks noChangeAspect="1"/>
-          </p:cNvPicPr>
-          <p:nvPr/>
-        </p:nvPicPr>
-        <p:blipFill>
-          <a:blip r:embed="rId2">
-            <a:extLst>
-              <a:ext uri="{28A0092B-C50C-407E-A947-70E740481C1C}">
-                <a14:useLocalDpi xmlns:a14="http://schemas.microsoft.com/office/drawing/2010/main" val="0"/>
-              </a:ext>
-            </a:extLst>
-          </a:blip>
-          <a:srcRect/>
-          <a:stretch>
-            <a:fillRect/>
-          </a:stretch>
-        </p:blipFill>
-        <p:spPr bwMode="auto">
-          <a:xfrm>
-            <a:off x="4536757" y="1089025"/>
-            <a:ext cx="6334125" cy="4222750"/>
-          </a:xfrm>
-          <a:prstGeom prst="rect">
-            <a:avLst/>
-          </a:prstGeom>
-          <a:noFill/>
-          <a:ln>
-            <a:noFill/>
-          </a:ln>
-        </p:spPr>
-      </p:pic>
-    </p:spTree>
-    <p:extLst>
-      <p:ext uri="{BB962C8B-B14F-4D97-AF65-F5344CB8AC3E}">
-        <p14:creationId xmlns:p14="http://schemas.microsoft.com/office/powerpoint/2010/main" val="1977709398"/>
-      </p:ext>
-    </p:extLst>
-  </p:cSld>
-  <p:clrMapOvr>
-    <a:masterClrMapping/>
-  </p:clrMapOvr>
-</p:sld>
-</file>
-
-<file path=ppt/slides/slide20.xml><?xml version="1.0" encoding="utf-8"?>
-<p:sld xmlns:a="http://schemas.openxmlformats.org/drawingml/2006/main" xmlns:r="http://schemas.openxmlformats.org/officeDocument/2006/relationships" xmlns:p="http://schemas.openxmlformats.org/presentationml/2006/main">
-  <p:cSld>
-    <p:spTree>
-      <p:nvGrpSpPr>
-        <p:cNvPr id="1" name="">
-          <a:extLst>
-            <a:ext uri="{FF2B5EF4-FFF2-40B4-BE49-F238E27FC236}">
-              <a16:creationId xmlns:a16="http://schemas.microsoft.com/office/drawing/2014/main" id="{E884A704-2C0F-9CC3-02A9-55904EE141C5}"/>
-            </a:ext>
-          </a:extLst>
-        </p:cNvPr>
-        <p:cNvGrpSpPr/>
-        <p:nvPr/>
-      </p:nvGrpSpPr>
-      <p:grpSpPr>
-        <a:xfrm>
-          <a:off x="0" y="0"/>
-          <a:ext cx="0" cy="0"/>
-          <a:chOff x="0" y="0"/>
-          <a:chExt cx="0" cy="0"/>
-        </a:xfrm>
-      </p:grpSpPr>
-      <p:sp>
-        <p:nvSpPr>
-          <p:cNvPr id="2" name="Title 1">
-            <a:extLst>
-              <a:ext uri="{FF2B5EF4-FFF2-40B4-BE49-F238E27FC236}">
-                <a16:creationId xmlns:a16="http://schemas.microsoft.com/office/drawing/2014/main" id="{C1346493-79A0-F0FB-9AC2-741882F498B8}"/>
-              </a:ext>
-            </a:extLst>
-          </p:cNvPr>
-          <p:cNvSpPr>
-            <a:spLocks noGrp="1"/>
-          </p:cNvSpPr>
-          <p:nvPr>
-            <p:ph type="title"/>
-          </p:nvPr>
-        </p:nvSpPr>
-        <p:spPr/>
-        <p:txBody>
-          <a:bodyPr/>
-          <a:lstStyle/>
-          <a:p>
-            <a:r>
-              <a:rPr lang="de-DE" dirty="0"/>
-              <a:t>EDA- kategoriale Attribute</a:t>
-            </a:r>
-            <a:endParaRPr dirty="0"/>
-          </a:p>
-        </p:txBody>
-      </p:sp>
-      <p:pic>
-        <p:nvPicPr>
-          <p:cNvPr id="9" name="Inhaltsplatzhalter 8">
-            <a:extLst>
-              <a:ext uri="{FF2B5EF4-FFF2-40B4-BE49-F238E27FC236}">
-                <a16:creationId xmlns:a16="http://schemas.microsoft.com/office/drawing/2014/main" id="{9100BB47-4F42-4EB2-2BE6-895650396138}"/>
-              </a:ext>
-            </a:extLst>
-          </p:cNvPr>
-          <p:cNvPicPr>
-            <a:picLocks noGrp="1" noChangeAspect="1"/>
-          </p:cNvPicPr>
-          <p:nvPr>
-            <p:ph idx="1"/>
-          </p:nvPr>
-        </p:nvPicPr>
-        <p:blipFill>
-          <a:blip r:embed="rId2"/>
-          <a:stretch>
-            <a:fillRect/>
-          </a:stretch>
-        </p:blipFill>
-        <p:spPr>
-          <a:xfrm>
-            <a:off x="791428" y="2857500"/>
-            <a:ext cx="4412610" cy="2466284"/>
-          </a:xfrm>
-        </p:spPr>
-      </p:pic>
-      <p:pic>
-        <p:nvPicPr>
-          <p:cNvPr id="7" name="Grafik 6">
-            <a:extLst>
-              <a:ext uri="{FF2B5EF4-FFF2-40B4-BE49-F238E27FC236}">
-                <a16:creationId xmlns:a16="http://schemas.microsoft.com/office/drawing/2014/main" id="{00E9EAFA-735D-9A8F-1BAA-9DBED066806B}"/>
-              </a:ext>
-            </a:extLst>
-          </p:cNvPr>
-          <p:cNvPicPr>
-            <a:picLocks noChangeAspect="1"/>
-          </p:cNvPicPr>
-          <p:nvPr/>
-        </p:nvPicPr>
-        <p:blipFill>
-          <a:blip r:embed="rId3"/>
-          <a:stretch>
-            <a:fillRect/>
-          </a:stretch>
-        </p:blipFill>
-        <p:spPr>
-          <a:xfrm>
-            <a:off x="5494020" y="2719636"/>
-            <a:ext cx="3429000" cy="3022795"/>
-          </a:xfrm>
-          <a:prstGeom prst="rect">
-            <a:avLst/>
-          </a:prstGeom>
-        </p:spPr>
-      </p:pic>
-    </p:spTree>
-    <p:extLst>
-      <p:ext uri="{BB962C8B-B14F-4D97-AF65-F5344CB8AC3E}">
-        <p14:creationId xmlns:p14="http://schemas.microsoft.com/office/powerpoint/2010/main" val="4073025997"/>
-      </p:ext>
-    </p:extLst>
-  </p:cSld>
-  <p:clrMapOvr>
-    <a:masterClrMapping/>
-  </p:clrMapOvr>
-</p:sld>
-</file>
-
-<file path=ppt/slides/slide21.xml><?xml version="1.0" encoding="utf-8"?>
-<p:sld xmlns:a="http://schemas.openxmlformats.org/drawingml/2006/main" xmlns:r="http://schemas.openxmlformats.org/officeDocument/2006/relationships" xmlns:p="http://schemas.openxmlformats.org/presentationml/2006/main">
-  <p:cSld>
-    <p:spTree>
-      <p:nvGrpSpPr>
-        <p:cNvPr id="1" name="">
-          <a:extLst>
-            <a:ext uri="{FF2B5EF4-FFF2-40B4-BE49-F238E27FC236}">
-              <a16:creationId xmlns:a16="http://schemas.microsoft.com/office/drawing/2014/main" id="{04F0417A-DB9B-803A-8135-65EA6D36C064}"/>
-            </a:ext>
-          </a:extLst>
-        </p:cNvPr>
-        <p:cNvGrpSpPr/>
-        <p:nvPr/>
-      </p:nvGrpSpPr>
-      <p:grpSpPr>
-        <a:xfrm>
-          <a:off x="0" y="0"/>
-          <a:ext cx="0" cy="0"/>
-          <a:chOff x="0" y="0"/>
-          <a:chExt cx="0" cy="0"/>
-        </a:xfrm>
-      </p:grpSpPr>
-      <p:sp>
-        <p:nvSpPr>
-          <p:cNvPr id="2" name="Title 1">
-            <a:extLst>
-              <a:ext uri="{FF2B5EF4-FFF2-40B4-BE49-F238E27FC236}">
-                <a16:creationId xmlns:a16="http://schemas.microsoft.com/office/drawing/2014/main" id="{FC6F2AD5-0A49-7581-DC2F-0963AF2D7568}"/>
-              </a:ext>
-            </a:extLst>
-          </p:cNvPr>
-          <p:cNvSpPr>
-            <a:spLocks noGrp="1"/>
-          </p:cNvSpPr>
-          <p:nvPr>
-            <p:ph type="title"/>
-          </p:nvPr>
-        </p:nvSpPr>
-        <p:spPr/>
-        <p:txBody>
-          <a:bodyPr/>
-          <a:lstStyle/>
-          <a:p>
-            <a:r>
-              <a:rPr lang="de-DE" dirty="0"/>
-              <a:t>EDA - kategoriale Attribute</a:t>
-            </a:r>
-            <a:br>
-              <a:rPr lang="de-DE" dirty="0"/>
-            </a:br>
-            <a:r>
-              <a:rPr lang="de-DE" sz="2000" dirty="0"/>
-              <a:t>Produktgruppe</a:t>
-            </a:r>
-            <a:endParaRPr lang="de-DE" dirty="0"/>
-          </a:p>
-        </p:txBody>
-      </p:sp>
-      <p:pic>
-        <p:nvPicPr>
-          <p:cNvPr id="5" name="Inhaltsplatzhalter 4">
-            <a:extLst>
-              <a:ext uri="{FF2B5EF4-FFF2-40B4-BE49-F238E27FC236}">
-                <a16:creationId xmlns:a16="http://schemas.microsoft.com/office/drawing/2014/main" id="{95335CA2-623C-F2EB-58BD-9597B3E6CCD1}"/>
-              </a:ext>
-            </a:extLst>
-          </p:cNvPr>
-          <p:cNvPicPr>
-            <a:picLocks noGrp="1" noChangeAspect="1"/>
-          </p:cNvPicPr>
-          <p:nvPr>
-            <p:ph idx="1"/>
-          </p:nvPr>
-        </p:nvPicPr>
-        <p:blipFill>
-          <a:blip r:embed="rId2"/>
-          <a:stretch>
-            <a:fillRect/>
-          </a:stretch>
-        </p:blipFill>
-        <p:spPr>
-          <a:xfrm>
-            <a:off x="1688942" y="2386774"/>
-            <a:ext cx="6915466" cy="3767138"/>
-          </a:xfrm>
-        </p:spPr>
-      </p:pic>
-    </p:spTree>
-    <p:extLst>
-      <p:ext uri="{BB962C8B-B14F-4D97-AF65-F5344CB8AC3E}">
-        <p14:creationId xmlns:p14="http://schemas.microsoft.com/office/powerpoint/2010/main" val="2803459651"/>
-      </p:ext>
-    </p:extLst>
-  </p:cSld>
-  <p:clrMapOvr>
-    <a:masterClrMapping/>
-  </p:clrMapOvr>
-</p:sld>
-</file>
-
-<file path=ppt/slides/slide22.xml><?xml version="1.0" encoding="utf-8"?>
-<p:sld xmlns:a="http://schemas.openxmlformats.org/drawingml/2006/main" xmlns:r="http://schemas.openxmlformats.org/officeDocument/2006/relationships" xmlns:p="http://schemas.openxmlformats.org/presentationml/2006/main">
-  <p:cSld>
-    <p:spTree>
-      <p:nvGrpSpPr>
-        <p:cNvPr id="1" name="">
-          <a:extLst>
-            <a:ext uri="{FF2B5EF4-FFF2-40B4-BE49-F238E27FC236}">
-              <a16:creationId xmlns:a16="http://schemas.microsoft.com/office/drawing/2014/main" id="{EE2E3894-8B08-9553-57A1-F73BC07FDC25}"/>
-            </a:ext>
-          </a:extLst>
-        </p:cNvPr>
-        <p:cNvGrpSpPr/>
-        <p:nvPr/>
-      </p:nvGrpSpPr>
-      <p:grpSpPr>
-        <a:xfrm>
-          <a:off x="0" y="0"/>
-          <a:ext cx="0" cy="0"/>
-          <a:chOff x="0" y="0"/>
-          <a:chExt cx="0" cy="0"/>
-        </a:xfrm>
-      </p:grpSpPr>
-      <p:sp>
-        <p:nvSpPr>
-          <p:cNvPr id="2" name="Title 1">
-            <a:extLst>
-              <a:ext uri="{FF2B5EF4-FFF2-40B4-BE49-F238E27FC236}">
-                <a16:creationId xmlns:a16="http://schemas.microsoft.com/office/drawing/2014/main" id="{1DE61FD6-ED7D-618C-6749-173C5BFB284A}"/>
-              </a:ext>
-            </a:extLst>
-          </p:cNvPr>
-          <p:cNvSpPr>
-            <a:spLocks noGrp="1"/>
-          </p:cNvSpPr>
-          <p:nvPr>
-            <p:ph type="title"/>
-          </p:nvPr>
-        </p:nvSpPr>
-        <p:spPr/>
-        <p:txBody>
-          <a:bodyPr/>
-          <a:lstStyle/>
-          <a:p>
-            <a:r>
-              <a:rPr lang="de-DE" dirty="0"/>
-              <a:t>EDA- numerische Attribute</a:t>
-            </a:r>
-            <a:endParaRPr dirty="0"/>
-          </a:p>
-        </p:txBody>
-      </p:sp>
-      <p:pic>
-        <p:nvPicPr>
-          <p:cNvPr id="7" name="Inhaltsplatzhalter 6">
-            <a:extLst>
-              <a:ext uri="{FF2B5EF4-FFF2-40B4-BE49-F238E27FC236}">
-                <a16:creationId xmlns:a16="http://schemas.microsoft.com/office/drawing/2014/main" id="{D9E2A327-9C5B-5E15-30A0-4FB02EE073DF}"/>
-              </a:ext>
-            </a:extLst>
-          </p:cNvPr>
-          <p:cNvPicPr>
-            <a:picLocks noGrp="1" noChangeAspect="1"/>
-          </p:cNvPicPr>
-          <p:nvPr>
-            <p:ph idx="1"/>
-          </p:nvPr>
-        </p:nvPicPr>
-        <p:blipFill>
-          <a:blip r:embed="rId2"/>
-          <a:stretch>
-            <a:fillRect/>
-          </a:stretch>
-        </p:blipFill>
-        <p:spPr>
-          <a:xfrm>
-            <a:off x="1426675" y="2035402"/>
-            <a:ext cx="6982799" cy="3603398"/>
-          </a:xfrm>
-        </p:spPr>
-      </p:pic>
-    </p:spTree>
-    <p:extLst>
-      <p:ext uri="{BB962C8B-B14F-4D97-AF65-F5344CB8AC3E}">
-        <p14:creationId xmlns:p14="http://schemas.microsoft.com/office/powerpoint/2010/main" val="2876089279"/>
-      </p:ext>
-    </p:extLst>
-  </p:cSld>
-  <p:clrMapOvr>
-    <a:masterClrMapping/>
-  </p:clrMapOvr>
-</p:sld>
-</file>
-
-<file path=ppt/slides/slide23.xml><?xml version="1.0" encoding="utf-8"?>
-<p:sld xmlns:a="http://schemas.openxmlformats.org/drawingml/2006/main" xmlns:r="http://schemas.openxmlformats.org/officeDocument/2006/relationships" xmlns:p="http://schemas.openxmlformats.org/presentationml/2006/main">
-  <p:cSld>
-    <p:spTree>
-      <p:nvGrpSpPr>
-        <p:cNvPr id="1" name="">
-          <a:extLst>
-            <a:ext uri="{FF2B5EF4-FFF2-40B4-BE49-F238E27FC236}">
-              <a16:creationId xmlns:a16="http://schemas.microsoft.com/office/drawing/2014/main" id="{5CA94839-BCC4-5282-C314-0D6259F979F1}"/>
-            </a:ext>
-          </a:extLst>
-        </p:cNvPr>
-        <p:cNvGrpSpPr/>
-        <p:nvPr/>
-      </p:nvGrpSpPr>
-      <p:grpSpPr>
-        <a:xfrm>
-          <a:off x="0" y="0"/>
-          <a:ext cx="0" cy="0"/>
-          <a:chOff x="0" y="0"/>
-          <a:chExt cx="0" cy="0"/>
-        </a:xfrm>
-      </p:grpSpPr>
-      <p:sp>
-        <p:nvSpPr>
-          <p:cNvPr id="2" name="Title 1">
-            <a:extLst>
-              <a:ext uri="{FF2B5EF4-FFF2-40B4-BE49-F238E27FC236}">
-                <a16:creationId xmlns:a16="http://schemas.microsoft.com/office/drawing/2014/main" id="{CEC3D07C-38F7-AC37-C776-F60F59466491}"/>
-              </a:ext>
-            </a:extLst>
-          </p:cNvPr>
-          <p:cNvSpPr>
-            <a:spLocks noGrp="1"/>
-          </p:cNvSpPr>
-          <p:nvPr>
-            <p:ph type="title"/>
-          </p:nvPr>
-        </p:nvSpPr>
-        <p:spPr/>
-        <p:txBody>
-          <a:bodyPr/>
-          <a:lstStyle/>
-          <a:p>
-            <a:r>
-              <a:rPr lang="de-DE" dirty="0"/>
-              <a:t>EDA- numerische Attribute</a:t>
-            </a:r>
-            <a:endParaRPr dirty="0"/>
-          </a:p>
-        </p:txBody>
-      </p:sp>
-      <p:pic>
-        <p:nvPicPr>
-          <p:cNvPr id="6" name="Inhaltsplatzhalter 5">
-            <a:extLst>
-              <a:ext uri="{FF2B5EF4-FFF2-40B4-BE49-F238E27FC236}">
-                <a16:creationId xmlns:a16="http://schemas.microsoft.com/office/drawing/2014/main" id="{417A655F-62E9-133A-5305-FC0012F98837}"/>
-              </a:ext>
-            </a:extLst>
-          </p:cNvPr>
-          <p:cNvPicPr>
-            <a:picLocks noGrp="1" noChangeAspect="1"/>
-          </p:cNvPicPr>
-          <p:nvPr>
-            <p:ph idx="1"/>
-          </p:nvPr>
-        </p:nvPicPr>
-        <p:blipFill>
-          <a:blip r:embed="rId2"/>
-          <a:stretch>
-            <a:fillRect/>
-          </a:stretch>
-        </p:blipFill>
-        <p:spPr>
-          <a:xfrm>
-            <a:off x="1313560" y="1938020"/>
-            <a:ext cx="6736589" cy="3767138"/>
-          </a:xfrm>
-        </p:spPr>
-      </p:pic>
-    </p:spTree>
-    <p:extLst>
-      <p:ext uri="{BB962C8B-B14F-4D97-AF65-F5344CB8AC3E}">
-        <p14:creationId xmlns:p14="http://schemas.microsoft.com/office/powerpoint/2010/main" val="2460237397"/>
-      </p:ext>
-    </p:extLst>
-  </p:cSld>
-  <p:clrMapOvr>
-    <a:masterClrMapping/>
-  </p:clrMapOvr>
-</p:sld>
-</file>
-
 <file path=ppt/slides/slide24.xml><?xml version="1.0" encoding="utf-8"?>
 <p:sld xmlns:a="http://schemas.openxmlformats.org/drawingml/2006/main" xmlns:r="http://schemas.openxmlformats.org/officeDocument/2006/relationships" xmlns:p="http://schemas.openxmlformats.org/presentationml/2006/main">
   <p:cSld>
@@ -8757,7 +10421,7 @@
         </p:nvSpPr>
         <p:spPr>
           <a:xfrm>
-            <a:off x="5823857" y="1681658"/>
+            <a:off x="5823857" y="1672605"/>
             <a:ext cx="5473731" cy="3494683"/>
           </a:xfrm>
           <a:prstGeom prst="rect">
@@ -8808,7 +10472,7 @@
             </a:br>
             <a:r>
               <a:rPr lang="de-DE" sz="3200" dirty="0"/>
-              <a:t>Fragen &amp; Anregungen</a:t>
+              <a:t>Fragen &amp; Anregungen?</a:t>
             </a:r>
             <a:endParaRPr lang="de-DE" sz="3200" b="0" dirty="0"/>
           </a:p>
@@ -9100,14 +10764,9 @@
           <a:lstStyle/>
           <a:p>
             <a:r>
-              <a:rPr lang="de-DE" sz="7400" dirty="0"/>
-              <a:t>5. </a:t>
-            </a:r>
-            <a:r>
-              <a:rPr lang="de-DE" dirty="0"/>
-              <a:t>Vorabanalyse</a:t>
-            </a:r>
-            <a:endParaRPr lang="de-DE" sz="7400" dirty="0"/>
+              <a:rPr lang="de-DE" sz="6000" dirty="0"/>
+              <a:t>1. Vorbemerkungen</a:t>
+            </a:r>
           </a:p>
         </p:txBody>
       </p:sp>
@@ -9406,7 +11065,7 @@
             </a:r>
             <a:r>
               <a:rPr lang="de-DE" dirty="0" err="1"/>
-              <a:t>abanalyse</a:t>
+              <a:t>bemerkungen</a:t>
             </a:r>
             <a:endParaRPr dirty="0"/>
           </a:p>
@@ -9430,7 +11089,7 @@
         </p:nvSpPr>
         <p:spPr>
           <a:xfrm>
-            <a:off x="521208" y="2586228"/>
+            <a:off x="521208" y="2595281"/>
             <a:ext cx="11155680" cy="3767328"/>
           </a:xfrm>
         </p:spPr>
@@ -9585,32 +11244,16 @@
               </a:defRPr>
             </a:pPr>
             <a:r>
-              <a:rPr dirty="0" err="1"/>
-              <a:t>Verwendung</a:t>
-            </a:r>
-            <a:r>
-              <a:rPr dirty="0"/>
-              <a:t> </a:t>
-            </a:r>
-            <a:r>
-              <a:rPr b="1" dirty="0" err="1"/>
-              <a:t>gelabelter</a:t>
-            </a:r>
-            <a:r>
-              <a:rPr dirty="0"/>
-              <a:t> Daten: </a:t>
-            </a:r>
-            <a:r>
-              <a:rPr dirty="0" err="1"/>
-              <a:t>statistisch</a:t>
-            </a:r>
-            <a:r>
-              <a:rPr dirty="0"/>
-              <a:t> </a:t>
-            </a:r>
-            <a:r>
-              <a:rPr dirty="0" err="1"/>
-              <a:t>repräsentativ</a:t>
+              <a:rPr lang="de-DE" dirty="0"/>
+              <a:t>Begriffsdefinition: „</a:t>
+            </a:r>
+            <a:r>
+              <a:rPr lang="de-DE" dirty="0" err="1"/>
+              <a:t>line</a:t>
+            </a:r>
+            <a:r>
+              <a:rPr lang="de-DE" dirty="0"/>
+              <a:t>“ entspricht „Position“</a:t>
             </a:r>
             <a:endParaRPr dirty="0"/>
           </a:p>
@@ -9630,147 +11273,6 @@
 </file>
 
 <file path=ppt/slides/slide5.xml><?xml version="1.0" encoding="utf-8"?>
-<p:sld xmlns:a="http://schemas.openxmlformats.org/drawingml/2006/main" xmlns:r="http://schemas.openxmlformats.org/officeDocument/2006/relationships" xmlns:p="http://schemas.openxmlformats.org/presentationml/2006/main">
-  <p:cSld>
-    <p:spTree>
-      <p:nvGrpSpPr>
-        <p:cNvPr id="1" name="">
-          <a:extLst>
-            <a:ext uri="{FF2B5EF4-FFF2-40B4-BE49-F238E27FC236}">
-              <a16:creationId xmlns:a16="http://schemas.microsoft.com/office/drawing/2014/main" id="{60816EB3-6C62-C9C9-7D2A-A27259A1A242}"/>
-            </a:ext>
-          </a:extLst>
-        </p:cNvPr>
-        <p:cNvGrpSpPr/>
-        <p:nvPr/>
-      </p:nvGrpSpPr>
-      <p:grpSpPr>
-        <a:xfrm>
-          <a:off x="0" y="0"/>
-          <a:ext cx="0" cy="0"/>
-          <a:chOff x="0" y="0"/>
-          <a:chExt cx="0" cy="0"/>
-        </a:xfrm>
-      </p:grpSpPr>
-      <p:sp>
-        <p:nvSpPr>
-          <p:cNvPr id="2" name="Title 1">
-            <a:extLst>
-              <a:ext uri="{FF2B5EF4-FFF2-40B4-BE49-F238E27FC236}">
-                <a16:creationId xmlns:a16="http://schemas.microsoft.com/office/drawing/2014/main" id="{FD0C562A-E08A-9E2A-06C0-725EBBCE486E}"/>
-              </a:ext>
-            </a:extLst>
-          </p:cNvPr>
-          <p:cNvSpPr>
-            <a:spLocks noGrp="1"/>
-          </p:cNvSpPr>
-          <p:nvPr>
-            <p:ph type="title"/>
-          </p:nvPr>
-        </p:nvSpPr>
-        <p:spPr>
-          <a:xfrm>
-            <a:off x="521208" y="978408"/>
-            <a:ext cx="11155680" cy="1170432"/>
-          </a:xfrm>
-        </p:spPr>
-        <p:txBody>
-          <a:bodyPr>
-            <a:normAutofit fontScale="90000"/>
-          </a:bodyPr>
-          <a:lstStyle/>
-          <a:p>
-            <a:r>
-              <a:rPr dirty="0" err="1"/>
-              <a:t>Vor</a:t>
-            </a:r>
-            <a:r>
-              <a:rPr lang="de-DE" dirty="0" err="1"/>
-              <a:t>abanalyse</a:t>
-            </a:r>
-            <a:r>
-              <a:rPr lang="de-DE" dirty="0"/>
-              <a:t>- </a:t>
-            </a:r>
-            <a:r>
-              <a:rPr lang="de-DE" sz="4400" dirty="0" err="1"/>
-              <a:t>labeled</a:t>
-            </a:r>
-            <a:r>
-              <a:rPr lang="de-DE" sz="4400" dirty="0"/>
-              <a:t> vs. </a:t>
-            </a:r>
-            <a:r>
-              <a:rPr lang="de-DE" dirty="0" err="1"/>
-              <a:t>u</a:t>
-            </a:r>
-            <a:r>
-              <a:rPr lang="de-DE" sz="4400" dirty="0" err="1"/>
-              <a:t>nlabeled</a:t>
-            </a:r>
-            <a:br>
-              <a:rPr lang="de-DE" sz="4400" dirty="0"/>
-            </a:br>
-            <a:r>
-              <a:rPr lang="de-DE" sz="2000" dirty="0"/>
-              <a:t>gelabelte Daten sind repräsentativ</a:t>
-            </a:r>
-            <a:br>
-              <a:rPr lang="de-DE" dirty="0"/>
-            </a:br>
-            <a:br>
-              <a:rPr lang="de-DE" dirty="0"/>
-            </a:br>
-            <a:br>
-              <a:rPr lang="de-DE" dirty="0"/>
-            </a:br>
-            <a:endParaRPr dirty="0"/>
-          </a:p>
-        </p:txBody>
-      </p:sp>
-      <p:pic>
-        <p:nvPicPr>
-          <p:cNvPr id="5" name="Inhaltsplatzhalter 4">
-            <a:extLst>
-              <a:ext uri="{FF2B5EF4-FFF2-40B4-BE49-F238E27FC236}">
-                <a16:creationId xmlns:a16="http://schemas.microsoft.com/office/drawing/2014/main" id="{76B3BE21-483C-03F2-AB19-A8C8B2A37B86}"/>
-              </a:ext>
-            </a:extLst>
-          </p:cNvPr>
-          <p:cNvPicPr>
-            <a:picLocks noGrp="1" noChangeAspect="1"/>
-          </p:cNvPicPr>
-          <p:nvPr>
-            <p:ph idx="1"/>
-          </p:nvPr>
-        </p:nvPicPr>
-        <p:blipFill>
-          <a:blip r:embed="rId2"/>
-          <a:stretch>
-            <a:fillRect/>
-          </a:stretch>
-        </p:blipFill>
-        <p:spPr>
-          <a:xfrm>
-            <a:off x="570729" y="2761110"/>
-            <a:ext cx="11050542" cy="2676899"/>
-          </a:xfrm>
-        </p:spPr>
-      </p:pic>
-    </p:spTree>
-    <p:extLst>
-      <p:ext uri="{BB962C8B-B14F-4D97-AF65-F5344CB8AC3E}">
-        <p14:creationId xmlns:p14="http://schemas.microsoft.com/office/powerpoint/2010/main" val="1691424410"/>
-      </p:ext>
-    </p:extLst>
-  </p:cSld>
-  <p:clrMapOvr>
-    <a:masterClrMapping/>
-  </p:clrMapOvr>
-</p:sld>
-</file>
-
-<file path=ppt/slides/slide6.xml><?xml version="1.0" encoding="utf-8"?>
 <p:sld xmlns:a="http://schemas.openxmlformats.org/drawingml/2006/main" xmlns:r="http://schemas.openxmlformats.org/officeDocument/2006/relationships" xmlns:p="http://schemas.openxmlformats.org/presentationml/2006/main">
   <p:cSld>
     <p:bg>
@@ -9923,7 +11425,7 @@
           <a:p>
             <a:r>
               <a:rPr lang="de-DE" sz="6000" dirty="0"/>
-              <a:t>5.Datenmanagment</a:t>
+              <a:t>2.Datenmanagment</a:t>
             </a:r>
           </a:p>
         </p:txBody>
@@ -10173,7 +11675,7 @@
 </p:sld>
 </file>
 
-<file path=ppt/slides/slide7.xml><?xml version="1.0" encoding="utf-8"?>
+<file path=ppt/slides/slide6.xml><?xml version="1.0" encoding="utf-8"?>
 <p:sld xmlns:a="http://schemas.openxmlformats.org/drawingml/2006/main" xmlns:r="http://schemas.openxmlformats.org/officeDocument/2006/relationships" xmlns:p="http://schemas.openxmlformats.org/presentationml/2006/main">
   <p:cSld>
     <p:spTree>
@@ -10457,7 +11959,7 @@
 </p:sld>
 </file>
 
-<file path=ppt/slides/slide8.xml><?xml version="1.0" encoding="utf-8"?>
+<file path=ppt/slides/slide7.xml><?xml version="1.0" encoding="utf-8"?>
 <p:sld xmlns:a="http://schemas.openxmlformats.org/drawingml/2006/main" xmlns:r="http://schemas.openxmlformats.org/officeDocument/2006/relationships" xmlns:p="http://schemas.openxmlformats.org/presentationml/2006/main">
   <p:cSld>
     <p:bg>
@@ -10473,7 +11975,7 @@
         <p:cNvPr id="1" name="">
           <a:extLst>
             <a:ext uri="{FF2B5EF4-FFF2-40B4-BE49-F238E27FC236}">
-              <a16:creationId xmlns:a16="http://schemas.microsoft.com/office/drawing/2014/main" id="{AF89FF9F-FC2B-44BB-73F8-EA80D743C6D5}"/>
+              <a16:creationId xmlns:a16="http://schemas.microsoft.com/office/drawing/2014/main" id="{ABE72B5E-6B0B-BCFE-A090-82C603E50025}"/>
             </a:ext>
           </a:extLst>
         </p:cNvPr>
@@ -10493,7 +11995,7 @@
           <p:cNvPr id="7" name="Rectangle 6">
             <a:extLst>
               <a:ext uri="{FF2B5EF4-FFF2-40B4-BE49-F238E27FC236}">
-                <a16:creationId xmlns:a16="http://schemas.microsoft.com/office/drawing/2014/main" id="{AB2DAA9B-8858-FA8A-A900-954E57D09386}"/>
+                <a16:creationId xmlns:a16="http://schemas.microsoft.com/office/drawing/2014/main" id="{9CF5F66A-D5DF-A3BD-7B55-26CD61476A3D}"/>
               </a:ext>
               <a:ext uri="{C183D7F6-B498-43B3-948B-1728B52AA6E4}">
                 <adec:decorative xmlns:adec="http://schemas.microsoft.com/office/drawing/2017/decorative" val="1"/>
@@ -10585,7 +12087,7 @@
           <p:cNvPr id="2" name="Titel 1">
             <a:extLst>
               <a:ext uri="{FF2B5EF4-FFF2-40B4-BE49-F238E27FC236}">
-                <a16:creationId xmlns:a16="http://schemas.microsoft.com/office/drawing/2014/main" id="{28C59B12-A36B-19D9-4495-E6CF783F5D94}"/>
+                <a16:creationId xmlns:a16="http://schemas.microsoft.com/office/drawing/2014/main" id="{FD5EAE95-A5E8-E1C9-DCA8-5641CD1678D3}"/>
               </a:ext>
             </a:extLst>
           </p:cNvPr>
@@ -10609,8 +12111,8 @@
           <a:lstStyle/>
           <a:p>
             <a:r>
-              <a:rPr lang="de-DE" sz="6600" dirty="0"/>
-              <a:t>5. Transformation</a:t>
+              <a:rPr lang="de-DE" sz="6000" dirty="0"/>
+              <a:t>3.Vorabanalyse</a:t>
             </a:r>
           </a:p>
         </p:txBody>
@@ -10620,7 +12122,7 @@
           <p:cNvPr id="9" name="Freeform: Shape 8">
             <a:extLst>
               <a:ext uri="{FF2B5EF4-FFF2-40B4-BE49-F238E27FC236}">
-                <a16:creationId xmlns:a16="http://schemas.microsoft.com/office/drawing/2014/main" id="{90F81946-9EB6-36E5-321E-D743EC0E53FE}"/>
+                <a16:creationId xmlns:a16="http://schemas.microsoft.com/office/drawing/2014/main" id="{61603231-7E18-9A2E-FB4C-0426DA5805CA}"/>
               </a:ext>
               <a:ext uri="{C183D7F6-B498-43B3-948B-1728B52AA6E4}">
                 <adec:decorative xmlns:adec="http://schemas.microsoft.com/office/drawing/2017/decorative" val="1"/>
@@ -10755,7 +12257,7 @@
     </p:spTree>
     <p:extLst>
       <p:ext uri="{BB962C8B-B14F-4D97-AF65-F5344CB8AC3E}">
-        <p14:creationId xmlns:p14="http://schemas.microsoft.com/office/powerpoint/2010/main" val="1521293282"/>
+        <p14:creationId xmlns:p14="http://schemas.microsoft.com/office/powerpoint/2010/main" val="4065275351"/>
       </p:ext>
     </p:extLst>
   </p:cSld>
@@ -10860,12 +12362,18 @@
 </p:sld>
 </file>
 
-<file path=ppt/slides/slide9.xml><?xml version="1.0" encoding="utf-8"?>
+<file path=ppt/slides/slide8.xml><?xml version="1.0" encoding="utf-8"?>
 <p:sld xmlns:a="http://schemas.openxmlformats.org/drawingml/2006/main" xmlns:r="http://schemas.openxmlformats.org/officeDocument/2006/relationships" xmlns:p="http://schemas.openxmlformats.org/presentationml/2006/main">
   <p:cSld>
     <p:spTree>
       <p:nvGrpSpPr>
-        <p:cNvPr id="1" name=""/>
+        <p:cNvPr id="1" name="">
+          <a:extLst>
+            <a:ext uri="{FF2B5EF4-FFF2-40B4-BE49-F238E27FC236}">
+              <a16:creationId xmlns:a16="http://schemas.microsoft.com/office/drawing/2014/main" id="{47920C9D-B264-0DF2-E40C-BEB8D8C2EC56}"/>
+            </a:ext>
+          </a:extLst>
+        </p:cNvPr>
         <p:cNvGrpSpPr/>
         <p:nvPr/>
       </p:nvGrpSpPr>
@@ -10879,7 +12387,13 @@
       </p:grpSpPr>
       <p:sp>
         <p:nvSpPr>
-          <p:cNvPr id="2" name="Title 1"/>
+          <p:cNvPr id="2" name="Title 1">
+            <a:extLst>
+              <a:ext uri="{FF2B5EF4-FFF2-40B4-BE49-F238E27FC236}">
+                <a16:creationId xmlns:a16="http://schemas.microsoft.com/office/drawing/2014/main" id="{4AF6A987-E8D3-A488-DF8A-68774CB64EE6}"/>
+              </a:ext>
+            </a:extLst>
+          </p:cNvPr>
           <p:cNvSpPr>
             <a:spLocks noGrp="1"/>
           </p:cNvSpPr>
@@ -10894,7 +12408,7 @@
           <a:p>
             <a:r>
               <a:rPr lang="de-DE" dirty="0"/>
-              <a:t>Datentransformation</a:t>
+              <a:t>Vorabanalyse</a:t>
             </a:r>
             <a:endParaRPr dirty="0"/>
           </a:p>
@@ -10902,7 +12416,13 @@
       </p:sp>
       <p:sp>
         <p:nvSpPr>
-          <p:cNvPr id="3" name="Content Placeholder 2"/>
+          <p:cNvPr id="3" name="Content Placeholder 2">
+            <a:extLst>
+              <a:ext uri="{FF2B5EF4-FFF2-40B4-BE49-F238E27FC236}">
+                <a16:creationId xmlns:a16="http://schemas.microsoft.com/office/drawing/2014/main" id="{F9EE97E4-F249-A1DB-36A0-0183DDEAF8E3}"/>
+              </a:ext>
+            </a:extLst>
+          </p:cNvPr>
           <p:cNvSpPr>
             <a:spLocks noGrp="1"/>
           </p:cNvSpPr>
@@ -10910,109 +12430,320 @@
             <p:ph idx="1"/>
           </p:nvPr>
         </p:nvSpPr>
-        <p:spPr/>
+        <p:spPr>
+          <a:xfrm>
+            <a:off x="521208" y="2541942"/>
+            <a:ext cx="11155680" cy="3767328"/>
+          </a:xfrm>
+        </p:spPr>
         <p:txBody>
           <a:bodyPr/>
           <a:lstStyle/>
           <a:p>
+            <a:pPr marL="342900" lvl="0" indent="-342900">
+              <a:lnSpc>
+                <a:spcPct val="107000"/>
+              </a:lnSpc>
+              <a:spcAft>
+                <a:spcPts val="800"/>
+              </a:spcAft>
+              <a:buSzPts val="1000"/>
+              <a:buFont typeface="Symbol" panose="05050102010706020507" pitchFamily="18" charset="2"/>
+              <a:buChar char=""/>
+              <a:tabLst>
+                <a:tab pos="457200" algn="l"/>
+              </a:tabLst>
+            </a:pPr>
+            <a:r>
+              <a:rPr lang="de-DE" b="1" kern="100" dirty="0">
+                <a:latin typeface="Aptos" panose="020B0004020202020204" pitchFamily="34" charset="0"/>
+                <a:ea typeface="Aptos" panose="020B0004020202020204" pitchFamily="34" charset="0"/>
+                <a:cs typeface="Times New Roman" panose="02020603050405020304" pitchFamily="18" charset="0"/>
+              </a:rPr>
+              <a:t>Repräsentativität der gelabelten Daten </a:t>
+            </a:r>
+            <a:r>
+              <a:rPr lang="de-DE" sz="1800" b="1" dirty="0">
+                <a:effectLst/>
+                <a:latin typeface="Aptos" panose="020B0004020202020204" pitchFamily="34" charset="0"/>
+                <a:ea typeface="Aptos" panose="020B0004020202020204" pitchFamily="34" charset="0"/>
+                <a:cs typeface="Times New Roman" panose="02020603050405020304" pitchFamily="18" charset="0"/>
+              </a:rPr>
+              <a:t>Speicherung und Versionierung</a:t>
+            </a:r>
+            <a:endParaRPr lang="de-DE" sz="1800" dirty="0">
+              <a:effectLst/>
+              <a:latin typeface="Aptos" panose="020B0004020202020204" pitchFamily="34" charset="0"/>
+              <a:ea typeface="Aptos" panose="020B0004020202020204" pitchFamily="34" charset="0"/>
+              <a:cs typeface="Times New Roman" panose="02020603050405020304" pitchFamily="18" charset="0"/>
+            </a:endParaRPr>
+          </a:p>
+          <a:p>
+            <a:pPr marL="342900" lvl="0" indent="-342900">
+              <a:lnSpc>
+                <a:spcPct val="107000"/>
+              </a:lnSpc>
+              <a:spcAft>
+                <a:spcPts val="800"/>
+              </a:spcAft>
+              <a:buSzPts val="1000"/>
+              <a:buFont typeface="Symbol" panose="05050102010706020507" pitchFamily="18" charset="2"/>
+              <a:buChar char=""/>
+              <a:tabLst>
+                <a:tab pos="457200" algn="l"/>
+              </a:tabLst>
+            </a:pPr>
+            <a:r>
+              <a:rPr lang="de-DE" sz="1800" b="1" dirty="0">
+                <a:effectLst/>
+                <a:latin typeface="Aptos" panose="020B0004020202020204" pitchFamily="34" charset="0"/>
+                <a:ea typeface="Aptos" panose="020B0004020202020204" pitchFamily="34" charset="0"/>
+                <a:cs typeface="Times New Roman" panose="02020603050405020304" pitchFamily="18" charset="0"/>
+              </a:rPr>
+              <a:t>Analyse des Storno-Prozesses</a:t>
+            </a:r>
+            <a:endParaRPr lang="de-DE" dirty="0">
+              <a:latin typeface="Aptos" panose="020B0004020202020204" pitchFamily="34" charset="0"/>
+              <a:ea typeface="Aptos" panose="020B0004020202020204" pitchFamily="34" charset="0"/>
+              <a:cs typeface="Times New Roman" panose="02020603050405020304" pitchFamily="18" charset="0"/>
+            </a:endParaRPr>
+          </a:p>
+          <a:p>
+            <a:pPr marL="342900" indent="-342900">
+              <a:lnSpc>
+                <a:spcPct val="107000"/>
+              </a:lnSpc>
+              <a:spcAft>
+                <a:spcPts val="800"/>
+              </a:spcAft>
+              <a:buSzPts val="1000"/>
+              <a:buFont typeface="Symbol" panose="05050102010706020507" pitchFamily="18" charset="2"/>
+              <a:buChar char=""/>
+              <a:tabLst>
+                <a:tab pos="457200" algn="l"/>
+              </a:tabLst>
+            </a:pPr>
+            <a:r>
+              <a:rPr lang="de-DE" sz="1800" b="1" kern="100" dirty="0">
+                <a:effectLst/>
+                <a:latin typeface="Aptos" panose="020B0004020202020204" pitchFamily="34" charset="0"/>
+                <a:ea typeface="Aptos" panose="020B0004020202020204" pitchFamily="34" charset="0"/>
+                <a:cs typeface="Times New Roman" panose="02020603050405020304" pitchFamily="18" charset="0"/>
+              </a:rPr>
+              <a:t>Kunden-Feedback</a:t>
+            </a:r>
+          </a:p>
+          <a:p>
+            <a:pPr marL="342900" indent="-342900">
+              <a:lnSpc>
+                <a:spcPct val="107000"/>
+              </a:lnSpc>
+              <a:spcAft>
+                <a:spcPts val="800"/>
+              </a:spcAft>
+              <a:buSzPts val="1000"/>
+              <a:buFont typeface="Symbol" panose="05050102010706020507" pitchFamily="18" charset="2"/>
+              <a:buChar char=""/>
+              <a:tabLst>
+                <a:tab pos="457200" algn="l"/>
+              </a:tabLst>
+            </a:pPr>
+            <a:r>
+              <a:rPr lang="de-DE" b="1" kern="100" dirty="0">
+                <a:latin typeface="Aptos" panose="020B0004020202020204" pitchFamily="34" charset="0"/>
+                <a:ea typeface="Aptos" panose="020B0004020202020204" pitchFamily="34" charset="0"/>
+                <a:cs typeface="Times New Roman" panose="02020603050405020304" pitchFamily="18" charset="0"/>
+              </a:rPr>
+              <a:t>Kamerasystem</a:t>
+            </a:r>
+            <a:endParaRPr lang="de-DE" sz="1800" b="1" kern="100" dirty="0">
+              <a:effectLst/>
+              <a:latin typeface="Aptos" panose="020B0004020202020204" pitchFamily="34" charset="0"/>
+              <a:ea typeface="Aptos" panose="020B0004020202020204" pitchFamily="34" charset="0"/>
+              <a:cs typeface="Times New Roman" panose="02020603050405020304" pitchFamily="18" charset="0"/>
+            </a:endParaRPr>
+          </a:p>
+          <a:p>
+            <a:pPr marL="342900" indent="-342900">
+              <a:lnSpc>
+                <a:spcPct val="107000"/>
+              </a:lnSpc>
+              <a:spcAft>
+                <a:spcPts val="800"/>
+              </a:spcAft>
+              <a:buSzPts val="1000"/>
+              <a:buFont typeface="Symbol" panose="05050102010706020507" pitchFamily="18" charset="2"/>
+              <a:buChar char=""/>
+              <a:tabLst>
+                <a:tab pos="457200" algn="l"/>
+              </a:tabLst>
+            </a:pPr>
+            <a:r>
+              <a:rPr lang="de-DE" b="1" kern="100" dirty="0">
+                <a:latin typeface="Aptos" panose="020B0004020202020204" pitchFamily="34" charset="0"/>
+                <a:ea typeface="Aptos" panose="020B0004020202020204" pitchFamily="34" charset="0"/>
+                <a:cs typeface="Times New Roman" panose="02020603050405020304" pitchFamily="18" charset="0"/>
+              </a:rPr>
+              <a:t>Plausibilitätsprüfungen</a:t>
+            </a:r>
+            <a:endParaRPr lang="de-DE" sz="1800" b="1" kern="100" dirty="0">
+              <a:effectLst/>
+              <a:latin typeface="Aptos" panose="020B0004020202020204" pitchFamily="34" charset="0"/>
+              <a:ea typeface="Aptos" panose="020B0004020202020204" pitchFamily="34" charset="0"/>
+              <a:cs typeface="Times New Roman" panose="02020603050405020304" pitchFamily="18" charset="0"/>
+            </a:endParaRPr>
+          </a:p>
+        </p:txBody>
+      </p:sp>
+    </p:spTree>
+    <p:extLst>
+      <p:ext uri="{BB962C8B-B14F-4D97-AF65-F5344CB8AC3E}">
+        <p14:creationId xmlns:p14="http://schemas.microsoft.com/office/powerpoint/2010/main" val="341917416"/>
+      </p:ext>
+    </p:extLst>
+  </p:cSld>
+  <p:clrMapOvr>
+    <a:masterClrMapping/>
+  </p:clrMapOvr>
+</p:sld>
+</file>
+
+<file path=ppt/slides/slide9.xml><?xml version="1.0" encoding="utf-8"?>
+<p:sld xmlns:a="http://schemas.openxmlformats.org/drawingml/2006/main" xmlns:r="http://schemas.openxmlformats.org/officeDocument/2006/relationships" xmlns:p="http://schemas.openxmlformats.org/presentationml/2006/main">
+  <p:cSld>
+    <p:spTree>
+      <p:nvGrpSpPr>
+        <p:cNvPr id="1" name="">
+          <a:extLst>
+            <a:ext uri="{FF2B5EF4-FFF2-40B4-BE49-F238E27FC236}">
+              <a16:creationId xmlns:a16="http://schemas.microsoft.com/office/drawing/2014/main" id="{60816EB3-6C62-C9C9-7D2A-A27259A1A242}"/>
+            </a:ext>
+          </a:extLst>
+        </p:cNvPr>
+        <p:cNvGrpSpPr/>
+        <p:nvPr/>
+      </p:nvGrpSpPr>
+      <p:grpSpPr>
+        <a:xfrm>
+          <a:off x="0" y="0"/>
+          <a:ext cx="0" cy="0"/>
+          <a:chOff x="0" y="0"/>
+          <a:chExt cx="0" cy="0"/>
+        </a:xfrm>
+      </p:grpSpPr>
+      <p:sp>
+        <p:nvSpPr>
+          <p:cNvPr id="2" name="Title 1">
+            <a:extLst>
+              <a:ext uri="{FF2B5EF4-FFF2-40B4-BE49-F238E27FC236}">
+                <a16:creationId xmlns:a16="http://schemas.microsoft.com/office/drawing/2014/main" id="{FD0C562A-E08A-9E2A-06C0-725EBBCE486E}"/>
+              </a:ext>
+            </a:extLst>
+          </p:cNvPr>
+          <p:cNvSpPr>
+            <a:spLocks noGrp="1"/>
+          </p:cNvSpPr>
+          <p:nvPr>
+            <p:ph type="title"/>
+          </p:nvPr>
+        </p:nvSpPr>
+        <p:spPr>
+          <a:xfrm>
+            <a:off x="521208" y="978408"/>
+            <a:ext cx="11155680" cy="1170432"/>
+          </a:xfrm>
+        </p:spPr>
+        <p:txBody>
+          <a:bodyPr>
+            <a:normAutofit fontScale="90000"/>
+          </a:bodyPr>
+          <a:lstStyle/>
+          <a:p>
+            <a:r>
+              <a:rPr dirty="0" err="1"/>
+              <a:t>Vor</a:t>
+            </a:r>
+            <a:r>
+              <a:rPr lang="de-DE" dirty="0" err="1"/>
+              <a:t>abanalyse</a:t>
+            </a:r>
+            <a:r>
+              <a:rPr lang="de-DE" dirty="0"/>
+              <a:t> - </a:t>
+            </a:r>
+            <a:r>
+              <a:rPr lang="de-DE" sz="4400" dirty="0"/>
+              <a:t>Repräsentativität</a:t>
+            </a:r>
+            <a:br>
+              <a:rPr lang="de-DE" sz="4400" dirty="0"/>
+            </a:br>
+            <a:r>
+              <a:rPr lang="de-DE" sz="2000" dirty="0"/>
+              <a:t>Fazit: gelabelte Daten sind repräsentativ für den gesamten Datensatz</a:t>
+            </a:r>
+            <a:br>
+              <a:rPr lang="de-DE" sz="2000" dirty="0"/>
+            </a:br>
+            <a:r>
+              <a:rPr lang="de-DE" sz="2000" u="sng" dirty="0"/>
+              <a:t>hier</a:t>
+            </a:r>
+            <a:r>
+              <a:rPr lang="de-DE" sz="2000" dirty="0"/>
+              <a:t>: für numerische Merkmale auf Basis eines t-Tests</a:t>
+            </a:r>
+            <a:br>
+              <a:rPr lang="de-DE" sz="2000" dirty="0"/>
+            </a:br>
+            <a:br>
+              <a:rPr lang="de-DE" dirty="0"/>
+            </a:br>
+            <a:br>
+              <a:rPr lang="de-DE" dirty="0"/>
+            </a:br>
+            <a:br>
+              <a:rPr lang="de-DE" dirty="0"/>
+            </a:br>
             <a:endParaRPr dirty="0"/>
           </a:p>
-          <a:p>
-            <a:pPr>
-              <a:defRPr sz="1800">
-                <a:solidFill>
-                  <a:srgbClr val="000000"/>
-                </a:solidFill>
-              </a:defRPr>
-            </a:pPr>
-            <a:r>
-              <a:rPr dirty="0"/>
-              <a:t>Join </a:t>
-            </a:r>
-            <a:r>
-              <a:rPr dirty="0" err="1"/>
-              <a:t>über</a:t>
-            </a:r>
-            <a:r>
-              <a:rPr dirty="0"/>
-              <a:t> </a:t>
-            </a:r>
-            <a:r>
-              <a:rPr dirty="0" err="1"/>
-              <a:t>transaction_id</a:t>
-            </a:r>
-            <a:r>
-              <a:rPr dirty="0"/>
-              <a:t>, </a:t>
-            </a:r>
-            <a:r>
-              <a:rPr dirty="0" err="1"/>
-              <a:t>product_id</a:t>
-            </a:r>
-            <a:r>
-              <a:rPr dirty="0"/>
-              <a:t>, </a:t>
-            </a:r>
-            <a:r>
-              <a:rPr dirty="0" err="1"/>
-              <a:t>store_id</a:t>
-            </a:r>
-            <a:endParaRPr dirty="0"/>
-          </a:p>
-          <a:p>
-            <a:pPr>
-              <a:defRPr sz="1800">
-                <a:solidFill>
-                  <a:srgbClr val="000000"/>
-                </a:solidFill>
-              </a:defRPr>
-            </a:pPr>
-            <a:r>
-              <a:rPr dirty="0" err="1"/>
-              <a:t>Berechnete</a:t>
-            </a:r>
-            <a:r>
-              <a:rPr dirty="0"/>
-              <a:t> </a:t>
-            </a:r>
-            <a:r>
-              <a:rPr dirty="0" err="1"/>
-              <a:t>Merkmale</a:t>
-            </a:r>
-            <a:r>
-              <a:rPr dirty="0"/>
-              <a:t>: Dauer, </a:t>
-            </a:r>
-            <a:r>
-              <a:rPr dirty="0" err="1"/>
-              <a:t>Uhrzeit</a:t>
-            </a:r>
-            <a:r>
-              <a:rPr dirty="0"/>
-              <a:t>, </a:t>
-            </a:r>
-            <a:r>
-              <a:rPr lang="de-DE" dirty="0"/>
-              <a:t>Wochentag, Verkaufspreis</a:t>
-            </a:r>
-          </a:p>
-          <a:p>
-            <a:pPr>
-              <a:defRPr sz="1800">
-                <a:solidFill>
-                  <a:srgbClr val="000000"/>
-                </a:solidFill>
-              </a:defRPr>
-            </a:pPr>
-            <a:r>
-              <a:rPr lang="de-DE" dirty="0"/>
-              <a:t>Plausibilitätsprüfungen: rechnerische Richtigkeit, Zeitstempel innerhalb Transaktion</a:t>
-            </a:r>
-            <a:endParaRPr dirty="0"/>
-          </a:p>
-        </p:txBody>
-      </p:sp>
+        </p:txBody>
+      </p:sp>
+      <p:pic>
+        <p:nvPicPr>
+          <p:cNvPr id="5" name="Inhaltsplatzhalter 4">
+            <a:extLst>
+              <a:ext uri="{FF2B5EF4-FFF2-40B4-BE49-F238E27FC236}">
+                <a16:creationId xmlns:a16="http://schemas.microsoft.com/office/drawing/2014/main" id="{76B3BE21-483C-03F2-AB19-A8C8B2A37B86}"/>
+              </a:ext>
+            </a:extLst>
+          </p:cNvPr>
+          <p:cNvPicPr>
+            <a:picLocks noGrp="1" noChangeAspect="1"/>
+          </p:cNvPicPr>
+          <p:nvPr>
+            <p:ph idx="1"/>
+          </p:nvPr>
+        </p:nvPicPr>
+        <p:blipFill>
+          <a:blip r:embed="rId2"/>
+          <a:stretch>
+            <a:fillRect/>
+          </a:stretch>
+        </p:blipFill>
+        <p:spPr>
+          <a:xfrm>
+            <a:off x="570729" y="2761110"/>
+            <a:ext cx="11050542" cy="2676899"/>
+          </a:xfrm>
+        </p:spPr>
+      </p:pic>
     </p:spTree>
+    <p:extLst>
+      <p:ext uri="{BB962C8B-B14F-4D97-AF65-F5344CB8AC3E}">
+        <p14:creationId xmlns:p14="http://schemas.microsoft.com/office/powerpoint/2010/main" val="1691424410"/>
+      </p:ext>
+    </p:extLst>
   </p:cSld>
   <p:clrMapOvr>
     <a:masterClrMapping/>
